--- a/Programação para Web/apresentação dev web.pptx
+++ b/Programação para Web/apresentação dev web.pptx
@@ -6082,11 +6082,16 @@
           </p:cNvGraphicFramePr>
           <p:nvPr>
             <p:ph idx="1"/>
+            <p:extLst>
+              <p:ext uri="{D42A27DB-BD31-4B8C-83A1-F6EECF244321}">
+                <p14:modId xmlns:p14="http://schemas.microsoft.com/office/powerpoint/2010/main" val="2739277603"/>
+              </p:ext>
+            </p:extLst>
           </p:nvPr>
         </p:nvGraphicFramePr>
         <p:xfrm>
-          <a:off x="1103313" y="2227356"/>
-          <a:ext cx="8947149" cy="4258111"/>
+          <a:off x="110083" y="1318056"/>
+          <a:ext cx="10857793" cy="5167412"/>
         </p:xfrm>
         <a:graphic>
           <a:graphicData uri="http://schemas.openxmlformats.org/drawingml/2006/table">
@@ -6095,3381 +6100,3381 @@
                 <a:tableStyleId>{5C22544A-7EE6-4342-B048-85BDC9FD1C3A}</a:tableStyleId>
               </a:tblPr>
               <a:tblGrid>
-                <a:gridCol w="1444699"/>
-                <a:gridCol w="1139315"/>
-                <a:gridCol w="1083524"/>
-                <a:gridCol w="563785"/>
-                <a:gridCol w="1421208"/>
-                <a:gridCol w="1647309"/>
-                <a:gridCol w="1647309"/>
+                <a:gridCol w="1753211"/>
+                <a:gridCol w="1382613"/>
+                <a:gridCol w="1314908"/>
+                <a:gridCol w="684180"/>
+                <a:gridCol w="1724705"/>
+                <a:gridCol w="1999088"/>
+                <a:gridCol w="1999088"/>
               </a:tblGrid>
-              <a:tr h="176356">
-                <a:tc>
-                  <a:txBody>
-                    <a:bodyPr/>
-                    <a:lstStyle/>
-                    <a:p>
-                      <a:pPr algn="ctr" fontAlgn="ctr"/>
-                      <a:endParaRPr lang="pt-BR" sz="1000" b="0" i="0" u="none" strike="noStrike">
-                        <a:solidFill>
-                          <a:srgbClr val="000000"/>
-                        </a:solidFill>
-                        <a:effectLst/>
-                        <a:latin typeface="Calibri" panose="020F0502020204030204" pitchFamily="34" charset="0"/>
-                      </a:endParaRPr>
-                    </a:p>
-                  </a:txBody>
-                  <a:tcPr marL="8818" marR="8818" marT="8818" marB="0" anchor="ctr"/>
-                </a:tc>
-                <a:tc>
-                  <a:txBody>
-                    <a:bodyPr/>
-                    <a:lstStyle/>
-                    <a:p>
-                      <a:pPr algn="ctr" fontAlgn="ctr"/>
-                      <a:r>
-                        <a:rPr lang="pt-BR" sz="1000" u="none" strike="noStrike">
+              <a:tr h="380590">
+                <a:tc>
+                  <a:txBody>
+                    <a:bodyPr/>
+                    <a:lstStyle/>
+                    <a:p>
+                      <a:pPr algn="ctr" fontAlgn="ctr"/>
+                      <a:endParaRPr lang="pt-BR" sz="1200" b="0" i="0" u="none" strike="noStrike" dirty="0">
+                        <a:solidFill>
+                          <a:srgbClr val="000000"/>
+                        </a:solidFill>
+                        <a:effectLst/>
+                        <a:latin typeface="Calibri" panose="020F0502020204030204" pitchFamily="34" charset="0"/>
+                      </a:endParaRPr>
+                    </a:p>
+                  </a:txBody>
+                  <a:tcPr marL="10701" marR="10701" marT="10701" marB="0" anchor="ctr"/>
+                </a:tc>
+                <a:tc>
+                  <a:txBody>
+                    <a:bodyPr/>
+                    <a:lstStyle/>
+                    <a:p>
+                      <a:pPr algn="ctr" fontAlgn="ctr"/>
+                      <a:r>
+                        <a:rPr lang="pt-BR" sz="1200" u="none" strike="noStrike">
                           <a:effectLst/>
                         </a:rPr>
                         <a:t>Hostinger Premium</a:t>
                       </a:r>
-                      <a:endParaRPr lang="pt-BR" sz="1000" b="0" i="0" u="none" strike="noStrike">
-                        <a:solidFill>
-                          <a:srgbClr val="000000"/>
-                        </a:solidFill>
-                        <a:effectLst/>
-                        <a:latin typeface="Calibri" panose="020F0502020204030204" pitchFamily="34" charset="0"/>
-                      </a:endParaRPr>
-                    </a:p>
-                  </a:txBody>
-                  <a:tcPr marL="8818" marR="8818" marT="8818" marB="0" anchor="ctr"/>
-                </a:tc>
-                <a:tc>
-                  <a:txBody>
-                    <a:bodyPr/>
-                    <a:lstStyle/>
-                    <a:p>
-                      <a:pPr algn="ctr" fontAlgn="ctr"/>
-                      <a:r>
-                        <a:rPr lang="pt-BR" sz="1000" u="none" strike="noStrike">
+                      <a:endParaRPr lang="pt-BR" sz="1200" b="0" i="0" u="none" strike="noStrike">
+                        <a:solidFill>
+                          <a:srgbClr val="000000"/>
+                        </a:solidFill>
+                        <a:effectLst/>
+                        <a:latin typeface="Calibri" panose="020F0502020204030204" pitchFamily="34" charset="0"/>
+                      </a:endParaRPr>
+                    </a:p>
+                  </a:txBody>
+                  <a:tcPr marL="10701" marR="10701" marT="10701" marB="0" anchor="ctr"/>
+                </a:tc>
+                <a:tc>
+                  <a:txBody>
+                    <a:bodyPr/>
+                    <a:lstStyle/>
+                    <a:p>
+                      <a:pPr algn="ctr" fontAlgn="ctr"/>
+                      <a:r>
+                        <a:rPr lang="pt-BR" sz="1200" u="none" strike="noStrike">
                           <a:effectLst/>
                         </a:rPr>
                         <a:t>Hostinger Gratuito</a:t>
                       </a:r>
-                      <a:endParaRPr lang="pt-BR" sz="1000" b="0" i="0" u="none" strike="noStrike">
-                        <a:solidFill>
-                          <a:srgbClr val="000000"/>
-                        </a:solidFill>
-                        <a:effectLst/>
-                        <a:latin typeface="Calibri" panose="020F0502020204030204" pitchFamily="34" charset="0"/>
-                      </a:endParaRPr>
-                    </a:p>
-                  </a:txBody>
-                  <a:tcPr marL="8818" marR="8818" marT="8818" marB="0" anchor="ctr"/>
-                </a:tc>
-                <a:tc>
-                  <a:txBody>
-                    <a:bodyPr/>
-                    <a:lstStyle/>
-                    <a:p>
-                      <a:pPr algn="ctr" fontAlgn="ctr"/>
-                      <a:r>
-                        <a:rPr lang="pt-BR" sz="1000" u="none" strike="noStrike">
+                      <a:endParaRPr lang="pt-BR" sz="1200" b="0" i="0" u="none" strike="noStrike">
+                        <a:solidFill>
+                          <a:srgbClr val="000000"/>
+                        </a:solidFill>
+                        <a:effectLst/>
+                        <a:latin typeface="Calibri" panose="020F0502020204030204" pitchFamily="34" charset="0"/>
+                      </a:endParaRPr>
+                    </a:p>
+                  </a:txBody>
+                  <a:tcPr marL="10701" marR="10701" marT="10701" marB="0" anchor="ctr"/>
+                </a:tc>
+                <a:tc>
+                  <a:txBody>
+                    <a:bodyPr/>
+                    <a:lstStyle/>
+                    <a:p>
+                      <a:pPr algn="ctr" fontAlgn="ctr"/>
+                      <a:r>
+                        <a:rPr lang="pt-BR" sz="1200" u="none" strike="noStrike">
                           <a:effectLst/>
                         </a:rPr>
                         <a:t>Hostgator</a:t>
                       </a:r>
-                      <a:endParaRPr lang="pt-BR" sz="1000" b="0" i="0" u="none" strike="noStrike">
-                        <a:solidFill>
-                          <a:srgbClr val="000000"/>
-                        </a:solidFill>
-                        <a:effectLst/>
-                        <a:latin typeface="Calibri" panose="020F0502020204030204" pitchFamily="34" charset="0"/>
-                      </a:endParaRPr>
-                    </a:p>
-                  </a:txBody>
-                  <a:tcPr marL="8818" marR="8818" marT="8818" marB="0" anchor="ctr"/>
-                </a:tc>
-                <a:tc>
-                  <a:txBody>
-                    <a:bodyPr/>
-                    <a:lstStyle/>
-                    <a:p>
-                      <a:pPr algn="ctr" fontAlgn="ctr"/>
-                      <a:r>
-                        <a:rPr lang="pt-BR" sz="1000" u="none" strike="noStrike">
+                      <a:endParaRPr lang="pt-BR" sz="1200" b="0" i="0" u="none" strike="noStrike">
+                        <a:solidFill>
+                          <a:srgbClr val="000000"/>
+                        </a:solidFill>
+                        <a:effectLst/>
+                        <a:latin typeface="Calibri" panose="020F0502020204030204" pitchFamily="34" charset="0"/>
+                      </a:endParaRPr>
+                    </a:p>
+                  </a:txBody>
+                  <a:tcPr marL="10701" marR="10701" marT="10701" marB="0" anchor="ctr"/>
+                </a:tc>
+                <a:tc>
+                  <a:txBody>
+                    <a:bodyPr/>
+                    <a:lstStyle/>
+                    <a:p>
+                      <a:pPr algn="ctr" fontAlgn="ctr"/>
+                      <a:r>
+                        <a:rPr lang="pt-BR" sz="1200" u="none" strike="noStrike">
                           <a:effectLst/>
                         </a:rPr>
                         <a:t>GoDaddy Linux Inicial</a:t>
                       </a:r>
-                      <a:endParaRPr lang="pt-BR" sz="1000" b="0" i="0" u="none" strike="noStrike">
-                        <a:solidFill>
-                          <a:srgbClr val="000000"/>
-                        </a:solidFill>
-                        <a:effectLst/>
-                        <a:latin typeface="Calibri" panose="020F0502020204030204" pitchFamily="34" charset="0"/>
-                      </a:endParaRPr>
-                    </a:p>
-                  </a:txBody>
-                  <a:tcPr marL="8818" marR="8818" marT="8818" marB="0" anchor="ctr"/>
-                </a:tc>
-                <a:tc>
-                  <a:txBody>
-                    <a:bodyPr/>
-                    <a:lstStyle/>
-                    <a:p>
-                      <a:pPr algn="ctr" fontAlgn="ctr"/>
-                      <a:r>
-                        <a:rPr lang="pt-BR" sz="1000" u="none" strike="noStrike">
+                      <a:endParaRPr lang="pt-BR" sz="1200" b="0" i="0" u="none" strike="noStrike">
+                        <a:solidFill>
+                          <a:srgbClr val="000000"/>
+                        </a:solidFill>
+                        <a:effectLst/>
+                        <a:latin typeface="Calibri" panose="020F0502020204030204" pitchFamily="34" charset="0"/>
+                      </a:endParaRPr>
+                    </a:p>
+                  </a:txBody>
+                  <a:tcPr marL="10701" marR="10701" marT="10701" marB="0" anchor="ctr"/>
+                </a:tc>
+                <a:tc>
+                  <a:txBody>
+                    <a:bodyPr/>
+                    <a:lstStyle/>
+                    <a:p>
+                      <a:pPr algn="ctr" fontAlgn="ctr"/>
+                      <a:r>
+                        <a:rPr lang="pt-BR" sz="1200" u="none" strike="noStrike">
                           <a:effectLst/>
                         </a:rPr>
                         <a:t>GoDaddy Linux Economy</a:t>
                       </a:r>
-                      <a:endParaRPr lang="pt-BR" sz="1000" b="0" i="0" u="none" strike="noStrike">
-                        <a:solidFill>
-                          <a:srgbClr val="000000"/>
-                        </a:solidFill>
-                        <a:effectLst/>
-                        <a:latin typeface="Calibri" panose="020F0502020204030204" pitchFamily="34" charset="0"/>
-                      </a:endParaRPr>
-                    </a:p>
-                  </a:txBody>
-                  <a:tcPr marL="8818" marR="8818" marT="8818" marB="0" anchor="ctr"/>
-                </a:tc>
-                <a:tc>
-                  <a:txBody>
-                    <a:bodyPr/>
-                    <a:lstStyle/>
-                    <a:p>
-                      <a:pPr algn="ctr" fontAlgn="ctr"/>
-                      <a:r>
-                        <a:rPr lang="pt-BR" sz="1000" u="none" strike="noStrike">
+                      <a:endParaRPr lang="pt-BR" sz="1200" b="0" i="0" u="none" strike="noStrike">
+                        <a:solidFill>
+                          <a:srgbClr val="000000"/>
+                        </a:solidFill>
+                        <a:effectLst/>
+                        <a:latin typeface="Calibri" panose="020F0502020204030204" pitchFamily="34" charset="0"/>
+                      </a:endParaRPr>
+                    </a:p>
+                  </a:txBody>
+                  <a:tcPr marL="10701" marR="10701" marT="10701" marB="0" anchor="ctr"/>
+                </a:tc>
+                <a:tc>
+                  <a:txBody>
+                    <a:bodyPr/>
+                    <a:lstStyle/>
+                    <a:p>
+                      <a:pPr algn="ctr" fontAlgn="ctr"/>
+                      <a:r>
+                        <a:rPr lang="pt-BR" sz="1200" u="none" strike="noStrike">
                           <a:effectLst/>
                         </a:rPr>
                         <a:t>GoDaddy Windows Economy</a:t>
                       </a:r>
-                      <a:endParaRPr lang="pt-BR" sz="1000" b="0" i="0" u="none" strike="noStrike">
-                        <a:solidFill>
-                          <a:srgbClr val="000000"/>
-                        </a:solidFill>
-                        <a:effectLst/>
-                        <a:latin typeface="Calibri" panose="020F0502020204030204" pitchFamily="34" charset="0"/>
-                      </a:endParaRPr>
-                    </a:p>
-                  </a:txBody>
-                  <a:tcPr marL="8818" marR="8818" marT="8818" marB="0" anchor="ctr"/>
+                      <a:endParaRPr lang="pt-BR" sz="1200" b="0" i="0" u="none" strike="noStrike">
+                        <a:solidFill>
+                          <a:srgbClr val="000000"/>
+                        </a:solidFill>
+                        <a:effectLst/>
+                        <a:latin typeface="Calibri" panose="020F0502020204030204" pitchFamily="34" charset="0"/>
+                      </a:endParaRPr>
+                    </a:p>
+                  </a:txBody>
+                  <a:tcPr marL="10701" marR="10701" marT="10701" marB="0" anchor="ctr"/>
                 </a:tc>
               </a:tr>
-              <a:tr h="176356">
-                <a:tc>
-                  <a:txBody>
-                    <a:bodyPr/>
-                    <a:lstStyle/>
-                    <a:p>
-                      <a:pPr algn="ctr" fontAlgn="ctr"/>
-                      <a:r>
-                        <a:rPr lang="pt-BR" sz="1000" u="none" strike="noStrike">
+              <a:tr h="214016">
+                <a:tc>
+                  <a:txBody>
+                    <a:bodyPr/>
+                    <a:lstStyle/>
+                    <a:p>
+                      <a:pPr algn="ctr" fontAlgn="ctr"/>
+                      <a:r>
+                        <a:rPr lang="pt-BR" sz="1200" u="none" strike="noStrike">
                           <a:effectLst/>
                         </a:rPr>
                         <a:t>Preço mensal</a:t>
                       </a:r>
-                      <a:endParaRPr lang="pt-BR" sz="1000" b="0" i="0" u="none" strike="noStrike">
-                        <a:solidFill>
-                          <a:srgbClr val="000000"/>
-                        </a:solidFill>
-                        <a:effectLst/>
-                        <a:latin typeface="Calibri" panose="020F0502020204030204" pitchFamily="34" charset="0"/>
-                      </a:endParaRPr>
-                    </a:p>
-                  </a:txBody>
-                  <a:tcPr marL="8818" marR="8818" marT="8818" marB="0" anchor="ctr"/>
-                </a:tc>
-                <a:tc>
-                  <a:txBody>
-                    <a:bodyPr/>
-                    <a:lstStyle/>
-                    <a:p>
-                      <a:pPr algn="ctr" fontAlgn="ctr"/>
-                      <a:r>
-                        <a:rPr lang="pt-BR" sz="1000" u="none" strike="noStrike">
+                      <a:endParaRPr lang="pt-BR" sz="1200" b="0" i="0" u="none" strike="noStrike">
+                        <a:solidFill>
+                          <a:srgbClr val="000000"/>
+                        </a:solidFill>
+                        <a:effectLst/>
+                        <a:latin typeface="Calibri" panose="020F0502020204030204" pitchFamily="34" charset="0"/>
+                      </a:endParaRPr>
+                    </a:p>
+                  </a:txBody>
+                  <a:tcPr marL="10701" marR="10701" marT="10701" marB="0" anchor="ctr"/>
+                </a:tc>
+                <a:tc>
+                  <a:txBody>
+                    <a:bodyPr/>
+                    <a:lstStyle/>
+                    <a:p>
+                      <a:pPr algn="ctr" fontAlgn="ctr"/>
+                      <a:r>
+                        <a:rPr lang="pt-BR" sz="1200" u="none" strike="noStrike">
                           <a:effectLst/>
                         </a:rPr>
                         <a:t>R$10,99</a:t>
                       </a:r>
-                      <a:endParaRPr lang="pt-BR" sz="1000" b="0" i="0" u="none" strike="noStrike">
-                        <a:solidFill>
-                          <a:srgbClr val="000000"/>
-                        </a:solidFill>
-                        <a:effectLst/>
-                        <a:latin typeface="Calibri" panose="020F0502020204030204" pitchFamily="34" charset="0"/>
-                      </a:endParaRPr>
-                    </a:p>
-                  </a:txBody>
-                  <a:tcPr marL="8818" marR="8818" marT="8818" marB="0" anchor="ctr"/>
-                </a:tc>
-                <a:tc>
-                  <a:txBody>
-                    <a:bodyPr/>
-                    <a:lstStyle/>
-                    <a:p>
-                      <a:pPr algn="ctr" fontAlgn="ctr"/>
-                      <a:r>
-                        <a:rPr lang="pt-BR" sz="1000" u="none" strike="noStrike">
+                      <a:endParaRPr lang="pt-BR" sz="1200" b="0" i="0" u="none" strike="noStrike">
+                        <a:solidFill>
+                          <a:srgbClr val="000000"/>
+                        </a:solidFill>
+                        <a:effectLst/>
+                        <a:latin typeface="Calibri" panose="020F0502020204030204" pitchFamily="34" charset="0"/>
+                      </a:endParaRPr>
+                    </a:p>
+                  </a:txBody>
+                  <a:tcPr marL="10701" marR="10701" marT="10701" marB="0" anchor="ctr"/>
+                </a:tc>
+                <a:tc>
+                  <a:txBody>
+                    <a:bodyPr/>
+                    <a:lstStyle/>
+                    <a:p>
+                      <a:pPr algn="ctr" fontAlgn="ctr"/>
+                      <a:r>
+                        <a:rPr lang="pt-BR" sz="1200" u="none" strike="noStrike">
                           <a:effectLst/>
                         </a:rPr>
                         <a:t>Gratuito</a:t>
                       </a:r>
-                      <a:endParaRPr lang="pt-BR" sz="1000" b="0" i="0" u="none" strike="noStrike">
-                        <a:solidFill>
-                          <a:srgbClr val="000000"/>
-                        </a:solidFill>
-                        <a:effectLst/>
-                        <a:latin typeface="Calibri" panose="020F0502020204030204" pitchFamily="34" charset="0"/>
-                      </a:endParaRPr>
-                    </a:p>
-                  </a:txBody>
-                  <a:tcPr marL="8818" marR="8818" marT="8818" marB="0" anchor="ctr"/>
-                </a:tc>
-                <a:tc>
-                  <a:txBody>
-                    <a:bodyPr/>
-                    <a:lstStyle/>
-                    <a:p>
-                      <a:pPr algn="ctr" fontAlgn="ctr"/>
-                      <a:r>
-                        <a:rPr lang="pt-BR" sz="1000" u="none" strike="noStrike">
+                      <a:endParaRPr lang="pt-BR" sz="1200" b="0" i="0" u="none" strike="noStrike">
+                        <a:solidFill>
+                          <a:srgbClr val="000000"/>
+                        </a:solidFill>
+                        <a:effectLst/>
+                        <a:latin typeface="Calibri" panose="020F0502020204030204" pitchFamily="34" charset="0"/>
+                      </a:endParaRPr>
+                    </a:p>
+                  </a:txBody>
+                  <a:tcPr marL="10701" marR="10701" marT="10701" marB="0" anchor="ctr"/>
+                </a:tc>
+                <a:tc>
+                  <a:txBody>
+                    <a:bodyPr/>
+                    <a:lstStyle/>
+                    <a:p>
+                      <a:pPr algn="ctr" fontAlgn="ctr"/>
+                      <a:r>
+                        <a:rPr lang="pt-BR" sz="1200" u="none" strike="noStrike">
                           <a:effectLst/>
                         </a:rPr>
                         <a:t>R$15,99</a:t>
                       </a:r>
-                      <a:endParaRPr lang="pt-BR" sz="1000" b="0" i="0" u="none" strike="noStrike">
-                        <a:solidFill>
-                          <a:srgbClr val="000000"/>
-                        </a:solidFill>
-                        <a:effectLst/>
-                        <a:latin typeface="Calibri" panose="020F0502020204030204" pitchFamily="34" charset="0"/>
-                      </a:endParaRPr>
-                    </a:p>
-                  </a:txBody>
-                  <a:tcPr marL="8818" marR="8818" marT="8818" marB="0" anchor="ctr"/>
-                </a:tc>
-                <a:tc>
-                  <a:txBody>
-                    <a:bodyPr/>
-                    <a:lstStyle/>
-                    <a:p>
-                      <a:pPr algn="ctr" fontAlgn="ctr"/>
-                      <a:r>
-                        <a:rPr lang="pt-BR" sz="1000" u="none" strike="noStrike">
+                      <a:endParaRPr lang="pt-BR" sz="1200" b="0" i="0" u="none" strike="noStrike">
+                        <a:solidFill>
+                          <a:srgbClr val="000000"/>
+                        </a:solidFill>
+                        <a:effectLst/>
+                        <a:latin typeface="Calibri" panose="020F0502020204030204" pitchFamily="34" charset="0"/>
+                      </a:endParaRPr>
+                    </a:p>
+                  </a:txBody>
+                  <a:tcPr marL="10701" marR="10701" marT="10701" marB="0" anchor="ctr"/>
+                </a:tc>
+                <a:tc>
+                  <a:txBody>
+                    <a:bodyPr/>
+                    <a:lstStyle/>
+                    <a:p>
+                      <a:pPr algn="ctr" fontAlgn="ctr"/>
+                      <a:r>
+                        <a:rPr lang="pt-BR" sz="1200" u="none" strike="noStrike">
                           <a:effectLst/>
                         </a:rPr>
                         <a:t>R$7,90</a:t>
                       </a:r>
-                      <a:endParaRPr lang="pt-BR" sz="1000" b="0" i="0" u="none" strike="noStrike">
-                        <a:solidFill>
-                          <a:srgbClr val="000000"/>
-                        </a:solidFill>
-                        <a:effectLst/>
-                        <a:latin typeface="Calibri" panose="020F0502020204030204" pitchFamily="34" charset="0"/>
-                      </a:endParaRPr>
-                    </a:p>
-                  </a:txBody>
-                  <a:tcPr marL="8818" marR="8818" marT="8818" marB="0" anchor="ctr"/>
-                </a:tc>
-                <a:tc>
-                  <a:txBody>
-                    <a:bodyPr/>
-                    <a:lstStyle/>
-                    <a:p>
-                      <a:pPr algn="ctr" fontAlgn="ctr"/>
-                      <a:r>
-                        <a:rPr lang="pt-BR" sz="1000" u="none" strike="noStrike">
+                      <a:endParaRPr lang="pt-BR" sz="1200" b="0" i="0" u="none" strike="noStrike">
+                        <a:solidFill>
+                          <a:srgbClr val="000000"/>
+                        </a:solidFill>
+                        <a:effectLst/>
+                        <a:latin typeface="Calibri" panose="020F0502020204030204" pitchFamily="34" charset="0"/>
+                      </a:endParaRPr>
+                    </a:p>
+                  </a:txBody>
+                  <a:tcPr marL="10701" marR="10701" marT="10701" marB="0" anchor="ctr"/>
+                </a:tc>
+                <a:tc>
+                  <a:txBody>
+                    <a:bodyPr/>
+                    <a:lstStyle/>
+                    <a:p>
+                      <a:pPr algn="ctr" fontAlgn="ctr"/>
+                      <a:r>
+                        <a:rPr lang="pt-BR" sz="1200" u="none" strike="noStrike">
                           <a:effectLst/>
                         </a:rPr>
                         <a:t>R$15,99</a:t>
                       </a:r>
-                      <a:endParaRPr lang="pt-BR" sz="1000" b="0" i="0" u="none" strike="noStrike">
-                        <a:solidFill>
-                          <a:srgbClr val="000000"/>
-                        </a:solidFill>
-                        <a:effectLst/>
-                        <a:latin typeface="Calibri" panose="020F0502020204030204" pitchFamily="34" charset="0"/>
-                      </a:endParaRPr>
-                    </a:p>
-                  </a:txBody>
-                  <a:tcPr marL="8818" marR="8818" marT="8818" marB="0" anchor="ctr"/>
-                </a:tc>
-                <a:tc>
-                  <a:txBody>
-                    <a:bodyPr/>
-                    <a:lstStyle/>
-                    <a:p>
-                      <a:pPr algn="ctr" fontAlgn="ctr"/>
-                      <a:r>
-                        <a:rPr lang="pt-BR" sz="1000" u="none" strike="noStrike">
+                      <a:endParaRPr lang="pt-BR" sz="1200" b="0" i="0" u="none" strike="noStrike">
+                        <a:solidFill>
+                          <a:srgbClr val="000000"/>
+                        </a:solidFill>
+                        <a:effectLst/>
+                        <a:latin typeface="Calibri" panose="020F0502020204030204" pitchFamily="34" charset="0"/>
+                      </a:endParaRPr>
+                    </a:p>
+                  </a:txBody>
+                  <a:tcPr marL="10701" marR="10701" marT="10701" marB="0" anchor="ctr"/>
+                </a:tc>
+                <a:tc>
+                  <a:txBody>
+                    <a:bodyPr/>
+                    <a:lstStyle/>
+                    <a:p>
+                      <a:pPr algn="ctr" fontAlgn="ctr"/>
+                      <a:r>
+                        <a:rPr lang="pt-BR" sz="1200" u="none" strike="noStrike">
                           <a:effectLst/>
                         </a:rPr>
                         <a:t>R$15,99</a:t>
                       </a:r>
-                      <a:endParaRPr lang="pt-BR" sz="1000" b="0" i="0" u="none" strike="noStrike">
-                        <a:solidFill>
-                          <a:srgbClr val="000000"/>
-                        </a:solidFill>
-                        <a:effectLst/>
-                        <a:latin typeface="Calibri" panose="020F0502020204030204" pitchFamily="34" charset="0"/>
-                      </a:endParaRPr>
-                    </a:p>
-                  </a:txBody>
-                  <a:tcPr marL="8818" marR="8818" marT="8818" marB="0" anchor="ctr"/>
+                      <a:endParaRPr lang="pt-BR" sz="1200" b="0" i="0" u="none" strike="noStrike">
+                        <a:solidFill>
+                          <a:srgbClr val="000000"/>
+                        </a:solidFill>
+                        <a:effectLst/>
+                        <a:latin typeface="Calibri" panose="020F0502020204030204" pitchFamily="34" charset="0"/>
+                      </a:endParaRPr>
+                    </a:p>
+                  </a:txBody>
+                  <a:tcPr marL="10701" marR="10701" marT="10701" marB="0" anchor="ctr"/>
                 </a:tc>
               </a:tr>
-              <a:tr h="176356">
-                <a:tc>
-                  <a:txBody>
-                    <a:bodyPr/>
-                    <a:lstStyle/>
-                    <a:p>
-                      <a:pPr algn="ctr" fontAlgn="ctr"/>
-                      <a:r>
-                        <a:rPr lang="pt-BR" sz="1000" u="none" strike="noStrike">
+              <a:tr h="214016">
+                <a:tc>
+                  <a:txBody>
+                    <a:bodyPr/>
+                    <a:lstStyle/>
+                    <a:p>
+                      <a:pPr algn="ctr" fontAlgn="ctr"/>
+                      <a:r>
+                        <a:rPr lang="pt-BR" sz="1200" u="none" strike="noStrike">
                           <a:effectLst/>
                         </a:rPr>
                         <a:t>Total anual</a:t>
                       </a:r>
-                      <a:endParaRPr lang="pt-BR" sz="1000" b="0" i="0" u="none" strike="noStrike">
-                        <a:solidFill>
-                          <a:srgbClr val="000000"/>
-                        </a:solidFill>
-                        <a:effectLst/>
-                        <a:latin typeface="Calibri" panose="020F0502020204030204" pitchFamily="34" charset="0"/>
-                      </a:endParaRPr>
-                    </a:p>
-                  </a:txBody>
-                  <a:tcPr marL="8818" marR="8818" marT="8818" marB="0" anchor="ctr"/>
-                </a:tc>
-                <a:tc>
-                  <a:txBody>
-                    <a:bodyPr/>
-                    <a:lstStyle/>
-                    <a:p>
-                      <a:pPr algn="ctr" fontAlgn="ctr"/>
-                      <a:r>
-                        <a:rPr lang="pt-BR" sz="1000" u="none" strike="noStrike">
+                      <a:endParaRPr lang="pt-BR" sz="1200" b="0" i="0" u="none" strike="noStrike">
+                        <a:solidFill>
+                          <a:srgbClr val="000000"/>
+                        </a:solidFill>
+                        <a:effectLst/>
+                        <a:latin typeface="Calibri" panose="020F0502020204030204" pitchFamily="34" charset="0"/>
+                      </a:endParaRPr>
+                    </a:p>
+                  </a:txBody>
+                  <a:tcPr marL="10701" marR="10701" marT="10701" marB="0" anchor="ctr"/>
+                </a:tc>
+                <a:tc>
+                  <a:txBody>
+                    <a:bodyPr/>
+                    <a:lstStyle/>
+                    <a:p>
+                      <a:pPr algn="ctr" fontAlgn="ctr"/>
+                      <a:r>
+                        <a:rPr lang="pt-BR" sz="1200" u="none" strike="noStrike">
                           <a:effectLst/>
                         </a:rPr>
                         <a:t>R$131,88</a:t>
                       </a:r>
-                      <a:endParaRPr lang="pt-BR" sz="1000" b="0" i="0" u="none" strike="noStrike">
-                        <a:solidFill>
-                          <a:srgbClr val="000000"/>
-                        </a:solidFill>
-                        <a:effectLst/>
-                        <a:latin typeface="Calibri" panose="020F0502020204030204" pitchFamily="34" charset="0"/>
-                      </a:endParaRPr>
-                    </a:p>
-                  </a:txBody>
-                  <a:tcPr marL="8818" marR="8818" marT="8818" marB="0" anchor="ctr"/>
-                </a:tc>
-                <a:tc>
-                  <a:txBody>
-                    <a:bodyPr/>
-                    <a:lstStyle/>
-                    <a:p>
-                      <a:pPr algn="ctr" fontAlgn="ctr"/>
-                      <a:r>
-                        <a:rPr lang="pt-BR" sz="1000" u="none" strike="noStrike">
+                      <a:endParaRPr lang="pt-BR" sz="1200" b="0" i="0" u="none" strike="noStrike">
+                        <a:solidFill>
+                          <a:srgbClr val="000000"/>
+                        </a:solidFill>
+                        <a:effectLst/>
+                        <a:latin typeface="Calibri" panose="020F0502020204030204" pitchFamily="34" charset="0"/>
+                      </a:endParaRPr>
+                    </a:p>
+                  </a:txBody>
+                  <a:tcPr marL="10701" marR="10701" marT="10701" marB="0" anchor="ctr"/>
+                </a:tc>
+                <a:tc>
+                  <a:txBody>
+                    <a:bodyPr/>
+                    <a:lstStyle/>
+                    <a:p>
+                      <a:pPr algn="ctr" fontAlgn="ctr"/>
+                      <a:r>
+                        <a:rPr lang="pt-BR" sz="1200" u="none" strike="noStrike">
                           <a:effectLst/>
                         </a:rPr>
                         <a:t>Gratuito</a:t>
                       </a:r>
-                      <a:endParaRPr lang="pt-BR" sz="1000" b="0" i="0" u="none" strike="noStrike">
-                        <a:solidFill>
-                          <a:srgbClr val="000000"/>
-                        </a:solidFill>
-                        <a:effectLst/>
-                        <a:latin typeface="Calibri" panose="020F0502020204030204" pitchFamily="34" charset="0"/>
-                      </a:endParaRPr>
-                    </a:p>
-                  </a:txBody>
-                  <a:tcPr marL="8818" marR="8818" marT="8818" marB="0" anchor="ctr"/>
-                </a:tc>
-                <a:tc>
-                  <a:txBody>
-                    <a:bodyPr/>
-                    <a:lstStyle/>
-                    <a:p>
-                      <a:pPr algn="ctr" fontAlgn="ctr"/>
-                      <a:r>
-                        <a:rPr lang="pt-BR" sz="1000" u="none" strike="noStrike">
+                      <a:endParaRPr lang="pt-BR" sz="1200" b="0" i="0" u="none" strike="noStrike">
+                        <a:solidFill>
+                          <a:srgbClr val="000000"/>
+                        </a:solidFill>
+                        <a:effectLst/>
+                        <a:latin typeface="Calibri" panose="020F0502020204030204" pitchFamily="34" charset="0"/>
+                      </a:endParaRPr>
+                    </a:p>
+                  </a:txBody>
+                  <a:tcPr marL="10701" marR="10701" marT="10701" marB="0" anchor="ctr"/>
+                </a:tc>
+                <a:tc>
+                  <a:txBody>
+                    <a:bodyPr/>
+                    <a:lstStyle/>
+                    <a:p>
+                      <a:pPr algn="ctr" fontAlgn="ctr"/>
+                      <a:r>
+                        <a:rPr lang="pt-BR" sz="1200" u="none" strike="noStrike">
                           <a:effectLst/>
                         </a:rPr>
                         <a:t>R$191,88</a:t>
                       </a:r>
-                      <a:endParaRPr lang="pt-BR" sz="1000" b="0" i="0" u="none" strike="noStrike">
-                        <a:solidFill>
-                          <a:srgbClr val="000000"/>
-                        </a:solidFill>
-                        <a:effectLst/>
-                        <a:latin typeface="Calibri" panose="020F0502020204030204" pitchFamily="34" charset="0"/>
-                      </a:endParaRPr>
-                    </a:p>
-                  </a:txBody>
-                  <a:tcPr marL="8818" marR="8818" marT="8818" marB="0" anchor="ctr"/>
-                </a:tc>
-                <a:tc>
-                  <a:txBody>
-                    <a:bodyPr/>
-                    <a:lstStyle/>
-                    <a:p>
-                      <a:pPr algn="ctr" fontAlgn="ctr"/>
-                      <a:r>
-                        <a:rPr lang="pt-BR" sz="1000" u="none" strike="noStrike">
+                      <a:endParaRPr lang="pt-BR" sz="1200" b="0" i="0" u="none" strike="noStrike">
+                        <a:solidFill>
+                          <a:srgbClr val="000000"/>
+                        </a:solidFill>
+                        <a:effectLst/>
+                        <a:latin typeface="Calibri" panose="020F0502020204030204" pitchFamily="34" charset="0"/>
+                      </a:endParaRPr>
+                    </a:p>
+                  </a:txBody>
+                  <a:tcPr marL="10701" marR="10701" marT="10701" marB="0" anchor="ctr"/>
+                </a:tc>
+                <a:tc>
+                  <a:txBody>
+                    <a:bodyPr/>
+                    <a:lstStyle/>
+                    <a:p>
+                      <a:pPr algn="ctr" fontAlgn="ctr"/>
+                      <a:r>
+                        <a:rPr lang="pt-BR" sz="1200" u="none" strike="noStrike">
                           <a:effectLst/>
                         </a:rPr>
                         <a:t>R$95,88</a:t>
                       </a:r>
-                      <a:endParaRPr lang="pt-BR" sz="1000" b="0" i="0" u="none" strike="noStrike">
-                        <a:solidFill>
-                          <a:srgbClr val="000000"/>
-                        </a:solidFill>
-                        <a:effectLst/>
-                        <a:latin typeface="Calibri" panose="020F0502020204030204" pitchFamily="34" charset="0"/>
-                      </a:endParaRPr>
-                    </a:p>
-                  </a:txBody>
-                  <a:tcPr marL="8818" marR="8818" marT="8818" marB="0" anchor="ctr"/>
-                </a:tc>
-                <a:tc>
-                  <a:txBody>
-                    <a:bodyPr/>
-                    <a:lstStyle/>
-                    <a:p>
-                      <a:pPr algn="ctr" fontAlgn="ctr"/>
-                      <a:r>
-                        <a:rPr lang="pt-BR" sz="1000" u="none" strike="noStrike">
+                      <a:endParaRPr lang="pt-BR" sz="1200" b="0" i="0" u="none" strike="noStrike">
+                        <a:solidFill>
+                          <a:srgbClr val="000000"/>
+                        </a:solidFill>
+                        <a:effectLst/>
+                        <a:latin typeface="Calibri" panose="020F0502020204030204" pitchFamily="34" charset="0"/>
+                      </a:endParaRPr>
+                    </a:p>
+                  </a:txBody>
+                  <a:tcPr marL="10701" marR="10701" marT="10701" marB="0" anchor="ctr"/>
+                </a:tc>
+                <a:tc>
+                  <a:txBody>
+                    <a:bodyPr/>
+                    <a:lstStyle/>
+                    <a:p>
+                      <a:pPr algn="ctr" fontAlgn="ctr"/>
+                      <a:r>
+                        <a:rPr lang="pt-BR" sz="1200" u="none" strike="noStrike">
                           <a:effectLst/>
                         </a:rPr>
                         <a:t>R$191,88</a:t>
                       </a:r>
-                      <a:endParaRPr lang="pt-BR" sz="1000" b="0" i="0" u="none" strike="noStrike">
-                        <a:solidFill>
-                          <a:srgbClr val="000000"/>
-                        </a:solidFill>
-                        <a:effectLst/>
-                        <a:latin typeface="Calibri" panose="020F0502020204030204" pitchFamily="34" charset="0"/>
-                      </a:endParaRPr>
-                    </a:p>
-                  </a:txBody>
-                  <a:tcPr marL="8818" marR="8818" marT="8818" marB="0" anchor="ctr"/>
-                </a:tc>
-                <a:tc>
-                  <a:txBody>
-                    <a:bodyPr/>
-                    <a:lstStyle/>
-                    <a:p>
-                      <a:pPr algn="ctr" fontAlgn="ctr"/>
-                      <a:r>
-                        <a:rPr lang="pt-BR" sz="1000" u="none" strike="noStrike">
+                      <a:endParaRPr lang="pt-BR" sz="1200" b="0" i="0" u="none" strike="noStrike">
+                        <a:solidFill>
+                          <a:srgbClr val="000000"/>
+                        </a:solidFill>
+                        <a:effectLst/>
+                        <a:latin typeface="Calibri" panose="020F0502020204030204" pitchFamily="34" charset="0"/>
+                      </a:endParaRPr>
+                    </a:p>
+                  </a:txBody>
+                  <a:tcPr marL="10701" marR="10701" marT="10701" marB="0" anchor="ctr"/>
+                </a:tc>
+                <a:tc>
+                  <a:txBody>
+                    <a:bodyPr/>
+                    <a:lstStyle/>
+                    <a:p>
+                      <a:pPr algn="ctr" fontAlgn="ctr"/>
+                      <a:r>
+                        <a:rPr lang="pt-BR" sz="1200" u="none" strike="noStrike">
                           <a:effectLst/>
                         </a:rPr>
                         <a:t>R$191,88</a:t>
                       </a:r>
-                      <a:endParaRPr lang="pt-BR" sz="1000" b="0" i="0" u="none" strike="noStrike">
-                        <a:solidFill>
-                          <a:srgbClr val="000000"/>
-                        </a:solidFill>
-                        <a:effectLst/>
-                        <a:latin typeface="Calibri" panose="020F0502020204030204" pitchFamily="34" charset="0"/>
-                      </a:endParaRPr>
-                    </a:p>
-                  </a:txBody>
-                  <a:tcPr marL="8818" marR="8818" marT="8818" marB="0" anchor="ctr"/>
+                      <a:endParaRPr lang="pt-BR" sz="1200" b="0" i="0" u="none" strike="noStrike">
+                        <a:solidFill>
+                          <a:srgbClr val="000000"/>
+                        </a:solidFill>
+                        <a:effectLst/>
+                        <a:latin typeface="Calibri" panose="020F0502020204030204" pitchFamily="34" charset="0"/>
+                      </a:endParaRPr>
+                    </a:p>
+                  </a:txBody>
+                  <a:tcPr marL="10701" marR="10701" marT="10701" marB="0" anchor="ctr"/>
                 </a:tc>
               </a:tr>
-              <a:tr h="176356">
-                <a:tc>
-                  <a:txBody>
-                    <a:bodyPr/>
-                    <a:lstStyle/>
-                    <a:p>
-                      <a:pPr algn="ctr" fontAlgn="ctr"/>
-                      <a:r>
-                        <a:rPr lang="pt-BR" sz="1000" u="none" strike="noStrike">
+              <a:tr h="214016">
+                <a:tc>
+                  <a:txBody>
+                    <a:bodyPr/>
+                    <a:lstStyle/>
+                    <a:p>
+                      <a:pPr algn="ctr" fontAlgn="ctr"/>
+                      <a:r>
+                        <a:rPr lang="pt-BR" sz="1200" u="none" strike="noStrike">
                           <a:effectLst/>
                         </a:rPr>
                         <a:t>SO do servidor</a:t>
                       </a:r>
-                      <a:endParaRPr lang="pt-BR" sz="1000" b="0" i="0" u="none" strike="noStrike">
-                        <a:solidFill>
-                          <a:srgbClr val="000000"/>
-                        </a:solidFill>
-                        <a:effectLst/>
-                        <a:latin typeface="Calibri" panose="020F0502020204030204" pitchFamily="34" charset="0"/>
-                      </a:endParaRPr>
-                    </a:p>
-                  </a:txBody>
-                  <a:tcPr marL="8818" marR="8818" marT="8818" marB="0" anchor="ctr"/>
-                </a:tc>
-                <a:tc>
-                  <a:txBody>
-                    <a:bodyPr/>
-                    <a:lstStyle/>
-                    <a:p>
-                      <a:pPr algn="ctr" fontAlgn="ctr"/>
-                      <a:r>
-                        <a:rPr lang="pt-BR" sz="1000" u="none" strike="noStrike">
+                      <a:endParaRPr lang="pt-BR" sz="1200" b="0" i="0" u="none" strike="noStrike">
+                        <a:solidFill>
+                          <a:srgbClr val="000000"/>
+                        </a:solidFill>
+                        <a:effectLst/>
+                        <a:latin typeface="Calibri" panose="020F0502020204030204" pitchFamily="34" charset="0"/>
+                      </a:endParaRPr>
+                    </a:p>
+                  </a:txBody>
+                  <a:tcPr marL="10701" marR="10701" marT="10701" marB="0" anchor="ctr"/>
+                </a:tc>
+                <a:tc>
+                  <a:txBody>
+                    <a:bodyPr/>
+                    <a:lstStyle/>
+                    <a:p>
+                      <a:pPr algn="ctr" fontAlgn="ctr"/>
+                      <a:r>
+                        <a:rPr lang="pt-BR" sz="1200" u="none" strike="noStrike">
                           <a:effectLst/>
                         </a:rPr>
                         <a:t>Linux</a:t>
                       </a:r>
-                      <a:endParaRPr lang="pt-BR" sz="1000" b="0" i="0" u="none" strike="noStrike">
-                        <a:solidFill>
-                          <a:srgbClr val="000000"/>
-                        </a:solidFill>
-                        <a:effectLst/>
-                        <a:latin typeface="Calibri" panose="020F0502020204030204" pitchFamily="34" charset="0"/>
-                      </a:endParaRPr>
-                    </a:p>
-                  </a:txBody>
-                  <a:tcPr marL="8818" marR="8818" marT="8818" marB="0" anchor="ctr"/>
-                </a:tc>
-                <a:tc>
-                  <a:txBody>
-                    <a:bodyPr/>
-                    <a:lstStyle/>
-                    <a:p>
-                      <a:pPr algn="ctr" fontAlgn="ctr"/>
-                      <a:r>
-                        <a:rPr lang="pt-BR" sz="1000" u="none" strike="noStrike">
+                      <a:endParaRPr lang="pt-BR" sz="1200" b="0" i="0" u="none" strike="noStrike">
+                        <a:solidFill>
+                          <a:srgbClr val="000000"/>
+                        </a:solidFill>
+                        <a:effectLst/>
+                        <a:latin typeface="Calibri" panose="020F0502020204030204" pitchFamily="34" charset="0"/>
+                      </a:endParaRPr>
+                    </a:p>
+                  </a:txBody>
+                  <a:tcPr marL="10701" marR="10701" marT="10701" marB="0" anchor="ctr"/>
+                </a:tc>
+                <a:tc>
+                  <a:txBody>
+                    <a:bodyPr/>
+                    <a:lstStyle/>
+                    <a:p>
+                      <a:pPr algn="ctr" fontAlgn="ctr"/>
+                      <a:r>
+                        <a:rPr lang="pt-BR" sz="1200" u="none" strike="noStrike">
                           <a:effectLst/>
                         </a:rPr>
                         <a:t>Linux</a:t>
                       </a:r>
-                      <a:endParaRPr lang="pt-BR" sz="1000" b="0" i="0" u="none" strike="noStrike">
-                        <a:solidFill>
-                          <a:srgbClr val="000000"/>
-                        </a:solidFill>
-                        <a:effectLst/>
-                        <a:latin typeface="Calibri" panose="020F0502020204030204" pitchFamily="34" charset="0"/>
-                      </a:endParaRPr>
-                    </a:p>
-                  </a:txBody>
-                  <a:tcPr marL="8818" marR="8818" marT="8818" marB="0" anchor="ctr"/>
-                </a:tc>
-                <a:tc>
-                  <a:txBody>
-                    <a:bodyPr/>
-                    <a:lstStyle/>
-                    <a:p>
-                      <a:pPr algn="ctr" fontAlgn="ctr"/>
-                      <a:r>
-                        <a:rPr lang="pt-BR" sz="1000" u="none" strike="noStrike">
+                      <a:endParaRPr lang="pt-BR" sz="1200" b="0" i="0" u="none" strike="noStrike">
+                        <a:solidFill>
+                          <a:srgbClr val="000000"/>
+                        </a:solidFill>
+                        <a:effectLst/>
+                        <a:latin typeface="Calibri" panose="020F0502020204030204" pitchFamily="34" charset="0"/>
+                      </a:endParaRPr>
+                    </a:p>
+                  </a:txBody>
+                  <a:tcPr marL="10701" marR="10701" marT="10701" marB="0" anchor="ctr"/>
+                </a:tc>
+                <a:tc>
+                  <a:txBody>
+                    <a:bodyPr/>
+                    <a:lstStyle/>
+                    <a:p>
+                      <a:pPr algn="ctr" fontAlgn="ctr"/>
+                      <a:r>
+                        <a:rPr lang="pt-BR" sz="1200" u="none" strike="noStrike">
                           <a:effectLst/>
                         </a:rPr>
                         <a:t>Linux</a:t>
                       </a:r>
-                      <a:endParaRPr lang="pt-BR" sz="1000" b="0" i="0" u="none" strike="noStrike">
-                        <a:solidFill>
-                          <a:srgbClr val="000000"/>
-                        </a:solidFill>
-                        <a:effectLst/>
-                        <a:latin typeface="Calibri" panose="020F0502020204030204" pitchFamily="34" charset="0"/>
-                      </a:endParaRPr>
-                    </a:p>
-                  </a:txBody>
-                  <a:tcPr marL="8818" marR="8818" marT="8818" marB="0" anchor="ctr"/>
-                </a:tc>
-                <a:tc>
-                  <a:txBody>
-                    <a:bodyPr/>
-                    <a:lstStyle/>
-                    <a:p>
-                      <a:pPr algn="ctr" fontAlgn="ctr"/>
-                      <a:r>
-                        <a:rPr lang="pt-BR" sz="1000" u="none" strike="noStrike">
+                      <a:endParaRPr lang="pt-BR" sz="1200" b="0" i="0" u="none" strike="noStrike">
+                        <a:solidFill>
+                          <a:srgbClr val="000000"/>
+                        </a:solidFill>
+                        <a:effectLst/>
+                        <a:latin typeface="Calibri" panose="020F0502020204030204" pitchFamily="34" charset="0"/>
+                      </a:endParaRPr>
+                    </a:p>
+                  </a:txBody>
+                  <a:tcPr marL="10701" marR="10701" marT="10701" marB="0" anchor="ctr"/>
+                </a:tc>
+                <a:tc>
+                  <a:txBody>
+                    <a:bodyPr/>
+                    <a:lstStyle/>
+                    <a:p>
+                      <a:pPr algn="ctr" fontAlgn="ctr"/>
+                      <a:r>
+                        <a:rPr lang="pt-BR" sz="1200" u="none" strike="noStrike">
                           <a:effectLst/>
                         </a:rPr>
                         <a:t>Linux</a:t>
                       </a:r>
-                      <a:endParaRPr lang="pt-BR" sz="1000" b="0" i="0" u="none" strike="noStrike">
-                        <a:solidFill>
-                          <a:srgbClr val="000000"/>
-                        </a:solidFill>
-                        <a:effectLst/>
-                        <a:latin typeface="Calibri" panose="020F0502020204030204" pitchFamily="34" charset="0"/>
-                      </a:endParaRPr>
-                    </a:p>
-                  </a:txBody>
-                  <a:tcPr marL="8818" marR="8818" marT="8818" marB="0" anchor="ctr"/>
-                </a:tc>
-                <a:tc>
-                  <a:txBody>
-                    <a:bodyPr/>
-                    <a:lstStyle/>
-                    <a:p>
-                      <a:pPr algn="ctr" fontAlgn="ctr"/>
-                      <a:r>
-                        <a:rPr lang="pt-BR" sz="1000" u="none" strike="noStrike">
+                      <a:endParaRPr lang="pt-BR" sz="1200" b="0" i="0" u="none" strike="noStrike">
+                        <a:solidFill>
+                          <a:srgbClr val="000000"/>
+                        </a:solidFill>
+                        <a:effectLst/>
+                        <a:latin typeface="Calibri" panose="020F0502020204030204" pitchFamily="34" charset="0"/>
+                      </a:endParaRPr>
+                    </a:p>
+                  </a:txBody>
+                  <a:tcPr marL="10701" marR="10701" marT="10701" marB="0" anchor="ctr"/>
+                </a:tc>
+                <a:tc>
+                  <a:txBody>
+                    <a:bodyPr/>
+                    <a:lstStyle/>
+                    <a:p>
+                      <a:pPr algn="ctr" fontAlgn="ctr"/>
+                      <a:r>
+                        <a:rPr lang="pt-BR" sz="1200" u="none" strike="noStrike">
                           <a:effectLst/>
                         </a:rPr>
                         <a:t>Linux</a:t>
                       </a:r>
-                      <a:endParaRPr lang="pt-BR" sz="1000" b="0" i="0" u="none" strike="noStrike">
-                        <a:solidFill>
-                          <a:srgbClr val="000000"/>
-                        </a:solidFill>
-                        <a:effectLst/>
-                        <a:latin typeface="Calibri" panose="020F0502020204030204" pitchFamily="34" charset="0"/>
-                      </a:endParaRPr>
-                    </a:p>
-                  </a:txBody>
-                  <a:tcPr marL="8818" marR="8818" marT="8818" marB="0" anchor="ctr"/>
-                </a:tc>
-                <a:tc>
-                  <a:txBody>
-                    <a:bodyPr/>
-                    <a:lstStyle/>
-                    <a:p>
-                      <a:pPr algn="ctr" fontAlgn="ctr"/>
-                      <a:r>
-                        <a:rPr lang="pt-BR" sz="1000" u="none" strike="noStrike">
+                      <a:endParaRPr lang="pt-BR" sz="1200" b="0" i="0" u="none" strike="noStrike">
+                        <a:solidFill>
+                          <a:srgbClr val="000000"/>
+                        </a:solidFill>
+                        <a:effectLst/>
+                        <a:latin typeface="Calibri" panose="020F0502020204030204" pitchFamily="34" charset="0"/>
+                      </a:endParaRPr>
+                    </a:p>
+                  </a:txBody>
+                  <a:tcPr marL="10701" marR="10701" marT="10701" marB="0" anchor="ctr"/>
+                </a:tc>
+                <a:tc>
+                  <a:txBody>
+                    <a:bodyPr/>
+                    <a:lstStyle/>
+                    <a:p>
+                      <a:pPr algn="ctr" fontAlgn="ctr"/>
+                      <a:r>
+                        <a:rPr lang="pt-BR" sz="1200" u="none" strike="noStrike">
                           <a:effectLst/>
                         </a:rPr>
                         <a:t>Windows</a:t>
                       </a:r>
-                      <a:endParaRPr lang="pt-BR" sz="1000" b="0" i="0" u="none" strike="noStrike">
-                        <a:solidFill>
-                          <a:srgbClr val="000000"/>
-                        </a:solidFill>
-                        <a:effectLst/>
-                        <a:latin typeface="Calibri" panose="020F0502020204030204" pitchFamily="34" charset="0"/>
-                      </a:endParaRPr>
-                    </a:p>
-                  </a:txBody>
-                  <a:tcPr marL="8818" marR="8818" marT="8818" marB="0" anchor="ctr"/>
+                      <a:endParaRPr lang="pt-BR" sz="1200" b="0" i="0" u="none" strike="noStrike">
+                        <a:solidFill>
+                          <a:srgbClr val="000000"/>
+                        </a:solidFill>
+                        <a:effectLst/>
+                        <a:latin typeface="Calibri" panose="020F0502020204030204" pitchFamily="34" charset="0"/>
+                      </a:endParaRPr>
+                    </a:p>
+                  </a:txBody>
+                  <a:tcPr marL="10701" marR="10701" marT="10701" marB="0" anchor="ctr"/>
                 </a:tc>
               </a:tr>
-              <a:tr h="176356">
-                <a:tc>
-                  <a:txBody>
-                    <a:bodyPr/>
-                    <a:lstStyle/>
-                    <a:p>
-                      <a:pPr algn="ctr" fontAlgn="ctr"/>
-                      <a:r>
-                        <a:rPr lang="pt-BR" sz="1000" u="none" strike="noStrike">
+              <a:tr h="214016">
+                <a:tc>
+                  <a:txBody>
+                    <a:bodyPr/>
+                    <a:lstStyle/>
+                    <a:p>
+                      <a:pPr algn="ctr" fontAlgn="ctr"/>
+                      <a:r>
+                        <a:rPr lang="pt-BR" sz="1200" u="none" strike="noStrike">
                           <a:effectLst/>
                         </a:rPr>
                         <a:t>Armazenamento</a:t>
                       </a:r>
-                      <a:endParaRPr lang="pt-BR" sz="1000" b="0" i="0" u="none" strike="noStrike">
-                        <a:solidFill>
-                          <a:srgbClr val="000000"/>
-                        </a:solidFill>
-                        <a:effectLst/>
-                        <a:latin typeface="Calibri" panose="020F0502020204030204" pitchFamily="34" charset="0"/>
-                      </a:endParaRPr>
-                    </a:p>
-                  </a:txBody>
-                  <a:tcPr marL="8818" marR="8818" marT="8818" marB="0" anchor="ctr"/>
-                </a:tc>
-                <a:tc>
-                  <a:txBody>
-                    <a:bodyPr/>
-                    <a:lstStyle/>
-                    <a:p>
-                      <a:pPr algn="ctr" fontAlgn="ctr"/>
-                      <a:r>
-                        <a:rPr lang="pt-BR" sz="1000" u="none" strike="noStrike">
+                      <a:endParaRPr lang="pt-BR" sz="1200" b="0" i="0" u="none" strike="noStrike">
+                        <a:solidFill>
+                          <a:srgbClr val="000000"/>
+                        </a:solidFill>
+                        <a:effectLst/>
+                        <a:latin typeface="Calibri" panose="020F0502020204030204" pitchFamily="34" charset="0"/>
+                      </a:endParaRPr>
+                    </a:p>
+                  </a:txBody>
+                  <a:tcPr marL="10701" marR="10701" marT="10701" marB="0" anchor="ctr"/>
+                </a:tc>
+                <a:tc>
+                  <a:txBody>
+                    <a:bodyPr/>
+                    <a:lstStyle/>
+                    <a:p>
+                      <a:pPr algn="ctr" fontAlgn="ctr"/>
+                      <a:r>
+                        <a:rPr lang="pt-BR" sz="1200" u="none" strike="noStrike">
                           <a:effectLst/>
                         </a:rPr>
                         <a:t>Ilimitado</a:t>
                       </a:r>
-                      <a:endParaRPr lang="pt-BR" sz="1000" b="0" i="0" u="none" strike="noStrike">
-                        <a:solidFill>
-                          <a:srgbClr val="000000"/>
-                        </a:solidFill>
-                        <a:effectLst/>
-                        <a:latin typeface="Calibri" panose="020F0502020204030204" pitchFamily="34" charset="0"/>
-                      </a:endParaRPr>
-                    </a:p>
-                  </a:txBody>
-                  <a:tcPr marL="8818" marR="8818" marT="8818" marB="0" anchor="ctr"/>
-                </a:tc>
-                <a:tc>
-                  <a:txBody>
-                    <a:bodyPr/>
-                    <a:lstStyle/>
-                    <a:p>
-                      <a:pPr algn="ctr" fontAlgn="ctr"/>
-                      <a:r>
-                        <a:rPr lang="pt-BR" sz="1000" u="none" strike="noStrike">
+                      <a:endParaRPr lang="pt-BR" sz="1200" b="0" i="0" u="none" strike="noStrike">
+                        <a:solidFill>
+                          <a:srgbClr val="000000"/>
+                        </a:solidFill>
+                        <a:effectLst/>
+                        <a:latin typeface="Calibri" panose="020F0502020204030204" pitchFamily="34" charset="0"/>
+                      </a:endParaRPr>
+                    </a:p>
+                  </a:txBody>
+                  <a:tcPr marL="10701" marR="10701" marT="10701" marB="0" anchor="ctr"/>
+                </a:tc>
+                <a:tc>
+                  <a:txBody>
+                    <a:bodyPr/>
+                    <a:lstStyle/>
+                    <a:p>
+                      <a:pPr algn="ctr" fontAlgn="ctr"/>
+                      <a:r>
+                        <a:rPr lang="pt-BR" sz="1200" u="none" strike="noStrike">
                           <a:effectLst/>
                         </a:rPr>
                         <a:t>2GB</a:t>
                       </a:r>
-                      <a:endParaRPr lang="pt-BR" sz="1000" b="0" i="0" u="none" strike="noStrike">
-                        <a:solidFill>
-                          <a:srgbClr val="000000"/>
-                        </a:solidFill>
-                        <a:effectLst/>
-                        <a:latin typeface="Calibri" panose="020F0502020204030204" pitchFamily="34" charset="0"/>
-                      </a:endParaRPr>
-                    </a:p>
-                  </a:txBody>
-                  <a:tcPr marL="8818" marR="8818" marT="8818" marB="0" anchor="ctr"/>
-                </a:tc>
-                <a:tc>
-                  <a:txBody>
-                    <a:bodyPr/>
-                    <a:lstStyle/>
-                    <a:p>
-                      <a:pPr algn="ctr" fontAlgn="ctr"/>
-                      <a:r>
-                        <a:rPr lang="pt-BR" sz="1000" u="none" strike="noStrike">
+                      <a:endParaRPr lang="pt-BR" sz="1200" b="0" i="0" u="none" strike="noStrike">
+                        <a:solidFill>
+                          <a:srgbClr val="000000"/>
+                        </a:solidFill>
+                        <a:effectLst/>
+                        <a:latin typeface="Calibri" panose="020F0502020204030204" pitchFamily="34" charset="0"/>
+                      </a:endParaRPr>
+                    </a:p>
+                  </a:txBody>
+                  <a:tcPr marL="10701" marR="10701" marT="10701" marB="0" anchor="ctr"/>
+                </a:tc>
+                <a:tc>
+                  <a:txBody>
+                    <a:bodyPr/>
+                    <a:lstStyle/>
+                    <a:p>
+                      <a:pPr algn="ctr" fontAlgn="ctr"/>
+                      <a:r>
+                        <a:rPr lang="pt-BR" sz="1200" u="none" strike="noStrike">
                           <a:effectLst/>
                         </a:rPr>
                         <a:t>100GB</a:t>
                       </a:r>
-                      <a:endParaRPr lang="pt-BR" sz="1000" b="0" i="0" u="none" strike="noStrike">
-                        <a:solidFill>
-                          <a:srgbClr val="000000"/>
-                        </a:solidFill>
-                        <a:effectLst/>
-                        <a:latin typeface="Calibri" panose="020F0502020204030204" pitchFamily="34" charset="0"/>
-                      </a:endParaRPr>
-                    </a:p>
-                  </a:txBody>
-                  <a:tcPr marL="8818" marR="8818" marT="8818" marB="0" anchor="ctr"/>
-                </a:tc>
-                <a:tc>
-                  <a:txBody>
-                    <a:bodyPr/>
-                    <a:lstStyle/>
-                    <a:p>
-                      <a:pPr algn="ctr" fontAlgn="ctr"/>
-                      <a:r>
-                        <a:rPr lang="pt-BR" sz="1000" u="none" strike="noStrike">
+                      <a:endParaRPr lang="pt-BR" sz="1200" b="0" i="0" u="none" strike="noStrike">
+                        <a:solidFill>
+                          <a:srgbClr val="000000"/>
+                        </a:solidFill>
+                        <a:effectLst/>
+                        <a:latin typeface="Calibri" panose="020F0502020204030204" pitchFamily="34" charset="0"/>
+                      </a:endParaRPr>
+                    </a:p>
+                  </a:txBody>
+                  <a:tcPr marL="10701" marR="10701" marT="10701" marB="0" anchor="ctr"/>
+                </a:tc>
+                <a:tc>
+                  <a:txBody>
+                    <a:bodyPr/>
+                    <a:lstStyle/>
+                    <a:p>
+                      <a:pPr algn="ctr" fontAlgn="ctr"/>
+                      <a:r>
+                        <a:rPr lang="pt-BR" sz="1200" u="none" strike="noStrike">
                           <a:effectLst/>
                         </a:rPr>
                         <a:t>30GB</a:t>
                       </a:r>
-                      <a:endParaRPr lang="pt-BR" sz="1000" b="0" i="0" u="none" strike="noStrike">
-                        <a:solidFill>
-                          <a:srgbClr val="000000"/>
-                        </a:solidFill>
-                        <a:effectLst/>
-                        <a:latin typeface="Calibri" panose="020F0502020204030204" pitchFamily="34" charset="0"/>
-                      </a:endParaRPr>
-                    </a:p>
-                  </a:txBody>
-                  <a:tcPr marL="8818" marR="8818" marT="8818" marB="0" anchor="ctr"/>
-                </a:tc>
-                <a:tc>
-                  <a:txBody>
-                    <a:bodyPr/>
-                    <a:lstStyle/>
-                    <a:p>
-                      <a:pPr algn="ctr" fontAlgn="ctr"/>
-                      <a:r>
-                        <a:rPr lang="pt-BR" sz="1000" u="none" strike="noStrike">
+                      <a:endParaRPr lang="pt-BR" sz="1200" b="0" i="0" u="none" strike="noStrike">
+                        <a:solidFill>
+                          <a:srgbClr val="000000"/>
+                        </a:solidFill>
+                        <a:effectLst/>
+                        <a:latin typeface="Calibri" panose="020F0502020204030204" pitchFamily="34" charset="0"/>
+                      </a:endParaRPr>
+                    </a:p>
+                  </a:txBody>
+                  <a:tcPr marL="10701" marR="10701" marT="10701" marB="0" anchor="ctr"/>
+                </a:tc>
+                <a:tc>
+                  <a:txBody>
+                    <a:bodyPr/>
+                    <a:lstStyle/>
+                    <a:p>
+                      <a:pPr algn="ctr" fontAlgn="ctr"/>
+                      <a:r>
+                        <a:rPr lang="pt-BR" sz="1200" u="none" strike="noStrike">
                           <a:effectLst/>
                         </a:rPr>
                         <a:t>100GB</a:t>
                       </a:r>
-                      <a:endParaRPr lang="pt-BR" sz="1000" b="0" i="0" u="none" strike="noStrike">
-                        <a:solidFill>
-                          <a:srgbClr val="000000"/>
-                        </a:solidFill>
-                        <a:effectLst/>
-                        <a:latin typeface="Calibri" panose="020F0502020204030204" pitchFamily="34" charset="0"/>
-                      </a:endParaRPr>
-                    </a:p>
-                  </a:txBody>
-                  <a:tcPr marL="8818" marR="8818" marT="8818" marB="0" anchor="ctr"/>
-                </a:tc>
-                <a:tc>
-                  <a:txBody>
-                    <a:bodyPr/>
-                    <a:lstStyle/>
-                    <a:p>
-                      <a:pPr algn="ctr" fontAlgn="ctr"/>
-                      <a:r>
-                        <a:rPr lang="pt-BR" sz="1000" u="none" strike="noStrike">
+                      <a:endParaRPr lang="pt-BR" sz="1200" b="0" i="0" u="none" strike="noStrike">
+                        <a:solidFill>
+                          <a:srgbClr val="000000"/>
+                        </a:solidFill>
+                        <a:effectLst/>
+                        <a:latin typeface="Calibri" panose="020F0502020204030204" pitchFamily="34" charset="0"/>
+                      </a:endParaRPr>
+                    </a:p>
+                  </a:txBody>
+                  <a:tcPr marL="10701" marR="10701" marT="10701" marB="0" anchor="ctr"/>
+                </a:tc>
+                <a:tc>
+                  <a:txBody>
+                    <a:bodyPr/>
+                    <a:lstStyle/>
+                    <a:p>
+                      <a:pPr algn="ctr" fontAlgn="ctr"/>
+                      <a:r>
+                        <a:rPr lang="pt-BR" sz="1200" u="none" strike="noStrike">
                           <a:effectLst/>
                         </a:rPr>
                         <a:t>100GB</a:t>
                       </a:r>
-                      <a:endParaRPr lang="pt-BR" sz="1000" b="0" i="0" u="none" strike="noStrike">
-                        <a:solidFill>
-                          <a:srgbClr val="000000"/>
-                        </a:solidFill>
-                        <a:effectLst/>
-                        <a:latin typeface="Calibri" panose="020F0502020204030204" pitchFamily="34" charset="0"/>
-                      </a:endParaRPr>
-                    </a:p>
-                  </a:txBody>
-                  <a:tcPr marL="8818" marR="8818" marT="8818" marB="0" anchor="ctr"/>
+                      <a:endParaRPr lang="pt-BR" sz="1200" b="0" i="0" u="none" strike="noStrike">
+                        <a:solidFill>
+                          <a:srgbClr val="000000"/>
+                        </a:solidFill>
+                        <a:effectLst/>
+                        <a:latin typeface="Calibri" panose="020F0502020204030204" pitchFamily="34" charset="0"/>
+                      </a:endParaRPr>
+                    </a:p>
+                  </a:txBody>
+                  <a:tcPr marL="10701" marR="10701" marT="10701" marB="0" anchor="ctr"/>
                 </a:tc>
               </a:tr>
-              <a:tr h="176356">
-                <a:tc>
-                  <a:txBody>
-                    <a:bodyPr/>
-                    <a:lstStyle/>
-                    <a:p>
-                      <a:pPr algn="ctr" fontAlgn="ctr"/>
-                      <a:r>
-                        <a:rPr lang="pt-BR" sz="1000" u="none" strike="noStrike">
+              <a:tr h="214016">
+                <a:tc>
+                  <a:txBody>
+                    <a:bodyPr/>
+                    <a:lstStyle/>
+                    <a:p>
+                      <a:pPr algn="ctr" fontAlgn="ctr"/>
+                      <a:r>
+                        <a:rPr lang="pt-BR" sz="1200" u="none" strike="noStrike">
                           <a:effectLst/>
                         </a:rPr>
                         <a:t>Tráfego de banda</a:t>
                       </a:r>
-                      <a:endParaRPr lang="pt-BR" sz="1000" b="0" i="0" u="none" strike="noStrike">
-                        <a:solidFill>
-                          <a:srgbClr val="000000"/>
-                        </a:solidFill>
-                        <a:effectLst/>
-                        <a:latin typeface="Calibri" panose="020F0502020204030204" pitchFamily="34" charset="0"/>
-                      </a:endParaRPr>
-                    </a:p>
-                  </a:txBody>
-                  <a:tcPr marL="8818" marR="8818" marT="8818" marB="0" anchor="ctr"/>
-                </a:tc>
-                <a:tc>
-                  <a:txBody>
-                    <a:bodyPr/>
-                    <a:lstStyle/>
-                    <a:p>
-                      <a:pPr algn="ctr" fontAlgn="ctr"/>
-                      <a:r>
-                        <a:rPr lang="pt-BR" sz="1000" u="none" strike="noStrike">
+                      <a:endParaRPr lang="pt-BR" sz="1200" b="0" i="0" u="none" strike="noStrike">
+                        <a:solidFill>
+                          <a:srgbClr val="000000"/>
+                        </a:solidFill>
+                        <a:effectLst/>
+                        <a:latin typeface="Calibri" panose="020F0502020204030204" pitchFamily="34" charset="0"/>
+                      </a:endParaRPr>
+                    </a:p>
+                  </a:txBody>
+                  <a:tcPr marL="10701" marR="10701" marT="10701" marB="0" anchor="ctr"/>
+                </a:tc>
+                <a:tc>
+                  <a:txBody>
+                    <a:bodyPr/>
+                    <a:lstStyle/>
+                    <a:p>
+                      <a:pPr algn="ctr" fontAlgn="ctr"/>
+                      <a:r>
+                        <a:rPr lang="pt-BR" sz="1200" u="none" strike="noStrike">
                           <a:effectLst/>
                         </a:rPr>
                         <a:t>Ilimitado</a:t>
                       </a:r>
-                      <a:endParaRPr lang="pt-BR" sz="1000" b="0" i="0" u="none" strike="noStrike">
-                        <a:solidFill>
-                          <a:srgbClr val="000000"/>
-                        </a:solidFill>
-                        <a:effectLst/>
-                        <a:latin typeface="Calibri" panose="020F0502020204030204" pitchFamily="34" charset="0"/>
-                      </a:endParaRPr>
-                    </a:p>
-                  </a:txBody>
-                  <a:tcPr marL="8818" marR="8818" marT="8818" marB="0" anchor="ctr"/>
-                </a:tc>
-                <a:tc>
-                  <a:txBody>
-                    <a:bodyPr/>
-                    <a:lstStyle/>
-                    <a:p>
-                      <a:pPr algn="ctr" fontAlgn="ctr"/>
-                      <a:r>
-                        <a:rPr lang="pt-BR" sz="1000" u="none" strike="noStrike">
+                      <a:endParaRPr lang="pt-BR" sz="1200" b="0" i="0" u="none" strike="noStrike">
+                        <a:solidFill>
+                          <a:srgbClr val="000000"/>
+                        </a:solidFill>
+                        <a:effectLst/>
+                        <a:latin typeface="Calibri" panose="020F0502020204030204" pitchFamily="34" charset="0"/>
+                      </a:endParaRPr>
+                    </a:p>
+                  </a:txBody>
+                  <a:tcPr marL="10701" marR="10701" marT="10701" marB="0" anchor="ctr"/>
+                </a:tc>
+                <a:tc>
+                  <a:txBody>
+                    <a:bodyPr/>
+                    <a:lstStyle/>
+                    <a:p>
+                      <a:pPr algn="ctr" fontAlgn="ctr"/>
+                      <a:r>
+                        <a:rPr lang="pt-BR" sz="1200" u="none" strike="noStrike">
                           <a:effectLst/>
                         </a:rPr>
                         <a:t>100GB</a:t>
                       </a:r>
-                      <a:endParaRPr lang="pt-BR" sz="1000" b="0" i="0" u="none" strike="noStrike">
-                        <a:solidFill>
-                          <a:srgbClr val="000000"/>
-                        </a:solidFill>
-                        <a:effectLst/>
-                        <a:latin typeface="Calibri" panose="020F0502020204030204" pitchFamily="34" charset="0"/>
-                      </a:endParaRPr>
-                    </a:p>
-                  </a:txBody>
-                  <a:tcPr marL="8818" marR="8818" marT="8818" marB="0" anchor="ctr"/>
-                </a:tc>
-                <a:tc>
-                  <a:txBody>
-                    <a:bodyPr/>
-                    <a:lstStyle/>
-                    <a:p>
-                      <a:pPr algn="ctr" fontAlgn="ctr"/>
-                      <a:r>
-                        <a:rPr lang="pt-BR" sz="1000" u="none" strike="noStrike">
+                      <a:endParaRPr lang="pt-BR" sz="1200" b="0" i="0" u="none" strike="noStrike">
+                        <a:solidFill>
+                          <a:srgbClr val="000000"/>
+                        </a:solidFill>
+                        <a:effectLst/>
+                        <a:latin typeface="Calibri" panose="020F0502020204030204" pitchFamily="34" charset="0"/>
+                      </a:endParaRPr>
+                    </a:p>
+                  </a:txBody>
+                  <a:tcPr marL="10701" marR="10701" marT="10701" marB="0" anchor="ctr"/>
+                </a:tc>
+                <a:tc>
+                  <a:txBody>
+                    <a:bodyPr/>
+                    <a:lstStyle/>
+                    <a:p>
+                      <a:pPr algn="ctr" fontAlgn="ctr"/>
+                      <a:r>
+                        <a:rPr lang="pt-BR" sz="1200" u="none" strike="noStrike">
                           <a:effectLst/>
                         </a:rPr>
                         <a:t>Ilimitado</a:t>
                       </a:r>
-                      <a:endParaRPr lang="pt-BR" sz="1000" b="0" i="0" u="none" strike="noStrike">
-                        <a:solidFill>
-                          <a:srgbClr val="000000"/>
-                        </a:solidFill>
-                        <a:effectLst/>
-                        <a:latin typeface="Calibri" panose="020F0502020204030204" pitchFamily="34" charset="0"/>
-                      </a:endParaRPr>
-                    </a:p>
-                  </a:txBody>
-                  <a:tcPr marL="8818" marR="8818" marT="8818" marB="0" anchor="ctr"/>
-                </a:tc>
-                <a:tc>
-                  <a:txBody>
-                    <a:bodyPr/>
-                    <a:lstStyle/>
-                    <a:p>
-                      <a:pPr algn="ctr" fontAlgn="ctr"/>
-                      <a:r>
-                        <a:rPr lang="pt-BR" sz="1000" u="none" strike="noStrike">
+                      <a:endParaRPr lang="pt-BR" sz="1200" b="0" i="0" u="none" strike="noStrike">
+                        <a:solidFill>
+                          <a:srgbClr val="000000"/>
+                        </a:solidFill>
+                        <a:effectLst/>
+                        <a:latin typeface="Calibri" panose="020F0502020204030204" pitchFamily="34" charset="0"/>
+                      </a:endParaRPr>
+                    </a:p>
+                  </a:txBody>
+                  <a:tcPr marL="10701" marR="10701" marT="10701" marB="0" anchor="ctr"/>
+                </a:tc>
+                <a:tc>
+                  <a:txBody>
+                    <a:bodyPr/>
+                    <a:lstStyle/>
+                    <a:p>
+                      <a:pPr algn="ctr" fontAlgn="ctr"/>
+                      <a:r>
+                        <a:rPr lang="pt-BR" sz="1200" u="none" strike="noStrike" dirty="0">
                           <a:effectLst/>
                         </a:rPr>
                         <a:t>Ilimitado</a:t>
                       </a:r>
-                      <a:endParaRPr lang="pt-BR" sz="1000" b="0" i="0" u="none" strike="noStrike">
-                        <a:solidFill>
-                          <a:srgbClr val="000000"/>
-                        </a:solidFill>
-                        <a:effectLst/>
-                        <a:latin typeface="Calibri" panose="020F0502020204030204" pitchFamily="34" charset="0"/>
-                      </a:endParaRPr>
-                    </a:p>
-                  </a:txBody>
-                  <a:tcPr marL="8818" marR="8818" marT="8818" marB="0" anchor="ctr"/>
-                </a:tc>
-                <a:tc>
-                  <a:txBody>
-                    <a:bodyPr/>
-                    <a:lstStyle/>
-                    <a:p>
-                      <a:pPr algn="ctr" fontAlgn="ctr"/>
-                      <a:r>
-                        <a:rPr lang="pt-BR" sz="1000" u="none" strike="noStrike">
+                      <a:endParaRPr lang="pt-BR" sz="1200" b="0" i="0" u="none" strike="noStrike" dirty="0">
+                        <a:solidFill>
+                          <a:srgbClr val="000000"/>
+                        </a:solidFill>
+                        <a:effectLst/>
+                        <a:latin typeface="Calibri" panose="020F0502020204030204" pitchFamily="34" charset="0"/>
+                      </a:endParaRPr>
+                    </a:p>
+                  </a:txBody>
+                  <a:tcPr marL="10701" marR="10701" marT="10701" marB="0" anchor="ctr"/>
+                </a:tc>
+                <a:tc>
+                  <a:txBody>
+                    <a:bodyPr/>
+                    <a:lstStyle/>
+                    <a:p>
+                      <a:pPr algn="ctr" fontAlgn="ctr"/>
+                      <a:r>
+                        <a:rPr lang="pt-BR" sz="1200" u="none" strike="noStrike">
                           <a:effectLst/>
                         </a:rPr>
                         <a:t>Ilimitado</a:t>
                       </a:r>
-                      <a:endParaRPr lang="pt-BR" sz="1000" b="0" i="0" u="none" strike="noStrike">
-                        <a:solidFill>
-                          <a:srgbClr val="000000"/>
-                        </a:solidFill>
-                        <a:effectLst/>
-                        <a:latin typeface="Calibri" panose="020F0502020204030204" pitchFamily="34" charset="0"/>
-                      </a:endParaRPr>
-                    </a:p>
-                  </a:txBody>
-                  <a:tcPr marL="8818" marR="8818" marT="8818" marB="0" anchor="ctr"/>
-                </a:tc>
-                <a:tc>
-                  <a:txBody>
-                    <a:bodyPr/>
-                    <a:lstStyle/>
-                    <a:p>
-                      <a:pPr algn="ctr" fontAlgn="ctr"/>
-                      <a:r>
-                        <a:rPr lang="pt-BR" sz="1000" u="none" strike="noStrike">
+                      <a:endParaRPr lang="pt-BR" sz="1200" b="0" i="0" u="none" strike="noStrike">
+                        <a:solidFill>
+                          <a:srgbClr val="000000"/>
+                        </a:solidFill>
+                        <a:effectLst/>
+                        <a:latin typeface="Calibri" panose="020F0502020204030204" pitchFamily="34" charset="0"/>
+                      </a:endParaRPr>
+                    </a:p>
+                  </a:txBody>
+                  <a:tcPr marL="10701" marR="10701" marT="10701" marB="0" anchor="ctr"/>
+                </a:tc>
+                <a:tc>
+                  <a:txBody>
+                    <a:bodyPr/>
+                    <a:lstStyle/>
+                    <a:p>
+                      <a:pPr algn="ctr" fontAlgn="ctr"/>
+                      <a:r>
+                        <a:rPr lang="pt-BR" sz="1200" u="none" strike="noStrike">
                           <a:effectLst/>
                         </a:rPr>
                         <a:t>Ilimitado</a:t>
                       </a:r>
-                      <a:endParaRPr lang="pt-BR" sz="1000" b="0" i="0" u="none" strike="noStrike">
-                        <a:solidFill>
-                          <a:srgbClr val="000000"/>
-                        </a:solidFill>
-                        <a:effectLst/>
-                        <a:latin typeface="Calibri" panose="020F0502020204030204" pitchFamily="34" charset="0"/>
-                      </a:endParaRPr>
-                    </a:p>
-                  </a:txBody>
-                  <a:tcPr marL="8818" marR="8818" marT="8818" marB="0" anchor="ctr"/>
+                      <a:endParaRPr lang="pt-BR" sz="1200" b="0" i="0" u="none" strike="noStrike">
+                        <a:solidFill>
+                          <a:srgbClr val="000000"/>
+                        </a:solidFill>
+                        <a:effectLst/>
+                        <a:latin typeface="Calibri" panose="020F0502020204030204" pitchFamily="34" charset="0"/>
+                      </a:endParaRPr>
+                    </a:p>
+                  </a:txBody>
+                  <a:tcPr marL="10701" marR="10701" marT="10701" marB="0" anchor="ctr"/>
                 </a:tc>
               </a:tr>
-              <a:tr h="176356">
-                <a:tc>
-                  <a:txBody>
-                    <a:bodyPr/>
-                    <a:lstStyle/>
-                    <a:p>
-                      <a:pPr algn="ctr" fontAlgn="ctr"/>
-                      <a:r>
-                        <a:rPr lang="pt-BR" sz="1000" u="none" strike="noStrike">
+              <a:tr h="214016">
+                <a:tc>
+                  <a:txBody>
+                    <a:bodyPr/>
+                    <a:lstStyle/>
+                    <a:p>
+                      <a:pPr algn="ctr" fontAlgn="ctr"/>
+                      <a:r>
+                        <a:rPr lang="pt-BR" sz="1200" u="none" strike="noStrike">
                           <a:effectLst/>
                         </a:rPr>
                         <a:t>Número de Websites</a:t>
                       </a:r>
-                      <a:endParaRPr lang="pt-BR" sz="1000" b="0" i="0" u="none" strike="noStrike">
-                        <a:solidFill>
-                          <a:srgbClr val="000000"/>
-                        </a:solidFill>
-                        <a:effectLst/>
-                        <a:latin typeface="Calibri" panose="020F0502020204030204" pitchFamily="34" charset="0"/>
-                      </a:endParaRPr>
-                    </a:p>
-                  </a:txBody>
-                  <a:tcPr marL="8818" marR="8818" marT="8818" marB="0" anchor="ctr"/>
-                </a:tc>
-                <a:tc>
-                  <a:txBody>
-                    <a:bodyPr/>
-                    <a:lstStyle/>
-                    <a:p>
-                      <a:pPr algn="ctr" fontAlgn="ctr"/>
-                      <a:r>
-                        <a:rPr lang="pt-BR" sz="1000" u="none" strike="noStrike">
+                      <a:endParaRPr lang="pt-BR" sz="1200" b="0" i="0" u="none" strike="noStrike">
+                        <a:solidFill>
+                          <a:srgbClr val="000000"/>
+                        </a:solidFill>
+                        <a:effectLst/>
+                        <a:latin typeface="Calibri" panose="020F0502020204030204" pitchFamily="34" charset="0"/>
+                      </a:endParaRPr>
+                    </a:p>
+                  </a:txBody>
+                  <a:tcPr marL="10701" marR="10701" marT="10701" marB="0" anchor="ctr"/>
+                </a:tc>
+                <a:tc>
+                  <a:txBody>
+                    <a:bodyPr/>
+                    <a:lstStyle/>
+                    <a:p>
+                      <a:pPr algn="ctr" fontAlgn="ctr"/>
+                      <a:r>
+                        <a:rPr lang="pt-BR" sz="1200" u="none" strike="noStrike">
                           <a:effectLst/>
                         </a:rPr>
                         <a:t>Ilimitado</a:t>
                       </a:r>
-                      <a:endParaRPr lang="pt-BR" sz="1000" b="0" i="0" u="none" strike="noStrike">
-                        <a:solidFill>
-                          <a:srgbClr val="000000"/>
-                        </a:solidFill>
-                        <a:effectLst/>
-                        <a:latin typeface="Calibri" panose="020F0502020204030204" pitchFamily="34" charset="0"/>
-                      </a:endParaRPr>
-                    </a:p>
-                  </a:txBody>
-                  <a:tcPr marL="8818" marR="8818" marT="8818" marB="0" anchor="ctr"/>
-                </a:tc>
-                <a:tc>
-                  <a:txBody>
-                    <a:bodyPr/>
-                    <a:lstStyle/>
-                    <a:p>
-                      <a:pPr algn="ctr" fontAlgn="ctr"/>
-                      <a:r>
-                        <a:rPr lang="pt-BR" sz="1000" u="none" strike="noStrike">
+                      <a:endParaRPr lang="pt-BR" sz="1200" b="0" i="0" u="none" strike="noStrike">
+                        <a:solidFill>
+                          <a:srgbClr val="000000"/>
+                        </a:solidFill>
+                        <a:effectLst/>
+                        <a:latin typeface="Calibri" panose="020F0502020204030204" pitchFamily="34" charset="0"/>
+                      </a:endParaRPr>
+                    </a:p>
+                  </a:txBody>
+                  <a:tcPr marL="10701" marR="10701" marT="10701" marB="0" anchor="ctr"/>
+                </a:tc>
+                <a:tc>
+                  <a:txBody>
+                    <a:bodyPr/>
+                    <a:lstStyle/>
+                    <a:p>
+                      <a:pPr algn="ctr" fontAlgn="ctr"/>
+                      <a:r>
+                        <a:rPr lang="pt-BR" sz="1200" u="none" strike="noStrike">
                           <a:effectLst/>
                         </a:rPr>
                         <a:t>3</a:t>
                       </a:r>
-                      <a:endParaRPr lang="pt-BR" sz="1000" b="0" i="0" u="none" strike="noStrike">
-                        <a:solidFill>
-                          <a:srgbClr val="000000"/>
-                        </a:solidFill>
-                        <a:effectLst/>
-                        <a:latin typeface="Calibri" panose="020F0502020204030204" pitchFamily="34" charset="0"/>
-                      </a:endParaRPr>
-                    </a:p>
-                  </a:txBody>
-                  <a:tcPr marL="8818" marR="8818" marT="8818" marB="0" anchor="ctr"/>
-                </a:tc>
-                <a:tc>
-                  <a:txBody>
-                    <a:bodyPr/>
-                    <a:lstStyle/>
-                    <a:p>
-                      <a:pPr algn="ctr" fontAlgn="ctr"/>
-                      <a:r>
-                        <a:rPr lang="pt-BR" sz="1000" u="none" strike="noStrike">
+                      <a:endParaRPr lang="pt-BR" sz="1200" b="0" i="0" u="none" strike="noStrike">
+                        <a:solidFill>
+                          <a:srgbClr val="000000"/>
+                        </a:solidFill>
+                        <a:effectLst/>
+                        <a:latin typeface="Calibri" panose="020F0502020204030204" pitchFamily="34" charset="0"/>
+                      </a:endParaRPr>
+                    </a:p>
+                  </a:txBody>
+                  <a:tcPr marL="10701" marR="10701" marT="10701" marB="0" anchor="ctr"/>
+                </a:tc>
+                <a:tc>
+                  <a:txBody>
+                    <a:bodyPr/>
+                    <a:lstStyle/>
+                    <a:p>
+                      <a:pPr algn="ctr" fontAlgn="ctr"/>
+                      <a:r>
+                        <a:rPr lang="pt-BR" sz="1200" u="none" strike="noStrike">
                           <a:effectLst/>
                         </a:rPr>
                         <a:t>Ilimitado</a:t>
                       </a:r>
-                      <a:endParaRPr lang="pt-BR" sz="1000" b="0" i="0" u="none" strike="noStrike">
-                        <a:solidFill>
-                          <a:srgbClr val="000000"/>
-                        </a:solidFill>
-                        <a:effectLst/>
-                        <a:latin typeface="Calibri" panose="020F0502020204030204" pitchFamily="34" charset="0"/>
-                      </a:endParaRPr>
-                    </a:p>
-                  </a:txBody>
-                  <a:tcPr marL="8818" marR="8818" marT="8818" marB="0" anchor="ctr"/>
-                </a:tc>
-                <a:tc>
-                  <a:txBody>
-                    <a:bodyPr/>
-                    <a:lstStyle/>
-                    <a:p>
-                      <a:pPr algn="ctr" fontAlgn="ctr"/>
-                      <a:r>
-                        <a:rPr lang="pt-BR" sz="1000" u="none" strike="noStrike">
+                      <a:endParaRPr lang="pt-BR" sz="1200" b="0" i="0" u="none" strike="noStrike">
+                        <a:solidFill>
+                          <a:srgbClr val="000000"/>
+                        </a:solidFill>
+                        <a:effectLst/>
+                        <a:latin typeface="Calibri" panose="020F0502020204030204" pitchFamily="34" charset="0"/>
+                      </a:endParaRPr>
+                    </a:p>
+                  </a:txBody>
+                  <a:tcPr marL="10701" marR="10701" marT="10701" marB="0" anchor="ctr"/>
+                </a:tc>
+                <a:tc>
+                  <a:txBody>
+                    <a:bodyPr/>
+                    <a:lstStyle/>
+                    <a:p>
+                      <a:pPr algn="ctr" fontAlgn="ctr"/>
+                      <a:r>
+                        <a:rPr lang="pt-BR" sz="1200" u="none" strike="noStrike">
                           <a:effectLst/>
                         </a:rPr>
                         <a:t>1</a:t>
                       </a:r>
-                      <a:endParaRPr lang="pt-BR" sz="1000" b="0" i="0" u="none" strike="noStrike">
-                        <a:solidFill>
-                          <a:srgbClr val="000000"/>
-                        </a:solidFill>
-                        <a:effectLst/>
-                        <a:latin typeface="Calibri" panose="020F0502020204030204" pitchFamily="34" charset="0"/>
-                      </a:endParaRPr>
-                    </a:p>
-                  </a:txBody>
-                  <a:tcPr marL="8818" marR="8818" marT="8818" marB="0" anchor="ctr"/>
-                </a:tc>
-                <a:tc>
-                  <a:txBody>
-                    <a:bodyPr/>
-                    <a:lstStyle/>
-                    <a:p>
-                      <a:pPr algn="ctr" fontAlgn="ctr"/>
-                      <a:r>
-                        <a:rPr lang="pt-BR" sz="1000" u="none" strike="noStrike">
+                      <a:endParaRPr lang="pt-BR" sz="1200" b="0" i="0" u="none" strike="noStrike">
+                        <a:solidFill>
+                          <a:srgbClr val="000000"/>
+                        </a:solidFill>
+                        <a:effectLst/>
+                        <a:latin typeface="Calibri" panose="020F0502020204030204" pitchFamily="34" charset="0"/>
+                      </a:endParaRPr>
+                    </a:p>
+                  </a:txBody>
+                  <a:tcPr marL="10701" marR="10701" marT="10701" marB="0" anchor="ctr"/>
+                </a:tc>
+                <a:tc>
+                  <a:txBody>
+                    <a:bodyPr/>
+                    <a:lstStyle/>
+                    <a:p>
+                      <a:pPr algn="ctr" fontAlgn="ctr"/>
+                      <a:r>
+                        <a:rPr lang="pt-BR" sz="1200" u="none" strike="noStrike">
                           <a:effectLst/>
                         </a:rPr>
                         <a:t>1</a:t>
                       </a:r>
-                      <a:endParaRPr lang="pt-BR" sz="1000" b="0" i="0" u="none" strike="noStrike">
-                        <a:solidFill>
-                          <a:srgbClr val="000000"/>
-                        </a:solidFill>
-                        <a:effectLst/>
-                        <a:latin typeface="Calibri" panose="020F0502020204030204" pitchFamily="34" charset="0"/>
-                      </a:endParaRPr>
-                    </a:p>
-                  </a:txBody>
-                  <a:tcPr marL="8818" marR="8818" marT="8818" marB="0" anchor="ctr"/>
-                </a:tc>
-                <a:tc>
-                  <a:txBody>
-                    <a:bodyPr/>
-                    <a:lstStyle/>
-                    <a:p>
-                      <a:pPr algn="ctr" fontAlgn="ctr"/>
-                      <a:r>
-                        <a:rPr lang="pt-BR" sz="1000" u="none" strike="noStrike">
+                      <a:endParaRPr lang="pt-BR" sz="1200" b="0" i="0" u="none" strike="noStrike">
+                        <a:solidFill>
+                          <a:srgbClr val="000000"/>
+                        </a:solidFill>
+                        <a:effectLst/>
+                        <a:latin typeface="Calibri" panose="020F0502020204030204" pitchFamily="34" charset="0"/>
+                      </a:endParaRPr>
+                    </a:p>
+                  </a:txBody>
+                  <a:tcPr marL="10701" marR="10701" marT="10701" marB="0" anchor="ctr"/>
+                </a:tc>
+                <a:tc>
+                  <a:txBody>
+                    <a:bodyPr/>
+                    <a:lstStyle/>
+                    <a:p>
+                      <a:pPr algn="ctr" fontAlgn="ctr"/>
+                      <a:r>
+                        <a:rPr lang="pt-BR" sz="1200" u="none" strike="noStrike">
                           <a:effectLst/>
                         </a:rPr>
                         <a:t>1</a:t>
                       </a:r>
-                      <a:endParaRPr lang="pt-BR" sz="1000" b="0" i="0" u="none" strike="noStrike">
-                        <a:solidFill>
-                          <a:srgbClr val="000000"/>
-                        </a:solidFill>
-                        <a:effectLst/>
-                        <a:latin typeface="Calibri" panose="020F0502020204030204" pitchFamily="34" charset="0"/>
-                      </a:endParaRPr>
-                    </a:p>
-                  </a:txBody>
-                  <a:tcPr marL="8818" marR="8818" marT="8818" marB="0" anchor="ctr"/>
+                      <a:endParaRPr lang="pt-BR" sz="1200" b="0" i="0" u="none" strike="noStrike">
+                        <a:solidFill>
+                          <a:srgbClr val="000000"/>
+                        </a:solidFill>
+                        <a:effectLst/>
+                        <a:latin typeface="Calibri" panose="020F0502020204030204" pitchFamily="34" charset="0"/>
+                      </a:endParaRPr>
+                    </a:p>
+                  </a:txBody>
+                  <a:tcPr marL="10701" marR="10701" marT="10701" marB="0" anchor="ctr"/>
                 </a:tc>
               </a:tr>
-              <a:tr h="176356">
-                <a:tc>
-                  <a:txBody>
-                    <a:bodyPr/>
-                    <a:lstStyle/>
-                    <a:p>
-                      <a:pPr algn="ctr" fontAlgn="ctr"/>
-                      <a:r>
-                        <a:rPr lang="pt-BR" sz="1000" u="none" strike="noStrike">
+              <a:tr h="214016">
+                <a:tc>
+                  <a:txBody>
+                    <a:bodyPr/>
+                    <a:lstStyle/>
+                    <a:p>
+                      <a:pPr algn="ctr" fontAlgn="ctr"/>
+                      <a:r>
+                        <a:rPr lang="pt-BR" sz="1200" u="none" strike="noStrike">
                           <a:effectLst/>
                         </a:rPr>
                         <a:t>Scripts disponíveis</a:t>
                       </a:r>
-                      <a:endParaRPr lang="pt-BR" sz="1000" b="0" i="0" u="none" strike="noStrike">
-                        <a:solidFill>
-                          <a:srgbClr val="000000"/>
-                        </a:solidFill>
-                        <a:effectLst/>
-                        <a:latin typeface="Calibri" panose="020F0502020204030204" pitchFamily="34" charset="0"/>
-                      </a:endParaRPr>
-                    </a:p>
-                  </a:txBody>
-                  <a:tcPr marL="8818" marR="8818" marT="8818" marB="0" anchor="ctr"/>
-                </a:tc>
-                <a:tc>
-                  <a:txBody>
-                    <a:bodyPr/>
-                    <a:lstStyle/>
-                    <a:p>
-                      <a:pPr algn="ctr" fontAlgn="ctr"/>
-                      <a:r>
-                        <a:rPr lang="pt-BR" sz="1000" u="none" strike="noStrike">
+                      <a:endParaRPr lang="pt-BR" sz="1200" b="0" i="0" u="none" strike="noStrike">
+                        <a:solidFill>
+                          <a:srgbClr val="000000"/>
+                        </a:solidFill>
+                        <a:effectLst/>
+                        <a:latin typeface="Calibri" panose="020F0502020204030204" pitchFamily="34" charset="0"/>
+                      </a:endParaRPr>
+                    </a:p>
+                  </a:txBody>
+                  <a:tcPr marL="10701" marR="10701" marT="10701" marB="0" anchor="ctr"/>
+                </a:tc>
+                <a:tc>
+                  <a:txBody>
+                    <a:bodyPr/>
+                    <a:lstStyle/>
+                    <a:p>
+                      <a:pPr algn="ctr" fontAlgn="ctr"/>
+                      <a:r>
+                        <a:rPr lang="pt-BR" sz="1200" u="none" strike="noStrike">
                           <a:effectLst/>
                         </a:rPr>
                         <a:t>90</a:t>
                       </a:r>
-                      <a:endParaRPr lang="pt-BR" sz="1000" b="0" i="0" u="none" strike="noStrike">
-                        <a:solidFill>
-                          <a:srgbClr val="000000"/>
-                        </a:solidFill>
-                        <a:effectLst/>
-                        <a:latin typeface="Calibri" panose="020F0502020204030204" pitchFamily="34" charset="0"/>
-                      </a:endParaRPr>
-                    </a:p>
-                  </a:txBody>
-                  <a:tcPr marL="8818" marR="8818" marT="8818" marB="0" anchor="ctr"/>
-                </a:tc>
-                <a:tc>
-                  <a:txBody>
-                    <a:bodyPr/>
-                    <a:lstStyle/>
-                    <a:p>
-                      <a:pPr algn="ctr" fontAlgn="ctr"/>
-                      <a:r>
-                        <a:rPr lang="pt-BR" sz="1000" u="none" strike="noStrike">
+                      <a:endParaRPr lang="pt-BR" sz="1200" b="0" i="0" u="none" strike="noStrike">
+                        <a:solidFill>
+                          <a:srgbClr val="000000"/>
+                        </a:solidFill>
+                        <a:effectLst/>
+                        <a:latin typeface="Calibri" panose="020F0502020204030204" pitchFamily="34" charset="0"/>
+                      </a:endParaRPr>
+                    </a:p>
+                  </a:txBody>
+                  <a:tcPr marL="10701" marR="10701" marT="10701" marB="0" anchor="ctr"/>
+                </a:tc>
+                <a:tc>
+                  <a:txBody>
+                    <a:bodyPr/>
+                    <a:lstStyle/>
+                    <a:p>
+                      <a:pPr algn="ctr" fontAlgn="ctr"/>
+                      <a:r>
+                        <a:rPr lang="pt-BR" sz="1200" u="none" strike="noStrike">
                           <a:effectLst/>
                         </a:rPr>
                         <a:t>90</a:t>
                       </a:r>
-                      <a:endParaRPr lang="pt-BR" sz="1000" b="0" i="0" u="none" strike="noStrike">
-                        <a:solidFill>
-                          <a:srgbClr val="000000"/>
-                        </a:solidFill>
-                        <a:effectLst/>
-                        <a:latin typeface="Calibri" panose="020F0502020204030204" pitchFamily="34" charset="0"/>
-                      </a:endParaRPr>
-                    </a:p>
-                  </a:txBody>
-                  <a:tcPr marL="8818" marR="8818" marT="8818" marB="0" anchor="ctr"/>
-                </a:tc>
-                <a:tc>
-                  <a:txBody>
-                    <a:bodyPr/>
-                    <a:lstStyle/>
-                    <a:p>
-                      <a:pPr algn="ctr" fontAlgn="ctr"/>
-                      <a:r>
-                        <a:rPr lang="pt-BR" sz="1000" u="none" strike="noStrike">
+                      <a:endParaRPr lang="pt-BR" sz="1200" b="0" i="0" u="none" strike="noStrike">
+                        <a:solidFill>
+                          <a:srgbClr val="000000"/>
+                        </a:solidFill>
+                        <a:effectLst/>
+                        <a:latin typeface="Calibri" panose="020F0502020204030204" pitchFamily="34" charset="0"/>
+                      </a:endParaRPr>
+                    </a:p>
+                  </a:txBody>
+                  <a:tcPr marL="10701" marR="10701" marT="10701" marB="0" anchor="ctr"/>
+                </a:tc>
+                <a:tc>
+                  <a:txBody>
+                    <a:bodyPr/>
+                    <a:lstStyle/>
+                    <a:p>
+                      <a:pPr algn="ctr" fontAlgn="ctr"/>
+                      <a:r>
+                        <a:rPr lang="pt-BR" sz="1200" u="none" strike="noStrike">
                           <a:effectLst/>
                         </a:rPr>
                         <a:t>75</a:t>
                       </a:r>
-                      <a:endParaRPr lang="pt-BR" sz="1000" b="0" i="0" u="none" strike="noStrike">
-                        <a:solidFill>
-                          <a:srgbClr val="000000"/>
-                        </a:solidFill>
-                        <a:effectLst/>
-                        <a:latin typeface="Calibri" panose="020F0502020204030204" pitchFamily="34" charset="0"/>
-                      </a:endParaRPr>
-                    </a:p>
-                  </a:txBody>
-                  <a:tcPr marL="8818" marR="8818" marT="8818" marB="0" anchor="ctr"/>
-                </a:tc>
-                <a:tc>
-                  <a:txBody>
-                    <a:bodyPr/>
-                    <a:lstStyle/>
-                    <a:p>
-                      <a:pPr algn="ctr" fontAlgn="ctr"/>
-                      <a:r>
-                        <a:rPr lang="pt-BR" sz="1000" u="none" strike="noStrike">
+                      <a:endParaRPr lang="pt-BR" sz="1200" b="0" i="0" u="none" strike="noStrike">
+                        <a:solidFill>
+                          <a:srgbClr val="000000"/>
+                        </a:solidFill>
+                        <a:effectLst/>
+                        <a:latin typeface="Calibri" panose="020F0502020204030204" pitchFamily="34" charset="0"/>
+                      </a:endParaRPr>
+                    </a:p>
+                  </a:txBody>
+                  <a:tcPr marL="10701" marR="10701" marT="10701" marB="0" anchor="ctr"/>
+                </a:tc>
+                <a:tc>
+                  <a:txBody>
+                    <a:bodyPr/>
+                    <a:lstStyle/>
+                    <a:p>
+                      <a:pPr algn="ctr" fontAlgn="ctr"/>
+                      <a:r>
+                        <a:rPr lang="pt-BR" sz="1200" u="none" strike="noStrike">
                           <a:effectLst/>
                         </a:rPr>
                         <a:t>?</a:t>
                       </a:r>
-                      <a:endParaRPr lang="pt-BR" sz="1000" b="0" i="0" u="none" strike="noStrike">
-                        <a:solidFill>
-                          <a:srgbClr val="000000"/>
-                        </a:solidFill>
-                        <a:effectLst/>
-                        <a:latin typeface="Calibri" panose="020F0502020204030204" pitchFamily="34" charset="0"/>
-                      </a:endParaRPr>
-                    </a:p>
-                  </a:txBody>
-                  <a:tcPr marL="8818" marR="8818" marT="8818" marB="0" anchor="ctr"/>
-                </a:tc>
-                <a:tc>
-                  <a:txBody>
-                    <a:bodyPr/>
-                    <a:lstStyle/>
-                    <a:p>
-                      <a:pPr algn="ctr" fontAlgn="ctr"/>
-                      <a:r>
-                        <a:rPr lang="pt-BR" sz="1000" u="none" strike="noStrike">
+                      <a:endParaRPr lang="pt-BR" sz="1200" b="0" i="0" u="none" strike="noStrike">
+                        <a:solidFill>
+                          <a:srgbClr val="000000"/>
+                        </a:solidFill>
+                        <a:effectLst/>
+                        <a:latin typeface="Calibri" panose="020F0502020204030204" pitchFamily="34" charset="0"/>
+                      </a:endParaRPr>
+                    </a:p>
+                  </a:txBody>
+                  <a:tcPr marL="10701" marR="10701" marT="10701" marB="0" anchor="ctr"/>
+                </a:tc>
+                <a:tc>
+                  <a:txBody>
+                    <a:bodyPr/>
+                    <a:lstStyle/>
+                    <a:p>
+                      <a:pPr algn="ctr" fontAlgn="ctr"/>
+                      <a:r>
+                        <a:rPr lang="pt-BR" sz="1200" u="none" strike="noStrike">
                           <a:effectLst/>
                         </a:rPr>
                         <a:t>?</a:t>
                       </a:r>
-                      <a:endParaRPr lang="pt-BR" sz="1000" b="0" i="0" u="none" strike="noStrike">
-                        <a:solidFill>
-                          <a:srgbClr val="000000"/>
-                        </a:solidFill>
-                        <a:effectLst/>
-                        <a:latin typeface="Calibri" panose="020F0502020204030204" pitchFamily="34" charset="0"/>
-                      </a:endParaRPr>
-                    </a:p>
-                  </a:txBody>
-                  <a:tcPr marL="8818" marR="8818" marT="8818" marB="0" anchor="ctr"/>
-                </a:tc>
-                <a:tc>
-                  <a:txBody>
-                    <a:bodyPr/>
-                    <a:lstStyle/>
-                    <a:p>
-                      <a:pPr algn="ctr" fontAlgn="ctr"/>
-                      <a:r>
-                        <a:rPr lang="pt-BR" sz="1000" u="none" strike="noStrike">
+                      <a:endParaRPr lang="pt-BR" sz="1200" b="0" i="0" u="none" strike="noStrike">
+                        <a:solidFill>
+                          <a:srgbClr val="000000"/>
+                        </a:solidFill>
+                        <a:effectLst/>
+                        <a:latin typeface="Calibri" panose="020F0502020204030204" pitchFamily="34" charset="0"/>
+                      </a:endParaRPr>
+                    </a:p>
+                  </a:txBody>
+                  <a:tcPr marL="10701" marR="10701" marT="10701" marB="0" anchor="ctr"/>
+                </a:tc>
+                <a:tc>
+                  <a:txBody>
+                    <a:bodyPr/>
+                    <a:lstStyle/>
+                    <a:p>
+                      <a:pPr algn="ctr" fontAlgn="ctr"/>
+                      <a:r>
+                        <a:rPr lang="pt-BR" sz="1200" u="none" strike="noStrike">
                           <a:effectLst/>
                         </a:rPr>
                         <a:t>?</a:t>
                       </a:r>
-                      <a:endParaRPr lang="pt-BR" sz="1000" b="0" i="0" u="none" strike="noStrike">
-                        <a:solidFill>
-                          <a:srgbClr val="000000"/>
-                        </a:solidFill>
-                        <a:effectLst/>
-                        <a:latin typeface="Calibri" panose="020F0502020204030204" pitchFamily="34" charset="0"/>
-                      </a:endParaRPr>
-                    </a:p>
-                  </a:txBody>
-                  <a:tcPr marL="8818" marR="8818" marT="8818" marB="0" anchor="ctr"/>
+                      <a:endParaRPr lang="pt-BR" sz="1200" b="0" i="0" u="none" strike="noStrike">
+                        <a:solidFill>
+                          <a:srgbClr val="000000"/>
+                        </a:solidFill>
+                        <a:effectLst/>
+                        <a:latin typeface="Calibri" panose="020F0502020204030204" pitchFamily="34" charset="0"/>
+                      </a:endParaRPr>
+                    </a:p>
+                  </a:txBody>
+                  <a:tcPr marL="10701" marR="10701" marT="10701" marB="0" anchor="ctr"/>
                 </a:tc>
               </a:tr>
-              <a:tr h="176356">
-                <a:tc>
-                  <a:txBody>
-                    <a:bodyPr/>
-                    <a:lstStyle/>
-                    <a:p>
-                      <a:pPr algn="ctr" fontAlgn="ctr"/>
-                      <a:r>
-                        <a:rPr lang="pt-BR" sz="1000" u="none" strike="noStrike">
+              <a:tr h="214016">
+                <a:tc>
+                  <a:txBody>
+                    <a:bodyPr/>
+                    <a:lstStyle/>
+                    <a:p>
+                      <a:pPr algn="ctr" fontAlgn="ctr"/>
+                      <a:r>
+                        <a:rPr lang="pt-BR" sz="1200" u="none" strike="noStrike">
                           <a:effectLst/>
                         </a:rPr>
                         <a:t>SQL Server</a:t>
                       </a:r>
-                      <a:endParaRPr lang="pt-BR" sz="1000" b="0" i="0" u="none" strike="noStrike">
-                        <a:solidFill>
-                          <a:srgbClr val="000000"/>
-                        </a:solidFill>
-                        <a:effectLst/>
-                        <a:latin typeface="Calibri" panose="020F0502020204030204" pitchFamily="34" charset="0"/>
-                      </a:endParaRPr>
-                    </a:p>
-                  </a:txBody>
-                  <a:tcPr marL="8818" marR="8818" marT="8818" marB="0" anchor="ctr"/>
-                </a:tc>
-                <a:tc>
-                  <a:txBody>
-                    <a:bodyPr/>
-                    <a:lstStyle/>
-                    <a:p>
-                      <a:pPr algn="ctr" fontAlgn="ctr"/>
-                      <a:r>
-                        <a:rPr lang="pt-BR" sz="1000" u="none" strike="noStrike">
+                      <a:endParaRPr lang="pt-BR" sz="1200" b="0" i="0" u="none" strike="noStrike">
+                        <a:solidFill>
+                          <a:srgbClr val="000000"/>
+                        </a:solidFill>
+                        <a:effectLst/>
+                        <a:latin typeface="Calibri" panose="020F0502020204030204" pitchFamily="34" charset="0"/>
+                      </a:endParaRPr>
+                    </a:p>
+                  </a:txBody>
+                  <a:tcPr marL="10701" marR="10701" marT="10701" marB="0" anchor="ctr"/>
+                </a:tc>
+                <a:tc>
+                  <a:txBody>
+                    <a:bodyPr/>
+                    <a:lstStyle/>
+                    <a:p>
+                      <a:pPr algn="ctr" fontAlgn="ctr"/>
+                      <a:r>
+                        <a:rPr lang="pt-BR" sz="1200" u="none" strike="noStrike">
                           <a:effectLst/>
                         </a:rPr>
                         <a:t>Não</a:t>
                       </a:r>
-                      <a:endParaRPr lang="pt-BR" sz="1000" b="0" i="0" u="none" strike="noStrike">
-                        <a:solidFill>
-                          <a:srgbClr val="000000"/>
-                        </a:solidFill>
-                        <a:effectLst/>
-                        <a:latin typeface="Calibri" panose="020F0502020204030204" pitchFamily="34" charset="0"/>
-                      </a:endParaRPr>
-                    </a:p>
-                  </a:txBody>
-                  <a:tcPr marL="8818" marR="8818" marT="8818" marB="0" anchor="ctr"/>
-                </a:tc>
-                <a:tc>
-                  <a:txBody>
-                    <a:bodyPr/>
-                    <a:lstStyle/>
-                    <a:p>
-                      <a:pPr algn="ctr" fontAlgn="ctr"/>
-                      <a:r>
-                        <a:rPr lang="pt-BR" sz="1000" u="none" strike="noStrike">
+                      <a:endParaRPr lang="pt-BR" sz="1200" b="0" i="0" u="none" strike="noStrike">
+                        <a:solidFill>
+                          <a:srgbClr val="000000"/>
+                        </a:solidFill>
+                        <a:effectLst/>
+                        <a:latin typeface="Calibri" panose="020F0502020204030204" pitchFamily="34" charset="0"/>
+                      </a:endParaRPr>
+                    </a:p>
+                  </a:txBody>
+                  <a:tcPr marL="10701" marR="10701" marT="10701" marB="0" anchor="ctr"/>
+                </a:tc>
+                <a:tc>
+                  <a:txBody>
+                    <a:bodyPr/>
+                    <a:lstStyle/>
+                    <a:p>
+                      <a:pPr algn="ctr" fontAlgn="ctr"/>
+                      <a:r>
+                        <a:rPr lang="pt-BR" sz="1200" u="none" strike="noStrike">
                           <a:effectLst/>
                         </a:rPr>
                         <a:t>Não</a:t>
                       </a:r>
-                      <a:endParaRPr lang="pt-BR" sz="1000" b="0" i="0" u="none" strike="noStrike">
-                        <a:solidFill>
-                          <a:srgbClr val="000000"/>
-                        </a:solidFill>
-                        <a:effectLst/>
-                        <a:latin typeface="Calibri" panose="020F0502020204030204" pitchFamily="34" charset="0"/>
-                      </a:endParaRPr>
-                    </a:p>
-                  </a:txBody>
-                  <a:tcPr marL="8818" marR="8818" marT="8818" marB="0" anchor="ctr"/>
-                </a:tc>
-                <a:tc>
-                  <a:txBody>
-                    <a:bodyPr/>
-                    <a:lstStyle/>
-                    <a:p>
-                      <a:pPr algn="ctr" fontAlgn="ctr"/>
-                      <a:r>
-                        <a:rPr lang="pt-BR" sz="1000" u="none" strike="noStrike">
+                      <a:endParaRPr lang="pt-BR" sz="1200" b="0" i="0" u="none" strike="noStrike">
+                        <a:solidFill>
+                          <a:srgbClr val="000000"/>
+                        </a:solidFill>
+                        <a:effectLst/>
+                        <a:latin typeface="Calibri" panose="020F0502020204030204" pitchFamily="34" charset="0"/>
+                      </a:endParaRPr>
+                    </a:p>
+                  </a:txBody>
+                  <a:tcPr marL="10701" marR="10701" marT="10701" marB="0" anchor="ctr"/>
+                </a:tc>
+                <a:tc>
+                  <a:txBody>
+                    <a:bodyPr/>
+                    <a:lstStyle/>
+                    <a:p>
+                      <a:pPr algn="ctr" fontAlgn="ctr"/>
+                      <a:r>
+                        <a:rPr lang="pt-BR" sz="1200" u="none" strike="noStrike">
                           <a:effectLst/>
                         </a:rPr>
                         <a:t>Não</a:t>
                       </a:r>
-                      <a:endParaRPr lang="pt-BR" sz="1000" b="0" i="0" u="none" strike="noStrike">
-                        <a:solidFill>
-                          <a:srgbClr val="000000"/>
-                        </a:solidFill>
-                        <a:effectLst/>
-                        <a:latin typeface="Calibri" panose="020F0502020204030204" pitchFamily="34" charset="0"/>
-                      </a:endParaRPr>
-                    </a:p>
-                  </a:txBody>
-                  <a:tcPr marL="8818" marR="8818" marT="8818" marB="0" anchor="ctr"/>
-                </a:tc>
-                <a:tc>
-                  <a:txBody>
-                    <a:bodyPr/>
-                    <a:lstStyle/>
-                    <a:p>
-                      <a:pPr algn="ctr" fontAlgn="ctr"/>
-                      <a:r>
-                        <a:rPr lang="pt-BR" sz="1000" u="none" strike="noStrike">
+                      <a:endParaRPr lang="pt-BR" sz="1200" b="0" i="0" u="none" strike="noStrike">
+                        <a:solidFill>
+                          <a:srgbClr val="000000"/>
+                        </a:solidFill>
+                        <a:effectLst/>
+                        <a:latin typeface="Calibri" panose="020F0502020204030204" pitchFamily="34" charset="0"/>
+                      </a:endParaRPr>
+                    </a:p>
+                  </a:txBody>
+                  <a:tcPr marL="10701" marR="10701" marT="10701" marB="0" anchor="ctr"/>
+                </a:tc>
+                <a:tc>
+                  <a:txBody>
+                    <a:bodyPr/>
+                    <a:lstStyle/>
+                    <a:p>
+                      <a:pPr algn="ctr" fontAlgn="ctr"/>
+                      <a:r>
+                        <a:rPr lang="pt-BR" sz="1200" u="none" strike="noStrike">
                           <a:effectLst/>
                         </a:rPr>
                         <a:t>Não</a:t>
                       </a:r>
-                      <a:endParaRPr lang="pt-BR" sz="1000" b="0" i="0" u="none" strike="noStrike">
-                        <a:solidFill>
-                          <a:srgbClr val="000000"/>
-                        </a:solidFill>
-                        <a:effectLst/>
-                        <a:latin typeface="Calibri" panose="020F0502020204030204" pitchFamily="34" charset="0"/>
-                      </a:endParaRPr>
-                    </a:p>
-                  </a:txBody>
-                  <a:tcPr marL="8818" marR="8818" marT="8818" marB="0" anchor="ctr"/>
-                </a:tc>
-                <a:tc>
-                  <a:txBody>
-                    <a:bodyPr/>
-                    <a:lstStyle/>
-                    <a:p>
-                      <a:pPr algn="ctr" fontAlgn="ctr"/>
-                      <a:r>
-                        <a:rPr lang="pt-BR" sz="1000" u="none" strike="noStrike">
+                      <a:endParaRPr lang="pt-BR" sz="1200" b="0" i="0" u="none" strike="noStrike">
+                        <a:solidFill>
+                          <a:srgbClr val="000000"/>
+                        </a:solidFill>
+                        <a:effectLst/>
+                        <a:latin typeface="Calibri" panose="020F0502020204030204" pitchFamily="34" charset="0"/>
+                      </a:endParaRPr>
+                    </a:p>
+                  </a:txBody>
+                  <a:tcPr marL="10701" marR="10701" marT="10701" marB="0" anchor="ctr"/>
+                </a:tc>
+                <a:tc>
+                  <a:txBody>
+                    <a:bodyPr/>
+                    <a:lstStyle/>
+                    <a:p>
+                      <a:pPr algn="ctr" fontAlgn="ctr"/>
+                      <a:r>
+                        <a:rPr lang="pt-BR" sz="1200" u="none" strike="noStrike">
                           <a:effectLst/>
                         </a:rPr>
                         <a:t>Não</a:t>
                       </a:r>
-                      <a:endParaRPr lang="pt-BR" sz="1000" b="0" i="0" u="none" strike="noStrike">
-                        <a:solidFill>
-                          <a:srgbClr val="000000"/>
-                        </a:solidFill>
-                        <a:effectLst/>
-                        <a:latin typeface="Calibri" panose="020F0502020204030204" pitchFamily="34" charset="0"/>
-                      </a:endParaRPr>
-                    </a:p>
-                  </a:txBody>
-                  <a:tcPr marL="8818" marR="8818" marT="8818" marB="0" anchor="ctr"/>
-                </a:tc>
-                <a:tc>
-                  <a:txBody>
-                    <a:bodyPr/>
-                    <a:lstStyle/>
-                    <a:p>
-                      <a:pPr algn="ctr" fontAlgn="ctr"/>
-                      <a:r>
-                        <a:rPr lang="pt-BR" sz="1000" u="none" strike="noStrike">
+                      <a:endParaRPr lang="pt-BR" sz="1200" b="0" i="0" u="none" strike="noStrike">
+                        <a:solidFill>
+                          <a:srgbClr val="000000"/>
+                        </a:solidFill>
+                        <a:effectLst/>
+                        <a:latin typeface="Calibri" panose="020F0502020204030204" pitchFamily="34" charset="0"/>
+                      </a:endParaRPr>
+                    </a:p>
+                  </a:txBody>
+                  <a:tcPr marL="10701" marR="10701" marT="10701" marB="0" anchor="ctr"/>
+                </a:tc>
+                <a:tc>
+                  <a:txBody>
+                    <a:bodyPr/>
+                    <a:lstStyle/>
+                    <a:p>
+                      <a:pPr algn="ctr" fontAlgn="ctr"/>
+                      <a:r>
+                        <a:rPr lang="pt-BR" sz="1200" u="none" strike="noStrike">
                           <a:effectLst/>
                         </a:rPr>
                         <a:t>1</a:t>
                       </a:r>
-                      <a:endParaRPr lang="pt-BR" sz="1000" b="0" i="0" u="none" strike="noStrike">
-                        <a:solidFill>
-                          <a:srgbClr val="000000"/>
-                        </a:solidFill>
-                        <a:effectLst/>
-                        <a:latin typeface="Calibri" panose="020F0502020204030204" pitchFamily="34" charset="0"/>
-                      </a:endParaRPr>
-                    </a:p>
-                  </a:txBody>
-                  <a:tcPr marL="8818" marR="8818" marT="8818" marB="0" anchor="ctr"/>
+                      <a:endParaRPr lang="pt-BR" sz="1200" b="0" i="0" u="none" strike="noStrike">
+                        <a:solidFill>
+                          <a:srgbClr val="000000"/>
+                        </a:solidFill>
+                        <a:effectLst/>
+                        <a:latin typeface="Calibri" panose="020F0502020204030204" pitchFamily="34" charset="0"/>
+                      </a:endParaRPr>
+                    </a:p>
+                  </a:txBody>
+                  <a:tcPr marL="10701" marR="10701" marT="10701" marB="0" anchor="ctr"/>
                 </a:tc>
               </a:tr>
-              <a:tr h="176356">
-                <a:tc>
-                  <a:txBody>
-                    <a:bodyPr/>
-                    <a:lstStyle/>
-                    <a:p>
-                      <a:pPr algn="ctr" fontAlgn="ctr"/>
-                      <a:r>
-                        <a:rPr lang="pt-BR" sz="1000" u="none" strike="noStrike">
+              <a:tr h="214016">
+                <a:tc>
+                  <a:txBody>
+                    <a:bodyPr/>
+                    <a:lstStyle/>
+                    <a:p>
+                      <a:pPr algn="ctr" fontAlgn="ctr"/>
+                      <a:r>
+                        <a:rPr lang="pt-BR" sz="1200" u="none" strike="noStrike">
                           <a:effectLst/>
                         </a:rPr>
                         <a:t>BD MySQL</a:t>
                       </a:r>
-                      <a:endParaRPr lang="pt-BR" sz="1000" b="0" i="0" u="none" strike="noStrike">
-                        <a:solidFill>
-                          <a:srgbClr val="000000"/>
-                        </a:solidFill>
-                        <a:effectLst/>
-                        <a:latin typeface="Calibri" panose="020F0502020204030204" pitchFamily="34" charset="0"/>
-                      </a:endParaRPr>
-                    </a:p>
-                  </a:txBody>
-                  <a:tcPr marL="8818" marR="8818" marT="8818" marB="0" anchor="ctr"/>
-                </a:tc>
-                <a:tc>
-                  <a:txBody>
-                    <a:bodyPr/>
-                    <a:lstStyle/>
-                    <a:p>
-                      <a:pPr algn="ctr" fontAlgn="ctr"/>
-                      <a:r>
-                        <a:rPr lang="pt-BR" sz="1000" u="none" strike="noStrike">
+                      <a:endParaRPr lang="pt-BR" sz="1200" b="0" i="0" u="none" strike="noStrike">
+                        <a:solidFill>
+                          <a:srgbClr val="000000"/>
+                        </a:solidFill>
+                        <a:effectLst/>
+                        <a:latin typeface="Calibri" panose="020F0502020204030204" pitchFamily="34" charset="0"/>
+                      </a:endParaRPr>
+                    </a:p>
+                  </a:txBody>
+                  <a:tcPr marL="10701" marR="10701" marT="10701" marB="0" anchor="ctr"/>
+                </a:tc>
+                <a:tc>
+                  <a:txBody>
+                    <a:bodyPr/>
+                    <a:lstStyle/>
+                    <a:p>
+                      <a:pPr algn="ctr" fontAlgn="ctr"/>
+                      <a:r>
+                        <a:rPr lang="pt-BR" sz="1200" u="none" strike="noStrike">
                           <a:effectLst/>
                         </a:rPr>
                         <a:t>Ilimitado</a:t>
                       </a:r>
-                      <a:endParaRPr lang="pt-BR" sz="1000" b="0" i="0" u="none" strike="noStrike">
-                        <a:solidFill>
-                          <a:srgbClr val="000000"/>
-                        </a:solidFill>
-                        <a:effectLst/>
-                        <a:latin typeface="Calibri" panose="020F0502020204030204" pitchFamily="34" charset="0"/>
-                      </a:endParaRPr>
-                    </a:p>
-                  </a:txBody>
-                  <a:tcPr marL="8818" marR="8818" marT="8818" marB="0" anchor="ctr"/>
-                </a:tc>
-                <a:tc>
-                  <a:txBody>
-                    <a:bodyPr/>
-                    <a:lstStyle/>
-                    <a:p>
-                      <a:pPr algn="ctr" fontAlgn="ctr"/>
-                      <a:r>
-                        <a:rPr lang="pt-BR" sz="1000" u="none" strike="noStrike">
+                      <a:endParaRPr lang="pt-BR" sz="1200" b="0" i="0" u="none" strike="noStrike">
+                        <a:solidFill>
+                          <a:srgbClr val="000000"/>
+                        </a:solidFill>
+                        <a:effectLst/>
+                        <a:latin typeface="Calibri" panose="020F0502020204030204" pitchFamily="34" charset="0"/>
+                      </a:endParaRPr>
+                    </a:p>
+                  </a:txBody>
+                  <a:tcPr marL="10701" marR="10701" marT="10701" marB="0" anchor="ctr"/>
+                </a:tc>
+                <a:tc>
+                  <a:txBody>
+                    <a:bodyPr/>
+                    <a:lstStyle/>
+                    <a:p>
+                      <a:pPr algn="ctr" fontAlgn="ctr"/>
+                      <a:r>
+                        <a:rPr lang="pt-BR" sz="1200" u="none" strike="noStrike">
                           <a:effectLst/>
                         </a:rPr>
                         <a:t>2</a:t>
                       </a:r>
-                      <a:endParaRPr lang="pt-BR" sz="1000" b="0" i="0" u="none" strike="noStrike">
-                        <a:solidFill>
-                          <a:srgbClr val="000000"/>
-                        </a:solidFill>
-                        <a:effectLst/>
-                        <a:latin typeface="Calibri" panose="020F0502020204030204" pitchFamily="34" charset="0"/>
-                      </a:endParaRPr>
-                    </a:p>
-                  </a:txBody>
-                  <a:tcPr marL="8818" marR="8818" marT="8818" marB="0" anchor="ctr"/>
-                </a:tc>
-                <a:tc>
-                  <a:txBody>
-                    <a:bodyPr/>
-                    <a:lstStyle/>
-                    <a:p>
-                      <a:pPr algn="ctr" fontAlgn="ctr"/>
-                      <a:r>
-                        <a:rPr lang="pt-BR" sz="1000" u="none" strike="noStrike">
+                      <a:endParaRPr lang="pt-BR" sz="1200" b="0" i="0" u="none" strike="noStrike">
+                        <a:solidFill>
+                          <a:srgbClr val="000000"/>
+                        </a:solidFill>
+                        <a:effectLst/>
+                        <a:latin typeface="Calibri" panose="020F0502020204030204" pitchFamily="34" charset="0"/>
+                      </a:endParaRPr>
+                    </a:p>
+                  </a:txBody>
+                  <a:tcPr marL="10701" marR="10701" marT="10701" marB="0" anchor="ctr"/>
+                </a:tc>
+                <a:tc>
+                  <a:txBody>
+                    <a:bodyPr/>
+                    <a:lstStyle/>
+                    <a:p>
+                      <a:pPr algn="ctr" fontAlgn="ctr"/>
+                      <a:r>
+                        <a:rPr lang="pt-BR" sz="1200" u="none" strike="noStrike">
                           <a:effectLst/>
                         </a:rPr>
                         <a:t>Ilimitado</a:t>
                       </a:r>
-                      <a:endParaRPr lang="pt-BR" sz="1000" b="0" i="0" u="none" strike="noStrike">
-                        <a:solidFill>
-                          <a:srgbClr val="000000"/>
-                        </a:solidFill>
-                        <a:effectLst/>
-                        <a:latin typeface="Calibri" panose="020F0502020204030204" pitchFamily="34" charset="0"/>
-                      </a:endParaRPr>
-                    </a:p>
-                  </a:txBody>
-                  <a:tcPr marL="8818" marR="8818" marT="8818" marB="0" anchor="ctr"/>
-                </a:tc>
-                <a:tc>
-                  <a:txBody>
-                    <a:bodyPr/>
-                    <a:lstStyle/>
-                    <a:p>
-                      <a:pPr algn="ctr" fontAlgn="ctr"/>
-                      <a:r>
-                        <a:rPr lang="pt-BR" sz="1000" u="none" strike="noStrike">
+                      <a:endParaRPr lang="pt-BR" sz="1200" b="0" i="0" u="none" strike="noStrike">
+                        <a:solidFill>
+                          <a:srgbClr val="000000"/>
+                        </a:solidFill>
+                        <a:effectLst/>
+                        <a:latin typeface="Calibri" panose="020F0502020204030204" pitchFamily="34" charset="0"/>
+                      </a:endParaRPr>
+                    </a:p>
+                  </a:txBody>
+                  <a:tcPr marL="10701" marR="10701" marT="10701" marB="0" anchor="ctr"/>
+                </a:tc>
+                <a:tc>
+                  <a:txBody>
+                    <a:bodyPr/>
+                    <a:lstStyle/>
+                    <a:p>
+                      <a:pPr algn="ctr" fontAlgn="ctr"/>
+                      <a:r>
+                        <a:rPr lang="pt-BR" sz="1200" u="none" strike="noStrike">
                           <a:effectLst/>
                         </a:rPr>
                         <a:t>?</a:t>
                       </a:r>
-                      <a:endParaRPr lang="pt-BR" sz="1000" b="0" i="0" u="none" strike="noStrike">
-                        <a:solidFill>
-                          <a:srgbClr val="000000"/>
-                        </a:solidFill>
-                        <a:effectLst/>
-                        <a:latin typeface="Calibri" panose="020F0502020204030204" pitchFamily="34" charset="0"/>
-                      </a:endParaRPr>
-                    </a:p>
-                  </a:txBody>
-                  <a:tcPr marL="8818" marR="8818" marT="8818" marB="0" anchor="ctr"/>
-                </a:tc>
-                <a:tc>
-                  <a:txBody>
-                    <a:bodyPr/>
-                    <a:lstStyle/>
-                    <a:p>
-                      <a:pPr algn="ctr" fontAlgn="ctr"/>
-                      <a:r>
-                        <a:rPr lang="pt-BR" sz="1000" u="none" strike="noStrike">
+                      <a:endParaRPr lang="pt-BR" sz="1200" b="0" i="0" u="none" strike="noStrike">
+                        <a:solidFill>
+                          <a:srgbClr val="000000"/>
+                        </a:solidFill>
+                        <a:effectLst/>
+                        <a:latin typeface="Calibri" panose="020F0502020204030204" pitchFamily="34" charset="0"/>
+                      </a:endParaRPr>
+                    </a:p>
+                  </a:txBody>
+                  <a:tcPr marL="10701" marR="10701" marT="10701" marB="0" anchor="ctr"/>
+                </a:tc>
+                <a:tc>
+                  <a:txBody>
+                    <a:bodyPr/>
+                    <a:lstStyle/>
+                    <a:p>
+                      <a:pPr algn="ctr" fontAlgn="ctr"/>
+                      <a:r>
+                        <a:rPr lang="pt-BR" sz="1200" u="none" strike="noStrike">
                           <a:effectLst/>
                         </a:rPr>
                         <a:t>?</a:t>
                       </a:r>
-                      <a:endParaRPr lang="pt-BR" sz="1000" b="0" i="0" u="none" strike="noStrike">
-                        <a:solidFill>
-                          <a:srgbClr val="000000"/>
-                        </a:solidFill>
-                        <a:effectLst/>
-                        <a:latin typeface="Calibri" panose="020F0502020204030204" pitchFamily="34" charset="0"/>
-                      </a:endParaRPr>
-                    </a:p>
-                  </a:txBody>
-                  <a:tcPr marL="8818" marR="8818" marT="8818" marB="0" anchor="ctr"/>
-                </a:tc>
-                <a:tc>
-                  <a:txBody>
-                    <a:bodyPr/>
-                    <a:lstStyle/>
-                    <a:p>
-                      <a:pPr algn="ctr" fontAlgn="ctr"/>
-                      <a:r>
-                        <a:rPr lang="pt-BR" sz="1000" u="none" strike="noStrike">
+                      <a:endParaRPr lang="pt-BR" sz="1200" b="0" i="0" u="none" strike="noStrike">
+                        <a:solidFill>
+                          <a:srgbClr val="000000"/>
+                        </a:solidFill>
+                        <a:effectLst/>
+                        <a:latin typeface="Calibri" panose="020F0502020204030204" pitchFamily="34" charset="0"/>
+                      </a:endParaRPr>
+                    </a:p>
+                  </a:txBody>
+                  <a:tcPr marL="10701" marR="10701" marT="10701" marB="0" anchor="ctr"/>
+                </a:tc>
+                <a:tc>
+                  <a:txBody>
+                    <a:bodyPr/>
+                    <a:lstStyle/>
+                    <a:p>
+                      <a:pPr algn="ctr" fontAlgn="ctr"/>
+                      <a:r>
+                        <a:rPr lang="pt-BR" sz="1200" u="none" strike="noStrike">
                           <a:effectLst/>
                         </a:rPr>
                         <a:t>10</a:t>
                       </a:r>
-                      <a:endParaRPr lang="pt-BR" sz="1000" b="0" i="0" u="none" strike="noStrike">
-                        <a:solidFill>
-                          <a:srgbClr val="000000"/>
-                        </a:solidFill>
-                        <a:effectLst/>
-                        <a:latin typeface="Calibri" panose="020F0502020204030204" pitchFamily="34" charset="0"/>
-                      </a:endParaRPr>
-                    </a:p>
-                  </a:txBody>
-                  <a:tcPr marL="8818" marR="8818" marT="8818" marB="0" anchor="ctr"/>
+                      <a:endParaRPr lang="pt-BR" sz="1200" b="0" i="0" u="none" strike="noStrike">
+                        <a:solidFill>
+                          <a:srgbClr val="000000"/>
+                        </a:solidFill>
+                        <a:effectLst/>
+                        <a:latin typeface="Calibri" panose="020F0502020204030204" pitchFamily="34" charset="0"/>
+                      </a:endParaRPr>
+                    </a:p>
+                  </a:txBody>
+                  <a:tcPr marL="10701" marR="10701" marT="10701" marB="0" anchor="ctr"/>
                 </a:tc>
               </a:tr>
-              <a:tr h="176356">
-                <a:tc>
-                  <a:txBody>
-                    <a:bodyPr/>
-                    <a:lstStyle/>
-                    <a:p>
-                      <a:pPr algn="ctr" fontAlgn="ctr"/>
-                      <a:r>
-                        <a:rPr lang="pt-BR" sz="1000" u="none" strike="noStrike">
+              <a:tr h="214016">
+                <a:tc>
+                  <a:txBody>
+                    <a:bodyPr/>
+                    <a:lstStyle/>
+                    <a:p>
+                      <a:pPr algn="ctr" fontAlgn="ctr"/>
+                      <a:r>
+                        <a:rPr lang="pt-BR" sz="1200" u="none" strike="noStrike">
                           <a:effectLst/>
                         </a:rPr>
                         <a:t>Domínio</a:t>
                       </a:r>
-                      <a:endParaRPr lang="pt-BR" sz="1000" b="0" i="0" u="none" strike="noStrike">
-                        <a:solidFill>
-                          <a:srgbClr val="000000"/>
-                        </a:solidFill>
-                        <a:effectLst/>
-                        <a:latin typeface="Calibri" panose="020F0502020204030204" pitchFamily="34" charset="0"/>
-                      </a:endParaRPr>
-                    </a:p>
-                  </a:txBody>
-                  <a:tcPr marL="8818" marR="8818" marT="8818" marB="0" anchor="ctr"/>
-                </a:tc>
-                <a:tc>
-                  <a:txBody>
-                    <a:bodyPr/>
-                    <a:lstStyle/>
-                    <a:p>
-                      <a:pPr algn="ctr" fontAlgn="ctr"/>
-                      <a:r>
-                        <a:rPr lang="pt-BR" sz="1000" u="none" strike="noStrike">
+                      <a:endParaRPr lang="pt-BR" sz="1200" b="0" i="0" u="none" strike="noStrike">
+                        <a:solidFill>
+                          <a:srgbClr val="000000"/>
+                        </a:solidFill>
+                        <a:effectLst/>
+                        <a:latin typeface="Calibri" panose="020F0502020204030204" pitchFamily="34" charset="0"/>
+                      </a:endParaRPr>
+                    </a:p>
+                  </a:txBody>
+                  <a:tcPr marL="10701" marR="10701" marT="10701" marB="0" anchor="ctr"/>
+                </a:tc>
+                <a:tc>
+                  <a:txBody>
+                    <a:bodyPr/>
+                    <a:lstStyle/>
+                    <a:p>
+                      <a:pPr algn="ctr" fontAlgn="ctr"/>
+                      <a:r>
+                        <a:rPr lang="pt-BR" sz="1200" u="none" strike="noStrike">
                           <a:effectLst/>
                         </a:rPr>
                         <a:t>Incluso</a:t>
                       </a:r>
-                      <a:endParaRPr lang="pt-BR" sz="1000" b="0" i="0" u="none" strike="noStrike">
-                        <a:solidFill>
-                          <a:srgbClr val="000000"/>
-                        </a:solidFill>
-                        <a:effectLst/>
-                        <a:latin typeface="Calibri" panose="020F0502020204030204" pitchFamily="34" charset="0"/>
-                      </a:endParaRPr>
-                    </a:p>
-                  </a:txBody>
-                  <a:tcPr marL="8818" marR="8818" marT="8818" marB="0" anchor="ctr"/>
-                </a:tc>
-                <a:tc>
-                  <a:txBody>
-                    <a:bodyPr/>
-                    <a:lstStyle/>
-                    <a:p>
-                      <a:pPr algn="ctr" fontAlgn="ctr"/>
-                      <a:r>
-                        <a:rPr lang="pt-BR" sz="1000" u="none" strike="noStrike">
+                      <a:endParaRPr lang="pt-BR" sz="1200" b="0" i="0" u="none" strike="noStrike">
+                        <a:solidFill>
+                          <a:srgbClr val="000000"/>
+                        </a:solidFill>
+                        <a:effectLst/>
+                        <a:latin typeface="Calibri" panose="020F0502020204030204" pitchFamily="34" charset="0"/>
+                      </a:endParaRPr>
+                    </a:p>
+                  </a:txBody>
+                  <a:tcPr marL="10701" marR="10701" marT="10701" marB="0" anchor="ctr"/>
+                </a:tc>
+                <a:tc>
+                  <a:txBody>
+                    <a:bodyPr/>
+                    <a:lstStyle/>
+                    <a:p>
+                      <a:pPr algn="ctr" fontAlgn="ctr"/>
+                      <a:r>
+                        <a:rPr lang="pt-BR" sz="1200" u="none" strike="noStrike">
                           <a:effectLst/>
                         </a:rPr>
                         <a:t>Não incluso</a:t>
                       </a:r>
-                      <a:endParaRPr lang="pt-BR" sz="1000" b="0" i="0" u="none" strike="noStrike">
-                        <a:solidFill>
-                          <a:srgbClr val="000000"/>
-                        </a:solidFill>
-                        <a:effectLst/>
-                        <a:latin typeface="Calibri" panose="020F0502020204030204" pitchFamily="34" charset="0"/>
-                      </a:endParaRPr>
-                    </a:p>
-                  </a:txBody>
-                  <a:tcPr marL="8818" marR="8818" marT="8818" marB="0" anchor="ctr"/>
-                </a:tc>
-                <a:tc>
-                  <a:txBody>
-                    <a:bodyPr/>
-                    <a:lstStyle/>
-                    <a:p>
-                      <a:pPr algn="ctr" fontAlgn="ctr"/>
-                      <a:r>
-                        <a:rPr lang="pt-BR" sz="1000" u="none" strike="noStrike">
+                      <a:endParaRPr lang="pt-BR" sz="1200" b="0" i="0" u="none" strike="noStrike">
+                        <a:solidFill>
+                          <a:srgbClr val="000000"/>
+                        </a:solidFill>
+                        <a:effectLst/>
+                        <a:latin typeface="Calibri" panose="020F0502020204030204" pitchFamily="34" charset="0"/>
+                      </a:endParaRPr>
+                    </a:p>
+                  </a:txBody>
+                  <a:tcPr marL="10701" marR="10701" marT="10701" marB="0" anchor="ctr"/>
+                </a:tc>
+                <a:tc>
+                  <a:txBody>
+                    <a:bodyPr/>
+                    <a:lstStyle/>
+                    <a:p>
+                      <a:pPr algn="ctr" fontAlgn="ctr"/>
+                      <a:r>
+                        <a:rPr lang="pt-BR" sz="1200" u="none" strike="noStrike">
                           <a:effectLst/>
                         </a:rPr>
                         <a:t>Incluso</a:t>
                       </a:r>
-                      <a:endParaRPr lang="pt-BR" sz="1000" b="0" i="0" u="none" strike="noStrike">
-                        <a:solidFill>
-                          <a:srgbClr val="000000"/>
-                        </a:solidFill>
-                        <a:effectLst/>
-                        <a:latin typeface="Calibri" panose="020F0502020204030204" pitchFamily="34" charset="0"/>
-                      </a:endParaRPr>
-                    </a:p>
-                  </a:txBody>
-                  <a:tcPr marL="8818" marR="8818" marT="8818" marB="0" anchor="ctr"/>
-                </a:tc>
-                <a:tc>
-                  <a:txBody>
-                    <a:bodyPr/>
-                    <a:lstStyle/>
-                    <a:p>
-                      <a:pPr algn="ctr" fontAlgn="ctr"/>
-                      <a:r>
-                        <a:rPr lang="pt-BR" sz="1000" u="none" strike="noStrike">
+                      <a:endParaRPr lang="pt-BR" sz="1200" b="0" i="0" u="none" strike="noStrike">
+                        <a:solidFill>
+                          <a:srgbClr val="000000"/>
+                        </a:solidFill>
+                        <a:effectLst/>
+                        <a:latin typeface="Calibri" panose="020F0502020204030204" pitchFamily="34" charset="0"/>
+                      </a:endParaRPr>
+                    </a:p>
+                  </a:txBody>
+                  <a:tcPr marL="10701" marR="10701" marT="10701" marB="0" anchor="ctr"/>
+                </a:tc>
+                <a:tc>
+                  <a:txBody>
+                    <a:bodyPr/>
+                    <a:lstStyle/>
+                    <a:p>
+                      <a:pPr algn="ctr" fontAlgn="ctr"/>
+                      <a:r>
+                        <a:rPr lang="pt-BR" sz="1200" u="none" strike="noStrike">
                           <a:effectLst/>
                         </a:rPr>
                         <a:t>Não incluso</a:t>
                       </a:r>
-                      <a:endParaRPr lang="pt-BR" sz="1000" b="0" i="0" u="none" strike="noStrike">
-                        <a:solidFill>
-                          <a:srgbClr val="000000"/>
-                        </a:solidFill>
-                        <a:effectLst/>
-                        <a:latin typeface="Calibri" panose="020F0502020204030204" pitchFamily="34" charset="0"/>
-                      </a:endParaRPr>
-                    </a:p>
-                  </a:txBody>
-                  <a:tcPr marL="8818" marR="8818" marT="8818" marB="0" anchor="ctr"/>
-                </a:tc>
-                <a:tc>
-                  <a:txBody>
-                    <a:bodyPr/>
-                    <a:lstStyle/>
-                    <a:p>
-                      <a:pPr algn="ctr" fontAlgn="ctr"/>
-                      <a:r>
-                        <a:rPr lang="pt-BR" sz="1000" u="none" strike="noStrike">
+                      <a:endParaRPr lang="pt-BR" sz="1200" b="0" i="0" u="none" strike="noStrike">
+                        <a:solidFill>
+                          <a:srgbClr val="000000"/>
+                        </a:solidFill>
+                        <a:effectLst/>
+                        <a:latin typeface="Calibri" panose="020F0502020204030204" pitchFamily="34" charset="0"/>
+                      </a:endParaRPr>
+                    </a:p>
+                  </a:txBody>
+                  <a:tcPr marL="10701" marR="10701" marT="10701" marB="0" anchor="ctr"/>
+                </a:tc>
+                <a:tc>
+                  <a:txBody>
+                    <a:bodyPr/>
+                    <a:lstStyle/>
+                    <a:p>
+                      <a:pPr algn="ctr" fontAlgn="ctr"/>
+                      <a:r>
+                        <a:rPr lang="pt-BR" sz="1200" u="none" strike="noStrike">
                           <a:effectLst/>
                         </a:rPr>
                         <a:t>Incluso</a:t>
                       </a:r>
-                      <a:endParaRPr lang="pt-BR" sz="1000" b="0" i="0" u="none" strike="noStrike">
-                        <a:solidFill>
-                          <a:srgbClr val="000000"/>
-                        </a:solidFill>
-                        <a:effectLst/>
-                        <a:latin typeface="Calibri" panose="020F0502020204030204" pitchFamily="34" charset="0"/>
-                      </a:endParaRPr>
-                    </a:p>
-                  </a:txBody>
-                  <a:tcPr marL="8818" marR="8818" marT="8818" marB="0" anchor="ctr"/>
-                </a:tc>
-                <a:tc>
-                  <a:txBody>
-                    <a:bodyPr/>
-                    <a:lstStyle/>
-                    <a:p>
-                      <a:pPr algn="ctr" fontAlgn="ctr"/>
-                      <a:r>
-                        <a:rPr lang="pt-BR" sz="1000" u="none" strike="noStrike">
+                      <a:endParaRPr lang="pt-BR" sz="1200" b="0" i="0" u="none" strike="noStrike">
+                        <a:solidFill>
+                          <a:srgbClr val="000000"/>
+                        </a:solidFill>
+                        <a:effectLst/>
+                        <a:latin typeface="Calibri" panose="020F0502020204030204" pitchFamily="34" charset="0"/>
+                      </a:endParaRPr>
+                    </a:p>
+                  </a:txBody>
+                  <a:tcPr marL="10701" marR="10701" marT="10701" marB="0" anchor="ctr"/>
+                </a:tc>
+                <a:tc>
+                  <a:txBody>
+                    <a:bodyPr/>
+                    <a:lstStyle/>
+                    <a:p>
+                      <a:pPr algn="ctr" fontAlgn="ctr"/>
+                      <a:r>
+                        <a:rPr lang="pt-BR" sz="1200" u="none" strike="noStrike">
                           <a:effectLst/>
                         </a:rPr>
                         <a:t>Incluso</a:t>
                       </a:r>
-                      <a:endParaRPr lang="pt-BR" sz="1000" b="0" i="0" u="none" strike="noStrike">
-                        <a:solidFill>
-                          <a:srgbClr val="000000"/>
-                        </a:solidFill>
-                        <a:effectLst/>
-                        <a:latin typeface="Calibri" panose="020F0502020204030204" pitchFamily="34" charset="0"/>
-                      </a:endParaRPr>
-                    </a:p>
-                  </a:txBody>
-                  <a:tcPr marL="8818" marR="8818" marT="8818" marB="0" anchor="ctr"/>
+                      <a:endParaRPr lang="pt-BR" sz="1200" b="0" i="0" u="none" strike="noStrike">
+                        <a:solidFill>
+                          <a:srgbClr val="000000"/>
+                        </a:solidFill>
+                        <a:effectLst/>
+                        <a:latin typeface="Calibri" panose="020F0502020204030204" pitchFamily="34" charset="0"/>
+                      </a:endParaRPr>
+                    </a:p>
+                  </a:txBody>
+                  <a:tcPr marL="10701" marR="10701" marT="10701" marB="0" anchor="ctr"/>
                 </a:tc>
               </a:tr>
-              <a:tr h="176356">
-                <a:tc>
-                  <a:txBody>
-                    <a:bodyPr/>
-                    <a:lstStyle/>
-                    <a:p>
-                      <a:pPr algn="ctr" fontAlgn="ctr"/>
-                      <a:r>
-                        <a:rPr lang="pt-BR" sz="1000" u="none" strike="noStrike">
+              <a:tr h="214016">
+                <a:tc>
+                  <a:txBody>
+                    <a:bodyPr/>
+                    <a:lstStyle/>
+                    <a:p>
+                      <a:pPr algn="ctr" fontAlgn="ctr"/>
+                      <a:r>
+                        <a:rPr lang="pt-BR" sz="1200" u="none" strike="noStrike">
                           <a:effectLst/>
                         </a:rPr>
                         <a:t>Subdomínio</a:t>
                       </a:r>
-                      <a:endParaRPr lang="pt-BR" sz="1000" b="0" i="0" u="none" strike="noStrike">
-                        <a:solidFill>
-                          <a:srgbClr val="000000"/>
-                        </a:solidFill>
-                        <a:effectLst/>
-                        <a:latin typeface="Calibri" panose="020F0502020204030204" pitchFamily="34" charset="0"/>
-                      </a:endParaRPr>
-                    </a:p>
-                  </a:txBody>
-                  <a:tcPr marL="8818" marR="8818" marT="8818" marB="0" anchor="ctr"/>
-                </a:tc>
-                <a:tc>
-                  <a:txBody>
-                    <a:bodyPr/>
-                    <a:lstStyle/>
-                    <a:p>
-                      <a:pPr algn="ctr" fontAlgn="ctr"/>
-                      <a:r>
-                        <a:rPr lang="pt-BR" sz="1000" u="none" strike="noStrike">
+                      <a:endParaRPr lang="pt-BR" sz="1200" b="0" i="0" u="none" strike="noStrike">
+                        <a:solidFill>
+                          <a:srgbClr val="000000"/>
+                        </a:solidFill>
+                        <a:effectLst/>
+                        <a:latin typeface="Calibri" panose="020F0502020204030204" pitchFamily="34" charset="0"/>
+                      </a:endParaRPr>
+                    </a:p>
+                  </a:txBody>
+                  <a:tcPr marL="10701" marR="10701" marT="10701" marB="0" anchor="ctr"/>
+                </a:tc>
+                <a:tc>
+                  <a:txBody>
+                    <a:bodyPr/>
+                    <a:lstStyle/>
+                    <a:p>
+                      <a:pPr algn="ctr" fontAlgn="ctr"/>
+                      <a:r>
+                        <a:rPr lang="pt-BR" sz="1200" u="none" strike="noStrike">
                           <a:effectLst/>
                         </a:rPr>
                         <a:t>Ilimitado</a:t>
                       </a:r>
-                      <a:endParaRPr lang="pt-BR" sz="1000" b="0" i="0" u="none" strike="noStrike">
-                        <a:solidFill>
-                          <a:srgbClr val="000000"/>
-                        </a:solidFill>
-                        <a:effectLst/>
-                        <a:latin typeface="Calibri" panose="020F0502020204030204" pitchFamily="34" charset="0"/>
-                      </a:endParaRPr>
-                    </a:p>
-                  </a:txBody>
-                  <a:tcPr marL="8818" marR="8818" marT="8818" marB="0" anchor="ctr"/>
-                </a:tc>
-                <a:tc>
-                  <a:txBody>
-                    <a:bodyPr/>
-                    <a:lstStyle/>
-                    <a:p>
-                      <a:pPr algn="ctr" fontAlgn="ctr"/>
-                      <a:r>
-                        <a:rPr lang="pt-BR" sz="1000" u="none" strike="noStrike">
+                      <a:endParaRPr lang="pt-BR" sz="1200" b="0" i="0" u="none" strike="noStrike">
+                        <a:solidFill>
+                          <a:srgbClr val="000000"/>
+                        </a:solidFill>
+                        <a:effectLst/>
+                        <a:latin typeface="Calibri" panose="020F0502020204030204" pitchFamily="34" charset="0"/>
+                      </a:endParaRPr>
+                    </a:p>
+                  </a:txBody>
+                  <a:tcPr marL="10701" marR="10701" marT="10701" marB="0" anchor="ctr"/>
+                </a:tc>
+                <a:tc>
+                  <a:txBody>
+                    <a:bodyPr/>
+                    <a:lstStyle/>
+                    <a:p>
+                      <a:pPr algn="ctr" fontAlgn="ctr"/>
+                      <a:r>
+                        <a:rPr lang="pt-BR" sz="1200" u="none" strike="noStrike">
                           <a:effectLst/>
                         </a:rPr>
                         <a:t>2</a:t>
                       </a:r>
-                      <a:endParaRPr lang="pt-BR" sz="1000" b="0" i="0" u="none" strike="noStrike">
-                        <a:solidFill>
-                          <a:srgbClr val="000000"/>
-                        </a:solidFill>
-                        <a:effectLst/>
-                        <a:latin typeface="Calibri" panose="020F0502020204030204" pitchFamily="34" charset="0"/>
-                      </a:endParaRPr>
-                    </a:p>
-                  </a:txBody>
-                  <a:tcPr marL="8818" marR="8818" marT="8818" marB="0" anchor="ctr"/>
-                </a:tc>
-                <a:tc>
-                  <a:txBody>
-                    <a:bodyPr/>
-                    <a:lstStyle/>
-                    <a:p>
-                      <a:pPr algn="ctr" fontAlgn="ctr"/>
-                      <a:r>
-                        <a:rPr lang="pt-BR" sz="1000" u="none" strike="noStrike">
+                      <a:endParaRPr lang="pt-BR" sz="1200" b="0" i="0" u="none" strike="noStrike">
+                        <a:solidFill>
+                          <a:srgbClr val="000000"/>
+                        </a:solidFill>
+                        <a:effectLst/>
+                        <a:latin typeface="Calibri" panose="020F0502020204030204" pitchFamily="34" charset="0"/>
+                      </a:endParaRPr>
+                    </a:p>
+                  </a:txBody>
+                  <a:tcPr marL="10701" marR="10701" marT="10701" marB="0" anchor="ctr"/>
+                </a:tc>
+                <a:tc>
+                  <a:txBody>
+                    <a:bodyPr/>
+                    <a:lstStyle/>
+                    <a:p>
+                      <a:pPr algn="ctr" fontAlgn="ctr"/>
+                      <a:r>
+                        <a:rPr lang="pt-BR" sz="1200" u="none" strike="noStrike">
                           <a:effectLst/>
                         </a:rPr>
                         <a:t>Ilimitado</a:t>
                       </a:r>
-                      <a:endParaRPr lang="pt-BR" sz="1000" b="0" i="0" u="none" strike="noStrike">
-                        <a:solidFill>
-                          <a:srgbClr val="000000"/>
-                        </a:solidFill>
-                        <a:effectLst/>
-                        <a:latin typeface="Calibri" panose="020F0502020204030204" pitchFamily="34" charset="0"/>
-                      </a:endParaRPr>
-                    </a:p>
-                  </a:txBody>
-                  <a:tcPr marL="8818" marR="8818" marT="8818" marB="0" anchor="ctr"/>
-                </a:tc>
-                <a:tc>
-                  <a:txBody>
-                    <a:bodyPr/>
-                    <a:lstStyle/>
-                    <a:p>
-                      <a:pPr algn="ctr" fontAlgn="ctr"/>
-                      <a:r>
-                        <a:rPr lang="pt-BR" sz="1000" u="none" strike="noStrike">
+                      <a:endParaRPr lang="pt-BR" sz="1200" b="0" i="0" u="none" strike="noStrike">
+                        <a:solidFill>
+                          <a:srgbClr val="000000"/>
+                        </a:solidFill>
+                        <a:effectLst/>
+                        <a:latin typeface="Calibri" panose="020F0502020204030204" pitchFamily="34" charset="0"/>
+                      </a:endParaRPr>
+                    </a:p>
+                  </a:txBody>
+                  <a:tcPr marL="10701" marR="10701" marT="10701" marB="0" anchor="ctr"/>
+                </a:tc>
+                <a:tc>
+                  <a:txBody>
+                    <a:bodyPr/>
+                    <a:lstStyle/>
+                    <a:p>
+                      <a:pPr algn="ctr" fontAlgn="ctr"/>
+                      <a:r>
+                        <a:rPr lang="pt-BR" sz="1200" u="none" strike="noStrike">
                           <a:effectLst/>
                         </a:rPr>
                         <a:t>Não incluso</a:t>
                       </a:r>
-                      <a:endParaRPr lang="pt-BR" sz="1000" b="0" i="0" u="none" strike="noStrike">
-                        <a:solidFill>
-                          <a:srgbClr val="000000"/>
-                        </a:solidFill>
-                        <a:effectLst/>
-                        <a:latin typeface="Calibri" panose="020F0502020204030204" pitchFamily="34" charset="0"/>
-                      </a:endParaRPr>
-                    </a:p>
-                  </a:txBody>
-                  <a:tcPr marL="8818" marR="8818" marT="8818" marB="0" anchor="ctr"/>
-                </a:tc>
-                <a:tc>
-                  <a:txBody>
-                    <a:bodyPr/>
-                    <a:lstStyle/>
-                    <a:p>
-                      <a:pPr algn="ctr" fontAlgn="ctr"/>
-                      <a:r>
-                        <a:rPr lang="pt-BR" sz="1000" u="none" strike="noStrike">
+                      <a:endParaRPr lang="pt-BR" sz="1200" b="0" i="0" u="none" strike="noStrike">
+                        <a:solidFill>
+                          <a:srgbClr val="000000"/>
+                        </a:solidFill>
+                        <a:effectLst/>
+                        <a:latin typeface="Calibri" panose="020F0502020204030204" pitchFamily="34" charset="0"/>
+                      </a:endParaRPr>
+                    </a:p>
+                  </a:txBody>
+                  <a:tcPr marL="10701" marR="10701" marT="10701" marB="0" anchor="ctr"/>
+                </a:tc>
+                <a:tc>
+                  <a:txBody>
+                    <a:bodyPr/>
+                    <a:lstStyle/>
+                    <a:p>
+                      <a:pPr algn="ctr" fontAlgn="ctr"/>
+                      <a:r>
+                        <a:rPr lang="pt-BR" sz="1200" u="none" strike="noStrike">
                           <a:effectLst/>
                         </a:rPr>
                         <a:t>?</a:t>
                       </a:r>
-                      <a:endParaRPr lang="pt-BR" sz="1000" b="0" i="0" u="none" strike="noStrike">
-                        <a:solidFill>
-                          <a:srgbClr val="000000"/>
-                        </a:solidFill>
-                        <a:effectLst/>
-                        <a:latin typeface="Calibri" panose="020F0502020204030204" pitchFamily="34" charset="0"/>
-                      </a:endParaRPr>
-                    </a:p>
-                  </a:txBody>
-                  <a:tcPr marL="8818" marR="8818" marT="8818" marB="0" anchor="ctr"/>
-                </a:tc>
-                <a:tc>
-                  <a:txBody>
-                    <a:bodyPr/>
-                    <a:lstStyle/>
-                    <a:p>
-                      <a:pPr algn="ctr" fontAlgn="ctr"/>
-                      <a:r>
-                        <a:rPr lang="pt-BR" sz="1000" u="none" strike="noStrike">
+                      <a:endParaRPr lang="pt-BR" sz="1200" b="0" i="0" u="none" strike="noStrike">
+                        <a:solidFill>
+                          <a:srgbClr val="000000"/>
+                        </a:solidFill>
+                        <a:effectLst/>
+                        <a:latin typeface="Calibri" panose="020F0502020204030204" pitchFamily="34" charset="0"/>
+                      </a:endParaRPr>
+                    </a:p>
+                  </a:txBody>
+                  <a:tcPr marL="10701" marR="10701" marT="10701" marB="0" anchor="ctr"/>
+                </a:tc>
+                <a:tc>
+                  <a:txBody>
+                    <a:bodyPr/>
+                    <a:lstStyle/>
+                    <a:p>
+                      <a:pPr algn="ctr" fontAlgn="ctr"/>
+                      <a:r>
+                        <a:rPr lang="pt-BR" sz="1200" u="none" strike="noStrike">
                           <a:effectLst/>
                         </a:rPr>
                         <a:t>?</a:t>
                       </a:r>
-                      <a:endParaRPr lang="pt-BR" sz="1000" b="0" i="0" u="none" strike="noStrike">
-                        <a:solidFill>
-                          <a:srgbClr val="000000"/>
-                        </a:solidFill>
-                        <a:effectLst/>
-                        <a:latin typeface="Calibri" panose="020F0502020204030204" pitchFamily="34" charset="0"/>
-                      </a:endParaRPr>
-                    </a:p>
-                  </a:txBody>
-                  <a:tcPr marL="8818" marR="8818" marT="8818" marB="0" anchor="ctr"/>
+                      <a:endParaRPr lang="pt-BR" sz="1200" b="0" i="0" u="none" strike="noStrike">
+                        <a:solidFill>
+                          <a:srgbClr val="000000"/>
+                        </a:solidFill>
+                        <a:effectLst/>
+                        <a:latin typeface="Calibri" panose="020F0502020204030204" pitchFamily="34" charset="0"/>
+                      </a:endParaRPr>
+                    </a:p>
+                  </a:txBody>
+                  <a:tcPr marL="10701" marR="10701" marT="10701" marB="0" anchor="ctr"/>
                 </a:tc>
               </a:tr>
-              <a:tr h="176356">
-                <a:tc>
-                  <a:txBody>
-                    <a:bodyPr/>
-                    <a:lstStyle/>
-                    <a:p>
-                      <a:pPr algn="ctr" fontAlgn="ctr"/>
-                      <a:r>
-                        <a:rPr lang="pt-BR" sz="1000" u="none" strike="noStrike">
+              <a:tr h="214016">
+                <a:tc>
+                  <a:txBody>
+                    <a:bodyPr/>
+                    <a:lstStyle/>
+                    <a:p>
+                      <a:pPr algn="ctr" fontAlgn="ctr"/>
+                      <a:r>
+                        <a:rPr lang="pt-BR" sz="1200" u="none" strike="noStrike">
                           <a:effectLst/>
                         </a:rPr>
                         <a:t>Conta FTP</a:t>
                       </a:r>
-                      <a:endParaRPr lang="pt-BR" sz="1000" b="0" i="0" u="none" strike="noStrike">
-                        <a:solidFill>
-                          <a:srgbClr val="000000"/>
-                        </a:solidFill>
-                        <a:effectLst/>
-                        <a:latin typeface="Calibri" panose="020F0502020204030204" pitchFamily="34" charset="0"/>
-                      </a:endParaRPr>
-                    </a:p>
-                  </a:txBody>
-                  <a:tcPr marL="8818" marR="8818" marT="8818" marB="0" anchor="ctr"/>
-                </a:tc>
-                <a:tc>
-                  <a:txBody>
-                    <a:bodyPr/>
-                    <a:lstStyle/>
-                    <a:p>
-                      <a:pPr algn="ctr" fontAlgn="ctr"/>
-                      <a:r>
-                        <a:rPr lang="pt-BR" sz="1000" u="none" strike="noStrike">
+                      <a:endParaRPr lang="pt-BR" sz="1200" b="0" i="0" u="none" strike="noStrike">
+                        <a:solidFill>
+                          <a:srgbClr val="000000"/>
+                        </a:solidFill>
+                        <a:effectLst/>
+                        <a:latin typeface="Calibri" panose="020F0502020204030204" pitchFamily="34" charset="0"/>
+                      </a:endParaRPr>
+                    </a:p>
+                  </a:txBody>
+                  <a:tcPr marL="10701" marR="10701" marT="10701" marB="0" anchor="ctr"/>
+                </a:tc>
+                <a:tc>
+                  <a:txBody>
+                    <a:bodyPr/>
+                    <a:lstStyle/>
+                    <a:p>
+                      <a:pPr algn="ctr" fontAlgn="ctr"/>
+                      <a:r>
+                        <a:rPr lang="pt-BR" sz="1200" u="none" strike="noStrike">
                           <a:effectLst/>
                         </a:rPr>
                         <a:t>2</a:t>
                       </a:r>
-                      <a:endParaRPr lang="pt-BR" sz="1000" b="0" i="0" u="none" strike="noStrike">
-                        <a:solidFill>
-                          <a:srgbClr val="000000"/>
-                        </a:solidFill>
-                        <a:effectLst/>
-                        <a:latin typeface="Calibri" panose="020F0502020204030204" pitchFamily="34" charset="0"/>
-                      </a:endParaRPr>
-                    </a:p>
-                  </a:txBody>
-                  <a:tcPr marL="8818" marR="8818" marT="8818" marB="0" anchor="ctr"/>
-                </a:tc>
-                <a:tc>
-                  <a:txBody>
-                    <a:bodyPr/>
-                    <a:lstStyle/>
-                    <a:p>
-                      <a:pPr algn="ctr" fontAlgn="ctr"/>
-                      <a:r>
-                        <a:rPr lang="pt-BR" sz="1000" u="none" strike="noStrike">
+                      <a:endParaRPr lang="pt-BR" sz="1200" b="0" i="0" u="none" strike="noStrike">
+                        <a:solidFill>
+                          <a:srgbClr val="000000"/>
+                        </a:solidFill>
+                        <a:effectLst/>
+                        <a:latin typeface="Calibri" panose="020F0502020204030204" pitchFamily="34" charset="0"/>
+                      </a:endParaRPr>
+                    </a:p>
+                  </a:txBody>
+                  <a:tcPr marL="10701" marR="10701" marT="10701" marB="0" anchor="ctr"/>
+                </a:tc>
+                <a:tc>
+                  <a:txBody>
+                    <a:bodyPr/>
+                    <a:lstStyle/>
+                    <a:p>
+                      <a:pPr algn="ctr" fontAlgn="ctr"/>
+                      <a:r>
+                        <a:rPr lang="pt-BR" sz="1200" u="none" strike="noStrike">
                           <a:effectLst/>
                         </a:rPr>
                         <a:t>Ilimitado</a:t>
                       </a:r>
-                      <a:endParaRPr lang="pt-BR" sz="1000" b="0" i="0" u="none" strike="noStrike">
-                        <a:solidFill>
-                          <a:srgbClr val="000000"/>
-                        </a:solidFill>
-                        <a:effectLst/>
-                        <a:latin typeface="Calibri" panose="020F0502020204030204" pitchFamily="34" charset="0"/>
-                      </a:endParaRPr>
-                    </a:p>
-                  </a:txBody>
-                  <a:tcPr marL="8818" marR="8818" marT="8818" marB="0" anchor="ctr"/>
-                </a:tc>
-                <a:tc>
-                  <a:txBody>
-                    <a:bodyPr/>
-                    <a:lstStyle/>
-                    <a:p>
-                      <a:pPr algn="ctr" fontAlgn="ctr"/>
-                      <a:r>
-                        <a:rPr lang="pt-BR" sz="1000" u="none" strike="noStrike">
+                      <a:endParaRPr lang="pt-BR" sz="1200" b="0" i="0" u="none" strike="noStrike">
+                        <a:solidFill>
+                          <a:srgbClr val="000000"/>
+                        </a:solidFill>
+                        <a:effectLst/>
+                        <a:latin typeface="Calibri" panose="020F0502020204030204" pitchFamily="34" charset="0"/>
+                      </a:endParaRPr>
+                    </a:p>
+                  </a:txBody>
+                  <a:tcPr marL="10701" marR="10701" marT="10701" marB="0" anchor="ctr"/>
+                </a:tc>
+                <a:tc>
+                  <a:txBody>
+                    <a:bodyPr/>
+                    <a:lstStyle/>
+                    <a:p>
+                      <a:pPr algn="ctr" fontAlgn="ctr"/>
+                      <a:r>
+                        <a:rPr lang="pt-BR" sz="1200" u="none" strike="noStrike">
                           <a:effectLst/>
                         </a:rPr>
                         <a:t>Ilimitado</a:t>
                       </a:r>
-                      <a:endParaRPr lang="pt-BR" sz="1000" b="0" i="0" u="none" strike="noStrike">
-                        <a:solidFill>
-                          <a:srgbClr val="000000"/>
-                        </a:solidFill>
-                        <a:effectLst/>
-                        <a:latin typeface="Calibri" panose="020F0502020204030204" pitchFamily="34" charset="0"/>
-                      </a:endParaRPr>
-                    </a:p>
-                  </a:txBody>
-                  <a:tcPr marL="8818" marR="8818" marT="8818" marB="0" anchor="ctr"/>
-                </a:tc>
-                <a:tc>
-                  <a:txBody>
-                    <a:bodyPr/>
-                    <a:lstStyle/>
-                    <a:p>
-                      <a:pPr algn="ctr" fontAlgn="ctr"/>
-                      <a:endParaRPr lang="pt-BR" sz="1000" b="0" i="0" u="none" strike="noStrike">
-                        <a:solidFill>
-                          <a:srgbClr val="000000"/>
-                        </a:solidFill>
-                        <a:effectLst/>
-                        <a:latin typeface="Calibri" panose="020F0502020204030204" pitchFamily="34" charset="0"/>
-                      </a:endParaRPr>
-                    </a:p>
-                  </a:txBody>
-                  <a:tcPr marL="8818" marR="8818" marT="8818" marB="0" anchor="ctr"/>
-                </a:tc>
-                <a:tc>
-                  <a:txBody>
-                    <a:bodyPr/>
-                    <a:lstStyle/>
-                    <a:p>
-                      <a:pPr algn="ctr" fontAlgn="ctr"/>
-                      <a:r>
-                        <a:rPr lang="pt-BR" sz="1000" u="none" strike="noStrike">
+                      <a:endParaRPr lang="pt-BR" sz="1200" b="0" i="0" u="none" strike="noStrike">
+                        <a:solidFill>
+                          <a:srgbClr val="000000"/>
+                        </a:solidFill>
+                        <a:effectLst/>
+                        <a:latin typeface="Calibri" panose="020F0502020204030204" pitchFamily="34" charset="0"/>
+                      </a:endParaRPr>
+                    </a:p>
+                  </a:txBody>
+                  <a:tcPr marL="10701" marR="10701" marT="10701" marB="0" anchor="ctr"/>
+                </a:tc>
+                <a:tc>
+                  <a:txBody>
+                    <a:bodyPr/>
+                    <a:lstStyle/>
+                    <a:p>
+                      <a:pPr algn="ctr" fontAlgn="ctr"/>
+                      <a:endParaRPr lang="pt-BR" sz="1200" b="0" i="0" u="none" strike="noStrike">
+                        <a:solidFill>
+                          <a:srgbClr val="000000"/>
+                        </a:solidFill>
+                        <a:effectLst/>
+                        <a:latin typeface="Calibri" panose="020F0502020204030204" pitchFamily="34" charset="0"/>
+                      </a:endParaRPr>
+                    </a:p>
+                  </a:txBody>
+                  <a:tcPr marL="10701" marR="10701" marT="10701" marB="0" anchor="ctr"/>
+                </a:tc>
+                <a:tc>
+                  <a:txBody>
+                    <a:bodyPr/>
+                    <a:lstStyle/>
+                    <a:p>
+                      <a:pPr algn="ctr" fontAlgn="ctr"/>
+                      <a:r>
+                        <a:rPr lang="pt-BR" sz="1200" u="none" strike="noStrike">
                           <a:effectLst/>
                         </a:rPr>
                         <a:t>50</a:t>
                       </a:r>
-                      <a:endParaRPr lang="pt-BR" sz="1000" b="0" i="0" u="none" strike="noStrike">
-                        <a:solidFill>
-                          <a:srgbClr val="000000"/>
-                        </a:solidFill>
-                        <a:effectLst/>
-                        <a:latin typeface="Calibri" panose="020F0502020204030204" pitchFamily="34" charset="0"/>
-                      </a:endParaRPr>
-                    </a:p>
-                  </a:txBody>
-                  <a:tcPr marL="8818" marR="8818" marT="8818" marB="0" anchor="ctr"/>
-                </a:tc>
-                <a:tc>
-                  <a:txBody>
-                    <a:bodyPr/>
-                    <a:lstStyle/>
-                    <a:p>
-                      <a:pPr algn="ctr" fontAlgn="ctr"/>
-                      <a:r>
-                        <a:rPr lang="pt-BR" sz="1000" u="none" strike="noStrike">
+                      <a:endParaRPr lang="pt-BR" sz="1200" b="0" i="0" u="none" strike="noStrike">
+                        <a:solidFill>
+                          <a:srgbClr val="000000"/>
+                        </a:solidFill>
+                        <a:effectLst/>
+                        <a:latin typeface="Calibri" panose="020F0502020204030204" pitchFamily="34" charset="0"/>
+                      </a:endParaRPr>
+                    </a:p>
+                  </a:txBody>
+                  <a:tcPr marL="10701" marR="10701" marT="10701" marB="0" anchor="ctr"/>
+                </a:tc>
+                <a:tc>
+                  <a:txBody>
+                    <a:bodyPr/>
+                    <a:lstStyle/>
+                    <a:p>
+                      <a:pPr algn="ctr" fontAlgn="ctr"/>
+                      <a:r>
+                        <a:rPr lang="pt-BR" sz="1200" u="none" strike="noStrike">
                           <a:effectLst/>
                         </a:rPr>
                         <a:t>50</a:t>
                       </a:r>
-                      <a:endParaRPr lang="pt-BR" sz="1000" b="0" i="0" u="none" strike="noStrike">
-                        <a:solidFill>
-                          <a:srgbClr val="000000"/>
-                        </a:solidFill>
-                        <a:effectLst/>
-                        <a:latin typeface="Calibri" panose="020F0502020204030204" pitchFamily="34" charset="0"/>
-                      </a:endParaRPr>
-                    </a:p>
-                  </a:txBody>
-                  <a:tcPr marL="8818" marR="8818" marT="8818" marB="0" anchor="ctr"/>
+                      <a:endParaRPr lang="pt-BR" sz="1200" b="0" i="0" u="none" strike="noStrike">
+                        <a:solidFill>
+                          <a:srgbClr val="000000"/>
+                        </a:solidFill>
+                        <a:effectLst/>
+                        <a:latin typeface="Calibri" panose="020F0502020204030204" pitchFamily="34" charset="0"/>
+                      </a:endParaRPr>
+                    </a:p>
+                  </a:txBody>
+                  <a:tcPr marL="10701" marR="10701" marT="10701" marB="0" anchor="ctr"/>
                 </a:tc>
               </a:tr>
-              <a:tr h="176356">
-                <a:tc>
-                  <a:txBody>
-                    <a:bodyPr/>
-                    <a:lstStyle/>
-                    <a:p>
-                      <a:pPr algn="ctr" fontAlgn="ctr"/>
-                      <a:r>
-                        <a:rPr lang="pt-BR" sz="1000" u="none" strike="noStrike">
+              <a:tr h="214016">
+                <a:tc>
+                  <a:txBody>
+                    <a:bodyPr/>
+                    <a:lstStyle/>
+                    <a:p>
+                      <a:pPr algn="ctr" fontAlgn="ctr"/>
+                      <a:r>
+                        <a:rPr lang="pt-BR" sz="1200" u="none" strike="noStrike">
                           <a:effectLst/>
                         </a:rPr>
                         <a:t>Conta de Email</a:t>
                       </a:r>
-                      <a:endParaRPr lang="pt-BR" sz="1000" b="0" i="0" u="none" strike="noStrike">
-                        <a:solidFill>
-                          <a:srgbClr val="000000"/>
-                        </a:solidFill>
-                        <a:effectLst/>
-                        <a:latin typeface="Calibri" panose="020F0502020204030204" pitchFamily="34" charset="0"/>
-                      </a:endParaRPr>
-                    </a:p>
-                  </a:txBody>
-                  <a:tcPr marL="8818" marR="8818" marT="8818" marB="0" anchor="ctr"/>
-                </a:tc>
-                <a:tc>
-                  <a:txBody>
-                    <a:bodyPr/>
-                    <a:lstStyle/>
-                    <a:p>
-                      <a:pPr algn="ctr" fontAlgn="ctr"/>
-                      <a:r>
-                        <a:rPr lang="pt-BR" sz="1000" u="none" strike="noStrike">
+                      <a:endParaRPr lang="pt-BR" sz="1200" b="0" i="0" u="none" strike="noStrike">
+                        <a:solidFill>
+                          <a:srgbClr val="000000"/>
+                        </a:solidFill>
+                        <a:effectLst/>
+                        <a:latin typeface="Calibri" panose="020F0502020204030204" pitchFamily="34" charset="0"/>
+                      </a:endParaRPr>
+                    </a:p>
+                  </a:txBody>
+                  <a:tcPr marL="10701" marR="10701" marT="10701" marB="0" anchor="ctr"/>
+                </a:tc>
+                <a:tc>
+                  <a:txBody>
+                    <a:bodyPr/>
+                    <a:lstStyle/>
+                    <a:p>
+                      <a:pPr algn="ctr" fontAlgn="ctr"/>
+                      <a:r>
+                        <a:rPr lang="pt-BR" sz="1200" u="none" strike="noStrike">
                           <a:effectLst/>
                         </a:rPr>
                         <a:t>Ilimitado</a:t>
                       </a:r>
-                      <a:endParaRPr lang="pt-BR" sz="1000" b="0" i="0" u="none" strike="noStrike">
-                        <a:solidFill>
-                          <a:srgbClr val="000000"/>
-                        </a:solidFill>
-                        <a:effectLst/>
-                        <a:latin typeface="Calibri" panose="020F0502020204030204" pitchFamily="34" charset="0"/>
-                      </a:endParaRPr>
-                    </a:p>
-                  </a:txBody>
-                  <a:tcPr marL="8818" marR="8818" marT="8818" marB="0" anchor="ctr"/>
-                </a:tc>
-                <a:tc>
-                  <a:txBody>
-                    <a:bodyPr/>
-                    <a:lstStyle/>
-                    <a:p>
-                      <a:pPr algn="ctr" fontAlgn="ctr"/>
-                      <a:r>
-                        <a:rPr lang="pt-BR" sz="1000" u="none" strike="noStrike">
+                      <a:endParaRPr lang="pt-BR" sz="1200" b="0" i="0" u="none" strike="noStrike">
+                        <a:solidFill>
+                          <a:srgbClr val="000000"/>
+                        </a:solidFill>
+                        <a:effectLst/>
+                        <a:latin typeface="Calibri" panose="020F0502020204030204" pitchFamily="34" charset="0"/>
+                      </a:endParaRPr>
+                    </a:p>
+                  </a:txBody>
+                  <a:tcPr marL="10701" marR="10701" marT="10701" marB="0" anchor="ctr"/>
+                </a:tc>
+                <a:tc>
+                  <a:txBody>
+                    <a:bodyPr/>
+                    <a:lstStyle/>
+                    <a:p>
+                      <a:pPr algn="ctr" fontAlgn="ctr"/>
+                      <a:r>
+                        <a:rPr lang="pt-BR" sz="1200" u="none" strike="noStrike">
                           <a:effectLst/>
                         </a:rPr>
                         <a:t>2</a:t>
                       </a:r>
-                      <a:endParaRPr lang="pt-BR" sz="1000" b="0" i="0" u="none" strike="noStrike">
-                        <a:solidFill>
-                          <a:srgbClr val="000000"/>
-                        </a:solidFill>
-                        <a:effectLst/>
-                        <a:latin typeface="Calibri" panose="020F0502020204030204" pitchFamily="34" charset="0"/>
-                      </a:endParaRPr>
-                    </a:p>
-                  </a:txBody>
-                  <a:tcPr marL="8818" marR="8818" marT="8818" marB="0" anchor="ctr"/>
-                </a:tc>
-                <a:tc>
-                  <a:txBody>
-                    <a:bodyPr/>
-                    <a:lstStyle/>
-                    <a:p>
-                      <a:pPr algn="ctr" fontAlgn="ctr"/>
-                      <a:r>
-                        <a:rPr lang="pt-BR" sz="1000" u="none" strike="noStrike">
+                      <a:endParaRPr lang="pt-BR" sz="1200" b="0" i="0" u="none" strike="noStrike">
+                        <a:solidFill>
+                          <a:srgbClr val="000000"/>
+                        </a:solidFill>
+                        <a:effectLst/>
+                        <a:latin typeface="Calibri" panose="020F0502020204030204" pitchFamily="34" charset="0"/>
+                      </a:endParaRPr>
+                    </a:p>
+                  </a:txBody>
+                  <a:tcPr marL="10701" marR="10701" marT="10701" marB="0" anchor="ctr"/>
+                </a:tc>
+                <a:tc>
+                  <a:txBody>
+                    <a:bodyPr/>
+                    <a:lstStyle/>
+                    <a:p>
+                      <a:pPr algn="ctr" fontAlgn="ctr"/>
+                      <a:r>
+                        <a:rPr lang="pt-BR" sz="1200" u="none" strike="noStrike">
                           <a:effectLst/>
                         </a:rPr>
                         <a:t>Ilimitado</a:t>
                       </a:r>
-                      <a:endParaRPr lang="pt-BR" sz="1000" b="0" i="0" u="none" strike="noStrike">
-                        <a:solidFill>
-                          <a:srgbClr val="000000"/>
-                        </a:solidFill>
-                        <a:effectLst/>
-                        <a:latin typeface="Calibri" panose="020F0502020204030204" pitchFamily="34" charset="0"/>
-                      </a:endParaRPr>
-                    </a:p>
-                  </a:txBody>
-                  <a:tcPr marL="8818" marR="8818" marT="8818" marB="0" anchor="ctr"/>
-                </a:tc>
-                <a:tc>
-                  <a:txBody>
-                    <a:bodyPr/>
-                    <a:lstStyle/>
-                    <a:p>
-                      <a:pPr algn="ctr" fontAlgn="ctr"/>
-                      <a:r>
-                        <a:rPr lang="pt-BR" sz="1000" u="none" strike="noStrike">
+                      <a:endParaRPr lang="pt-BR" sz="1200" b="0" i="0" u="none" strike="noStrike">
+                        <a:solidFill>
+                          <a:srgbClr val="000000"/>
+                        </a:solidFill>
+                        <a:effectLst/>
+                        <a:latin typeface="Calibri" panose="020F0502020204030204" pitchFamily="34" charset="0"/>
+                      </a:endParaRPr>
+                    </a:p>
+                  </a:txBody>
+                  <a:tcPr marL="10701" marR="10701" marT="10701" marB="0" anchor="ctr"/>
+                </a:tc>
+                <a:tc>
+                  <a:txBody>
+                    <a:bodyPr/>
+                    <a:lstStyle/>
+                    <a:p>
+                      <a:pPr algn="ctr" fontAlgn="ctr"/>
+                      <a:r>
+                        <a:rPr lang="pt-BR" sz="1200" u="none" strike="noStrike">
                           <a:effectLst/>
                         </a:rPr>
                         <a:t>Não incluso</a:t>
                       </a:r>
-                      <a:endParaRPr lang="pt-BR" sz="1000" b="0" i="0" u="none" strike="noStrike">
-                        <a:solidFill>
-                          <a:srgbClr val="000000"/>
-                        </a:solidFill>
-                        <a:effectLst/>
-                        <a:latin typeface="Calibri" panose="020F0502020204030204" pitchFamily="34" charset="0"/>
-                      </a:endParaRPr>
-                    </a:p>
-                  </a:txBody>
-                  <a:tcPr marL="8818" marR="8818" marT="8818" marB="0" anchor="ctr"/>
-                </a:tc>
-                <a:tc>
-                  <a:txBody>
-                    <a:bodyPr/>
-                    <a:lstStyle/>
-                    <a:p>
-                      <a:pPr algn="ctr" fontAlgn="ctr"/>
-                      <a:r>
-                        <a:rPr lang="pt-BR" sz="1000" u="none" strike="noStrike">
+                      <a:endParaRPr lang="pt-BR" sz="1200" b="0" i="0" u="none" strike="noStrike">
+                        <a:solidFill>
+                          <a:srgbClr val="000000"/>
+                        </a:solidFill>
+                        <a:effectLst/>
+                        <a:latin typeface="Calibri" panose="020F0502020204030204" pitchFamily="34" charset="0"/>
+                      </a:endParaRPr>
+                    </a:p>
+                  </a:txBody>
+                  <a:tcPr marL="10701" marR="10701" marT="10701" marB="0" anchor="ctr"/>
+                </a:tc>
+                <a:tc>
+                  <a:txBody>
+                    <a:bodyPr/>
+                    <a:lstStyle/>
+                    <a:p>
+                      <a:pPr algn="ctr" fontAlgn="ctr"/>
+                      <a:r>
+                        <a:rPr lang="pt-BR" sz="1200" u="none" strike="noStrike">
                           <a:effectLst/>
                         </a:rPr>
                         <a:t>1</a:t>
                       </a:r>
-                      <a:endParaRPr lang="pt-BR" sz="1000" b="0" i="0" u="none" strike="noStrike">
-                        <a:solidFill>
-                          <a:srgbClr val="000000"/>
-                        </a:solidFill>
-                        <a:effectLst/>
-                        <a:latin typeface="Calibri" panose="020F0502020204030204" pitchFamily="34" charset="0"/>
-                      </a:endParaRPr>
-                    </a:p>
-                  </a:txBody>
-                  <a:tcPr marL="8818" marR="8818" marT="8818" marB="0" anchor="ctr"/>
-                </a:tc>
-                <a:tc>
-                  <a:txBody>
-                    <a:bodyPr/>
-                    <a:lstStyle/>
-                    <a:p>
-                      <a:pPr algn="ctr" fontAlgn="ctr"/>
-                      <a:r>
-                        <a:rPr lang="pt-BR" sz="1000" u="none" strike="noStrike">
+                      <a:endParaRPr lang="pt-BR" sz="1200" b="0" i="0" u="none" strike="noStrike">
+                        <a:solidFill>
+                          <a:srgbClr val="000000"/>
+                        </a:solidFill>
+                        <a:effectLst/>
+                        <a:latin typeface="Calibri" panose="020F0502020204030204" pitchFamily="34" charset="0"/>
+                      </a:endParaRPr>
+                    </a:p>
+                  </a:txBody>
+                  <a:tcPr marL="10701" marR="10701" marT="10701" marB="0" anchor="ctr"/>
+                </a:tc>
+                <a:tc>
+                  <a:txBody>
+                    <a:bodyPr/>
+                    <a:lstStyle/>
+                    <a:p>
+                      <a:pPr algn="ctr" fontAlgn="ctr"/>
+                      <a:r>
+                        <a:rPr lang="pt-BR" sz="1200" u="none" strike="noStrike">
                           <a:effectLst/>
                         </a:rPr>
                         <a:t>1</a:t>
                       </a:r>
-                      <a:endParaRPr lang="pt-BR" sz="1000" b="0" i="0" u="none" strike="noStrike">
-                        <a:solidFill>
-                          <a:srgbClr val="000000"/>
-                        </a:solidFill>
-                        <a:effectLst/>
-                        <a:latin typeface="Calibri" panose="020F0502020204030204" pitchFamily="34" charset="0"/>
-                      </a:endParaRPr>
-                    </a:p>
-                  </a:txBody>
-                  <a:tcPr marL="8818" marR="8818" marT="8818" marB="0" anchor="ctr"/>
+                      <a:endParaRPr lang="pt-BR" sz="1200" b="0" i="0" u="none" strike="noStrike">
+                        <a:solidFill>
+                          <a:srgbClr val="000000"/>
+                        </a:solidFill>
+                        <a:effectLst/>
+                        <a:latin typeface="Calibri" panose="020F0502020204030204" pitchFamily="34" charset="0"/>
+                      </a:endParaRPr>
+                    </a:p>
+                  </a:txBody>
+                  <a:tcPr marL="10701" marR="10701" marT="10701" marB="0" anchor="ctr"/>
                 </a:tc>
               </a:tr>
-              <a:tr h="176356">
-                <a:tc>
-                  <a:txBody>
-                    <a:bodyPr/>
-                    <a:lstStyle/>
-                    <a:p>
-                      <a:pPr algn="ctr" fontAlgn="ctr"/>
-                      <a:r>
-                        <a:rPr lang="pt-BR" sz="1000" u="none" strike="noStrike">
+              <a:tr h="214016">
+                <a:tc>
+                  <a:txBody>
+                    <a:bodyPr/>
+                    <a:lstStyle/>
+                    <a:p>
+                      <a:pPr algn="ctr" fontAlgn="ctr"/>
+                      <a:r>
+                        <a:rPr lang="pt-BR" sz="1200" u="none" strike="noStrike">
                           <a:effectLst/>
                         </a:rPr>
                         <a:t>PHP</a:t>
                       </a:r>
-                      <a:endParaRPr lang="pt-BR" sz="1000" b="0" i="0" u="none" strike="noStrike">
-                        <a:solidFill>
-                          <a:srgbClr val="000000"/>
-                        </a:solidFill>
-                        <a:effectLst/>
-                        <a:latin typeface="Calibri" panose="020F0502020204030204" pitchFamily="34" charset="0"/>
-                      </a:endParaRPr>
-                    </a:p>
-                  </a:txBody>
-                  <a:tcPr marL="8818" marR="8818" marT="8818" marB="0" anchor="ctr"/>
-                </a:tc>
-                <a:tc>
-                  <a:txBody>
-                    <a:bodyPr/>
-                    <a:lstStyle/>
-                    <a:p>
-                      <a:pPr algn="ctr" fontAlgn="ctr"/>
-                      <a:r>
-                        <a:rPr lang="pt-BR" sz="1000" u="none" strike="noStrike">
+                      <a:endParaRPr lang="pt-BR" sz="1200" b="0" i="0" u="none" strike="noStrike">
+                        <a:solidFill>
+                          <a:srgbClr val="000000"/>
+                        </a:solidFill>
+                        <a:effectLst/>
+                        <a:latin typeface="Calibri" panose="020F0502020204030204" pitchFamily="34" charset="0"/>
+                      </a:endParaRPr>
+                    </a:p>
+                  </a:txBody>
+                  <a:tcPr marL="10701" marR="10701" marT="10701" marB="0" anchor="ctr"/>
+                </a:tc>
+                <a:tc>
+                  <a:txBody>
+                    <a:bodyPr/>
+                    <a:lstStyle/>
+                    <a:p>
+                      <a:pPr algn="ctr" fontAlgn="ctr"/>
+                      <a:r>
+                        <a:rPr lang="pt-BR" sz="1200" u="none" strike="noStrike">
                           <a:effectLst/>
                         </a:rPr>
                         <a:t>Sim</a:t>
                       </a:r>
-                      <a:endParaRPr lang="pt-BR" sz="1000" b="0" i="0" u="none" strike="noStrike">
-                        <a:solidFill>
-                          <a:srgbClr val="000000"/>
-                        </a:solidFill>
-                        <a:effectLst/>
-                        <a:latin typeface="Calibri" panose="020F0502020204030204" pitchFamily="34" charset="0"/>
-                      </a:endParaRPr>
-                    </a:p>
-                  </a:txBody>
-                  <a:tcPr marL="8818" marR="8818" marT="8818" marB="0" anchor="ctr"/>
-                </a:tc>
-                <a:tc>
-                  <a:txBody>
-                    <a:bodyPr/>
-                    <a:lstStyle/>
-                    <a:p>
-                      <a:pPr algn="ctr" fontAlgn="ctr"/>
-                      <a:r>
-                        <a:rPr lang="pt-BR" sz="1000" u="none" strike="noStrike">
+                      <a:endParaRPr lang="pt-BR" sz="1200" b="0" i="0" u="none" strike="noStrike">
+                        <a:solidFill>
+                          <a:srgbClr val="000000"/>
+                        </a:solidFill>
+                        <a:effectLst/>
+                        <a:latin typeface="Calibri" panose="020F0502020204030204" pitchFamily="34" charset="0"/>
+                      </a:endParaRPr>
+                    </a:p>
+                  </a:txBody>
+                  <a:tcPr marL="10701" marR="10701" marT="10701" marB="0" anchor="ctr"/>
+                </a:tc>
+                <a:tc>
+                  <a:txBody>
+                    <a:bodyPr/>
+                    <a:lstStyle/>
+                    <a:p>
+                      <a:pPr algn="ctr" fontAlgn="ctr"/>
+                      <a:r>
+                        <a:rPr lang="pt-BR" sz="1200" u="none" strike="noStrike">
                           <a:effectLst/>
                         </a:rPr>
                         <a:t>Sim</a:t>
                       </a:r>
-                      <a:endParaRPr lang="pt-BR" sz="1000" b="0" i="0" u="none" strike="noStrike">
-                        <a:solidFill>
-                          <a:srgbClr val="000000"/>
-                        </a:solidFill>
-                        <a:effectLst/>
-                        <a:latin typeface="Calibri" panose="020F0502020204030204" pitchFamily="34" charset="0"/>
-                      </a:endParaRPr>
-                    </a:p>
-                  </a:txBody>
-                  <a:tcPr marL="8818" marR="8818" marT="8818" marB="0" anchor="ctr"/>
-                </a:tc>
-                <a:tc>
-                  <a:txBody>
-                    <a:bodyPr/>
-                    <a:lstStyle/>
-                    <a:p>
-                      <a:pPr algn="ctr" fontAlgn="ctr"/>
-                      <a:r>
-                        <a:rPr lang="pt-BR" sz="1000" u="none" strike="noStrike">
+                      <a:endParaRPr lang="pt-BR" sz="1200" b="0" i="0" u="none" strike="noStrike">
+                        <a:solidFill>
+                          <a:srgbClr val="000000"/>
+                        </a:solidFill>
+                        <a:effectLst/>
+                        <a:latin typeface="Calibri" panose="020F0502020204030204" pitchFamily="34" charset="0"/>
+                      </a:endParaRPr>
+                    </a:p>
+                  </a:txBody>
+                  <a:tcPr marL="10701" marR="10701" marT="10701" marB="0" anchor="ctr"/>
+                </a:tc>
+                <a:tc>
+                  <a:txBody>
+                    <a:bodyPr/>
+                    <a:lstStyle/>
+                    <a:p>
+                      <a:pPr algn="ctr" fontAlgn="ctr"/>
+                      <a:r>
+                        <a:rPr lang="pt-BR" sz="1200" u="none" strike="noStrike">
                           <a:effectLst/>
                         </a:rPr>
                         <a:t>Sim</a:t>
                       </a:r>
-                      <a:endParaRPr lang="pt-BR" sz="1000" b="0" i="0" u="none" strike="noStrike">
-                        <a:solidFill>
-                          <a:srgbClr val="000000"/>
-                        </a:solidFill>
-                        <a:effectLst/>
-                        <a:latin typeface="Calibri" panose="020F0502020204030204" pitchFamily="34" charset="0"/>
-                      </a:endParaRPr>
-                    </a:p>
-                  </a:txBody>
-                  <a:tcPr marL="8818" marR="8818" marT="8818" marB="0" anchor="ctr"/>
-                </a:tc>
-                <a:tc>
-                  <a:txBody>
-                    <a:bodyPr/>
-                    <a:lstStyle/>
-                    <a:p>
-                      <a:pPr algn="ctr" fontAlgn="ctr"/>
-                      <a:r>
-                        <a:rPr lang="pt-BR" sz="1000" u="none" strike="noStrike">
+                      <a:endParaRPr lang="pt-BR" sz="1200" b="0" i="0" u="none" strike="noStrike">
+                        <a:solidFill>
+                          <a:srgbClr val="000000"/>
+                        </a:solidFill>
+                        <a:effectLst/>
+                        <a:latin typeface="Calibri" panose="020F0502020204030204" pitchFamily="34" charset="0"/>
+                      </a:endParaRPr>
+                    </a:p>
+                  </a:txBody>
+                  <a:tcPr marL="10701" marR="10701" marT="10701" marB="0" anchor="ctr"/>
+                </a:tc>
+                <a:tc>
+                  <a:txBody>
+                    <a:bodyPr/>
+                    <a:lstStyle/>
+                    <a:p>
+                      <a:pPr algn="ctr" fontAlgn="ctr"/>
+                      <a:r>
+                        <a:rPr lang="pt-BR" sz="1200" u="none" strike="noStrike">
                           <a:effectLst/>
                         </a:rPr>
                         <a:t>?</a:t>
                       </a:r>
-                      <a:endParaRPr lang="pt-BR" sz="1000" b="0" i="0" u="none" strike="noStrike">
-                        <a:solidFill>
-                          <a:srgbClr val="000000"/>
-                        </a:solidFill>
-                        <a:effectLst/>
-                        <a:latin typeface="Calibri" panose="020F0502020204030204" pitchFamily="34" charset="0"/>
-                      </a:endParaRPr>
-                    </a:p>
-                  </a:txBody>
-                  <a:tcPr marL="8818" marR="8818" marT="8818" marB="0" anchor="ctr"/>
-                </a:tc>
-                <a:tc>
-                  <a:txBody>
-                    <a:bodyPr/>
-                    <a:lstStyle/>
-                    <a:p>
-                      <a:pPr algn="ctr" fontAlgn="ctr"/>
-                      <a:r>
-                        <a:rPr lang="pt-BR" sz="1000" u="none" strike="noStrike">
+                      <a:endParaRPr lang="pt-BR" sz="1200" b="0" i="0" u="none" strike="noStrike">
+                        <a:solidFill>
+                          <a:srgbClr val="000000"/>
+                        </a:solidFill>
+                        <a:effectLst/>
+                        <a:latin typeface="Calibri" panose="020F0502020204030204" pitchFamily="34" charset="0"/>
+                      </a:endParaRPr>
+                    </a:p>
+                  </a:txBody>
+                  <a:tcPr marL="10701" marR="10701" marT="10701" marB="0" anchor="ctr"/>
+                </a:tc>
+                <a:tc>
+                  <a:txBody>
+                    <a:bodyPr/>
+                    <a:lstStyle/>
+                    <a:p>
+                      <a:pPr algn="ctr" fontAlgn="ctr"/>
+                      <a:r>
+                        <a:rPr lang="pt-BR" sz="1200" u="none" strike="noStrike">
                           <a:effectLst/>
                         </a:rPr>
                         <a:t>?</a:t>
                       </a:r>
-                      <a:endParaRPr lang="pt-BR" sz="1000" b="0" i="0" u="none" strike="noStrike">
-                        <a:solidFill>
-                          <a:srgbClr val="000000"/>
-                        </a:solidFill>
-                        <a:effectLst/>
-                        <a:latin typeface="Calibri" panose="020F0502020204030204" pitchFamily="34" charset="0"/>
-                      </a:endParaRPr>
-                    </a:p>
-                  </a:txBody>
-                  <a:tcPr marL="8818" marR="8818" marT="8818" marB="0" anchor="ctr"/>
-                </a:tc>
-                <a:tc>
-                  <a:txBody>
-                    <a:bodyPr/>
-                    <a:lstStyle/>
-                    <a:p>
-                      <a:pPr algn="ctr" fontAlgn="ctr"/>
-                      <a:r>
-                        <a:rPr lang="pt-BR" sz="1000" u="none" strike="noStrike">
+                      <a:endParaRPr lang="pt-BR" sz="1200" b="0" i="0" u="none" strike="noStrike">
+                        <a:solidFill>
+                          <a:srgbClr val="000000"/>
+                        </a:solidFill>
+                        <a:effectLst/>
+                        <a:latin typeface="Calibri" panose="020F0502020204030204" pitchFamily="34" charset="0"/>
+                      </a:endParaRPr>
+                    </a:p>
+                  </a:txBody>
+                  <a:tcPr marL="10701" marR="10701" marT="10701" marB="0" anchor="ctr"/>
+                </a:tc>
+                <a:tc>
+                  <a:txBody>
+                    <a:bodyPr/>
+                    <a:lstStyle/>
+                    <a:p>
+                      <a:pPr algn="ctr" fontAlgn="ctr"/>
+                      <a:r>
+                        <a:rPr lang="pt-BR" sz="1200" u="none" strike="noStrike">
                           <a:effectLst/>
                         </a:rPr>
                         <a:t>?</a:t>
                       </a:r>
-                      <a:endParaRPr lang="pt-BR" sz="1000" b="0" i="0" u="none" strike="noStrike">
-                        <a:solidFill>
-                          <a:srgbClr val="000000"/>
-                        </a:solidFill>
-                        <a:effectLst/>
-                        <a:latin typeface="Calibri" panose="020F0502020204030204" pitchFamily="34" charset="0"/>
-                      </a:endParaRPr>
-                    </a:p>
-                  </a:txBody>
-                  <a:tcPr marL="8818" marR="8818" marT="8818" marB="0" anchor="ctr"/>
+                      <a:endParaRPr lang="pt-BR" sz="1200" b="0" i="0" u="none" strike="noStrike">
+                        <a:solidFill>
+                          <a:srgbClr val="000000"/>
+                        </a:solidFill>
+                        <a:effectLst/>
+                        <a:latin typeface="Calibri" panose="020F0502020204030204" pitchFamily="34" charset="0"/>
+                      </a:endParaRPr>
+                    </a:p>
+                  </a:txBody>
+                  <a:tcPr marL="10701" marR="10701" marT="10701" marB="0" anchor="ctr"/>
                 </a:tc>
               </a:tr>
-              <a:tr h="176356">
-                <a:tc>
-                  <a:txBody>
-                    <a:bodyPr/>
-                    <a:lstStyle/>
-                    <a:p>
-                      <a:pPr algn="ctr" fontAlgn="ctr"/>
-                      <a:r>
-                        <a:rPr lang="pt-BR" sz="1000" u="none" strike="noStrike">
+              <a:tr h="380590">
+                <a:tc>
+                  <a:txBody>
+                    <a:bodyPr/>
+                    <a:lstStyle/>
+                    <a:p>
+                      <a:pPr algn="ctr" fontAlgn="ctr"/>
+                      <a:r>
+                        <a:rPr lang="pt-BR" sz="1200" u="none" strike="noStrike">
                           <a:effectLst/>
                         </a:rPr>
                         <a:t>phpMyAdmin ou cPanel</a:t>
                       </a:r>
-                      <a:endParaRPr lang="pt-BR" sz="1000" b="0" i="0" u="none" strike="noStrike">
-                        <a:solidFill>
-                          <a:srgbClr val="000000"/>
-                        </a:solidFill>
-                        <a:effectLst/>
-                        <a:latin typeface="Calibri" panose="020F0502020204030204" pitchFamily="34" charset="0"/>
-                      </a:endParaRPr>
-                    </a:p>
-                  </a:txBody>
-                  <a:tcPr marL="8818" marR="8818" marT="8818" marB="0" anchor="ctr"/>
-                </a:tc>
-                <a:tc>
-                  <a:txBody>
-                    <a:bodyPr/>
-                    <a:lstStyle/>
-                    <a:p>
-                      <a:pPr algn="ctr" fontAlgn="ctr"/>
-                      <a:r>
-                        <a:rPr lang="pt-BR" sz="1000" u="none" strike="noStrike">
+                      <a:endParaRPr lang="pt-BR" sz="1200" b="0" i="0" u="none" strike="noStrike">
+                        <a:solidFill>
+                          <a:srgbClr val="000000"/>
+                        </a:solidFill>
+                        <a:effectLst/>
+                        <a:latin typeface="Calibri" panose="020F0502020204030204" pitchFamily="34" charset="0"/>
+                      </a:endParaRPr>
+                    </a:p>
+                  </a:txBody>
+                  <a:tcPr marL="10701" marR="10701" marT="10701" marB="0" anchor="ctr"/>
+                </a:tc>
+                <a:tc>
+                  <a:txBody>
+                    <a:bodyPr/>
+                    <a:lstStyle/>
+                    <a:p>
+                      <a:pPr algn="ctr" fontAlgn="ctr"/>
+                      <a:r>
+                        <a:rPr lang="pt-BR" sz="1200" u="none" strike="noStrike">
                           <a:effectLst/>
                         </a:rPr>
                         <a:t>Sim</a:t>
                       </a:r>
-                      <a:endParaRPr lang="pt-BR" sz="1000" b="0" i="0" u="none" strike="noStrike">
-                        <a:solidFill>
-                          <a:srgbClr val="000000"/>
-                        </a:solidFill>
-                        <a:effectLst/>
-                        <a:latin typeface="Calibri" panose="020F0502020204030204" pitchFamily="34" charset="0"/>
-                      </a:endParaRPr>
-                    </a:p>
-                  </a:txBody>
-                  <a:tcPr marL="8818" marR="8818" marT="8818" marB="0" anchor="ctr"/>
-                </a:tc>
-                <a:tc>
-                  <a:txBody>
-                    <a:bodyPr/>
-                    <a:lstStyle/>
-                    <a:p>
-                      <a:pPr algn="ctr" fontAlgn="ctr"/>
-                      <a:r>
-                        <a:rPr lang="pt-BR" sz="1000" u="none" strike="noStrike">
+                      <a:endParaRPr lang="pt-BR" sz="1200" b="0" i="0" u="none" strike="noStrike">
+                        <a:solidFill>
+                          <a:srgbClr val="000000"/>
+                        </a:solidFill>
+                        <a:effectLst/>
+                        <a:latin typeface="Calibri" panose="020F0502020204030204" pitchFamily="34" charset="0"/>
+                      </a:endParaRPr>
+                    </a:p>
+                  </a:txBody>
+                  <a:tcPr marL="10701" marR="10701" marT="10701" marB="0" anchor="ctr"/>
+                </a:tc>
+                <a:tc>
+                  <a:txBody>
+                    <a:bodyPr/>
+                    <a:lstStyle/>
+                    <a:p>
+                      <a:pPr algn="ctr" fontAlgn="ctr"/>
+                      <a:r>
+                        <a:rPr lang="pt-BR" sz="1200" u="none" strike="noStrike">
                           <a:effectLst/>
                         </a:rPr>
                         <a:t>Sim</a:t>
                       </a:r>
-                      <a:endParaRPr lang="pt-BR" sz="1000" b="0" i="0" u="none" strike="noStrike">
-                        <a:solidFill>
-                          <a:srgbClr val="000000"/>
-                        </a:solidFill>
-                        <a:effectLst/>
-                        <a:latin typeface="Calibri" panose="020F0502020204030204" pitchFamily="34" charset="0"/>
-                      </a:endParaRPr>
-                    </a:p>
-                  </a:txBody>
-                  <a:tcPr marL="8818" marR="8818" marT="8818" marB="0" anchor="ctr"/>
-                </a:tc>
-                <a:tc>
-                  <a:txBody>
-                    <a:bodyPr/>
-                    <a:lstStyle/>
-                    <a:p>
-                      <a:pPr algn="ctr" fontAlgn="ctr"/>
-                      <a:r>
-                        <a:rPr lang="pt-BR" sz="1000" u="none" strike="noStrike">
+                      <a:endParaRPr lang="pt-BR" sz="1200" b="0" i="0" u="none" strike="noStrike">
+                        <a:solidFill>
+                          <a:srgbClr val="000000"/>
+                        </a:solidFill>
+                        <a:effectLst/>
+                        <a:latin typeface="Calibri" panose="020F0502020204030204" pitchFamily="34" charset="0"/>
+                      </a:endParaRPr>
+                    </a:p>
+                  </a:txBody>
+                  <a:tcPr marL="10701" marR="10701" marT="10701" marB="0" anchor="ctr"/>
+                </a:tc>
+                <a:tc>
+                  <a:txBody>
+                    <a:bodyPr/>
+                    <a:lstStyle/>
+                    <a:p>
+                      <a:pPr algn="ctr" fontAlgn="ctr"/>
+                      <a:r>
+                        <a:rPr lang="pt-BR" sz="1200" u="none" strike="noStrike">
                           <a:effectLst/>
                         </a:rPr>
                         <a:t>Sim</a:t>
                       </a:r>
-                      <a:endParaRPr lang="pt-BR" sz="1000" b="0" i="0" u="none" strike="noStrike">
-                        <a:solidFill>
-                          <a:srgbClr val="000000"/>
-                        </a:solidFill>
-                        <a:effectLst/>
-                        <a:latin typeface="Calibri" panose="020F0502020204030204" pitchFamily="34" charset="0"/>
-                      </a:endParaRPr>
-                    </a:p>
-                  </a:txBody>
-                  <a:tcPr marL="8818" marR="8818" marT="8818" marB="0" anchor="ctr"/>
-                </a:tc>
-                <a:tc>
-                  <a:txBody>
-                    <a:bodyPr/>
-                    <a:lstStyle/>
-                    <a:p>
-                      <a:pPr algn="ctr" fontAlgn="ctr"/>
-                      <a:r>
-                        <a:rPr lang="pt-BR" sz="1000" u="none" strike="noStrike">
+                      <a:endParaRPr lang="pt-BR" sz="1200" b="0" i="0" u="none" strike="noStrike">
+                        <a:solidFill>
+                          <a:srgbClr val="000000"/>
+                        </a:solidFill>
+                        <a:effectLst/>
+                        <a:latin typeface="Calibri" panose="020F0502020204030204" pitchFamily="34" charset="0"/>
+                      </a:endParaRPr>
+                    </a:p>
+                  </a:txBody>
+                  <a:tcPr marL="10701" marR="10701" marT="10701" marB="0" anchor="ctr"/>
+                </a:tc>
+                <a:tc>
+                  <a:txBody>
+                    <a:bodyPr/>
+                    <a:lstStyle/>
+                    <a:p>
+                      <a:pPr algn="ctr" fontAlgn="ctr"/>
+                      <a:r>
+                        <a:rPr lang="pt-BR" sz="1200" u="none" strike="noStrike">
                           <a:effectLst/>
                         </a:rPr>
                         <a:t>Sim</a:t>
                       </a:r>
-                      <a:endParaRPr lang="pt-BR" sz="1000" b="0" i="0" u="none" strike="noStrike">
-                        <a:solidFill>
-                          <a:srgbClr val="000000"/>
-                        </a:solidFill>
-                        <a:effectLst/>
-                        <a:latin typeface="Calibri" panose="020F0502020204030204" pitchFamily="34" charset="0"/>
-                      </a:endParaRPr>
-                    </a:p>
-                  </a:txBody>
-                  <a:tcPr marL="8818" marR="8818" marT="8818" marB="0" anchor="ctr"/>
-                </a:tc>
-                <a:tc>
-                  <a:txBody>
-                    <a:bodyPr/>
-                    <a:lstStyle/>
-                    <a:p>
-                      <a:pPr algn="ctr" fontAlgn="ctr"/>
-                      <a:r>
-                        <a:rPr lang="pt-BR" sz="1000" u="none" strike="noStrike">
+                      <a:endParaRPr lang="pt-BR" sz="1200" b="0" i="0" u="none" strike="noStrike">
+                        <a:solidFill>
+                          <a:srgbClr val="000000"/>
+                        </a:solidFill>
+                        <a:effectLst/>
+                        <a:latin typeface="Calibri" panose="020F0502020204030204" pitchFamily="34" charset="0"/>
+                      </a:endParaRPr>
+                    </a:p>
+                  </a:txBody>
+                  <a:tcPr marL="10701" marR="10701" marT="10701" marB="0" anchor="ctr"/>
+                </a:tc>
+                <a:tc>
+                  <a:txBody>
+                    <a:bodyPr/>
+                    <a:lstStyle/>
+                    <a:p>
+                      <a:pPr algn="ctr" fontAlgn="ctr"/>
+                      <a:r>
+                        <a:rPr lang="pt-BR" sz="1200" u="none" strike="noStrike">
                           <a:effectLst/>
                         </a:rPr>
                         <a:t>Sim</a:t>
                       </a:r>
-                      <a:endParaRPr lang="pt-BR" sz="1000" b="0" i="0" u="none" strike="noStrike">
-                        <a:solidFill>
-                          <a:srgbClr val="000000"/>
-                        </a:solidFill>
-                        <a:effectLst/>
-                        <a:latin typeface="Calibri" panose="020F0502020204030204" pitchFamily="34" charset="0"/>
-                      </a:endParaRPr>
-                    </a:p>
-                  </a:txBody>
-                  <a:tcPr marL="8818" marR="8818" marT="8818" marB="0" anchor="ctr"/>
-                </a:tc>
-                <a:tc>
-                  <a:txBody>
-                    <a:bodyPr/>
-                    <a:lstStyle/>
-                    <a:p>
-                      <a:pPr algn="ctr" fontAlgn="ctr"/>
-                      <a:r>
-                        <a:rPr lang="pt-BR" sz="1000" u="none" strike="noStrike">
+                      <a:endParaRPr lang="pt-BR" sz="1200" b="0" i="0" u="none" strike="noStrike">
+                        <a:solidFill>
+                          <a:srgbClr val="000000"/>
+                        </a:solidFill>
+                        <a:effectLst/>
+                        <a:latin typeface="Calibri" panose="020F0502020204030204" pitchFamily="34" charset="0"/>
+                      </a:endParaRPr>
+                    </a:p>
+                  </a:txBody>
+                  <a:tcPr marL="10701" marR="10701" marT="10701" marB="0" anchor="ctr"/>
+                </a:tc>
+                <a:tc>
+                  <a:txBody>
+                    <a:bodyPr/>
+                    <a:lstStyle/>
+                    <a:p>
+                      <a:pPr algn="ctr" fontAlgn="ctr"/>
+                      <a:r>
+                        <a:rPr lang="pt-BR" sz="1200" u="none" strike="noStrike">
                           <a:effectLst/>
                         </a:rPr>
                         <a:t>Sim</a:t>
                       </a:r>
-                      <a:endParaRPr lang="pt-BR" sz="1000" b="0" i="0" u="none" strike="noStrike">
-                        <a:solidFill>
-                          <a:srgbClr val="000000"/>
-                        </a:solidFill>
-                        <a:effectLst/>
-                        <a:latin typeface="Calibri" panose="020F0502020204030204" pitchFamily="34" charset="0"/>
-                      </a:endParaRPr>
-                    </a:p>
-                  </a:txBody>
-                  <a:tcPr marL="8818" marR="8818" marT="8818" marB="0" anchor="ctr"/>
+                      <a:endParaRPr lang="pt-BR" sz="1200" b="0" i="0" u="none" strike="noStrike">
+                        <a:solidFill>
+                          <a:srgbClr val="000000"/>
+                        </a:solidFill>
+                        <a:effectLst/>
+                        <a:latin typeface="Calibri" panose="020F0502020204030204" pitchFamily="34" charset="0"/>
+                      </a:endParaRPr>
+                    </a:p>
+                  </a:txBody>
+                  <a:tcPr marL="10701" marR="10701" marT="10701" marB="0" anchor="ctr"/>
                 </a:tc>
               </a:tr>
-              <a:tr h="176356">
-                <a:tc>
-                  <a:txBody>
-                    <a:bodyPr/>
-                    <a:lstStyle/>
-                    <a:p>
-                      <a:pPr algn="ctr" fontAlgn="ctr"/>
-                      <a:r>
-                        <a:rPr lang="pt-BR" sz="1000" u="none" strike="noStrike">
+              <a:tr h="214016">
+                <a:tc>
+                  <a:txBody>
+                    <a:bodyPr/>
+                    <a:lstStyle/>
+                    <a:p>
+                      <a:pPr algn="ctr" fontAlgn="ctr"/>
+                      <a:r>
+                        <a:rPr lang="pt-BR" sz="1200" u="none" strike="noStrike">
                           <a:effectLst/>
                         </a:rPr>
                         <a:t>Backup automático</a:t>
                       </a:r>
-                      <a:endParaRPr lang="pt-BR" sz="1000" b="0" i="0" u="none" strike="noStrike">
-                        <a:solidFill>
-                          <a:srgbClr val="000000"/>
-                        </a:solidFill>
-                        <a:effectLst/>
-                        <a:latin typeface="Calibri" panose="020F0502020204030204" pitchFamily="34" charset="0"/>
-                      </a:endParaRPr>
-                    </a:p>
-                  </a:txBody>
-                  <a:tcPr marL="8818" marR="8818" marT="8818" marB="0" anchor="ctr"/>
-                </a:tc>
-                <a:tc>
-                  <a:txBody>
-                    <a:bodyPr/>
-                    <a:lstStyle/>
-                    <a:p>
-                      <a:pPr algn="ctr" fontAlgn="ctr"/>
-                      <a:r>
-                        <a:rPr lang="pt-BR" sz="1000" u="none" strike="noStrike">
+                      <a:endParaRPr lang="pt-BR" sz="1200" b="0" i="0" u="none" strike="noStrike">
+                        <a:solidFill>
+                          <a:srgbClr val="000000"/>
+                        </a:solidFill>
+                        <a:effectLst/>
+                        <a:latin typeface="Calibri" panose="020F0502020204030204" pitchFamily="34" charset="0"/>
+                      </a:endParaRPr>
+                    </a:p>
+                  </a:txBody>
+                  <a:tcPr marL="10701" marR="10701" marT="10701" marB="0" anchor="ctr"/>
+                </a:tc>
+                <a:tc>
+                  <a:txBody>
+                    <a:bodyPr/>
+                    <a:lstStyle/>
+                    <a:p>
+                      <a:pPr algn="ctr" fontAlgn="ctr"/>
+                      <a:r>
+                        <a:rPr lang="pt-BR" sz="1200" u="none" strike="noStrike">
                           <a:effectLst/>
                         </a:rPr>
                         <a:t>Incluso</a:t>
                       </a:r>
-                      <a:endParaRPr lang="pt-BR" sz="1000" b="0" i="0" u="none" strike="noStrike">
-                        <a:solidFill>
-                          <a:srgbClr val="000000"/>
-                        </a:solidFill>
-                        <a:effectLst/>
-                        <a:latin typeface="Calibri" panose="020F0502020204030204" pitchFamily="34" charset="0"/>
-                      </a:endParaRPr>
-                    </a:p>
-                  </a:txBody>
-                  <a:tcPr marL="8818" marR="8818" marT="8818" marB="0" anchor="ctr"/>
-                </a:tc>
-                <a:tc>
-                  <a:txBody>
-                    <a:bodyPr/>
-                    <a:lstStyle/>
-                    <a:p>
-                      <a:pPr algn="ctr" fontAlgn="ctr"/>
-                      <a:r>
-                        <a:rPr lang="pt-BR" sz="1000" u="none" strike="noStrike">
+                      <a:endParaRPr lang="pt-BR" sz="1200" b="0" i="0" u="none" strike="noStrike">
+                        <a:solidFill>
+                          <a:srgbClr val="000000"/>
+                        </a:solidFill>
+                        <a:effectLst/>
+                        <a:latin typeface="Calibri" panose="020F0502020204030204" pitchFamily="34" charset="0"/>
+                      </a:endParaRPr>
+                    </a:p>
+                  </a:txBody>
+                  <a:tcPr marL="10701" marR="10701" marT="10701" marB="0" anchor="ctr"/>
+                </a:tc>
+                <a:tc>
+                  <a:txBody>
+                    <a:bodyPr/>
+                    <a:lstStyle/>
+                    <a:p>
+                      <a:pPr algn="ctr" fontAlgn="ctr"/>
+                      <a:r>
+                        <a:rPr lang="pt-BR" sz="1200" u="none" strike="noStrike">
                           <a:effectLst/>
                         </a:rPr>
                         <a:t>Incluso</a:t>
                       </a:r>
-                      <a:endParaRPr lang="pt-BR" sz="1000" b="0" i="0" u="none" strike="noStrike">
-                        <a:solidFill>
-                          <a:srgbClr val="000000"/>
-                        </a:solidFill>
-                        <a:effectLst/>
-                        <a:latin typeface="Calibri" panose="020F0502020204030204" pitchFamily="34" charset="0"/>
-                      </a:endParaRPr>
-                    </a:p>
-                  </a:txBody>
-                  <a:tcPr marL="8818" marR="8818" marT="8818" marB="0" anchor="ctr"/>
-                </a:tc>
-                <a:tc>
-                  <a:txBody>
-                    <a:bodyPr/>
-                    <a:lstStyle/>
-                    <a:p>
-                      <a:pPr algn="ctr" fontAlgn="ctr"/>
-                      <a:r>
-                        <a:rPr lang="pt-BR" sz="1000" u="none" strike="noStrike">
+                      <a:endParaRPr lang="pt-BR" sz="1200" b="0" i="0" u="none" strike="noStrike">
+                        <a:solidFill>
+                          <a:srgbClr val="000000"/>
+                        </a:solidFill>
+                        <a:effectLst/>
+                        <a:latin typeface="Calibri" panose="020F0502020204030204" pitchFamily="34" charset="0"/>
+                      </a:endParaRPr>
+                    </a:p>
+                  </a:txBody>
+                  <a:tcPr marL="10701" marR="10701" marT="10701" marB="0" anchor="ctr"/>
+                </a:tc>
+                <a:tc>
+                  <a:txBody>
+                    <a:bodyPr/>
+                    <a:lstStyle/>
+                    <a:p>
+                      <a:pPr algn="ctr" fontAlgn="ctr"/>
+                      <a:r>
+                        <a:rPr lang="pt-BR" sz="1200" u="none" strike="noStrike">
                           <a:effectLst/>
                         </a:rPr>
                         <a:t>Incluso</a:t>
                       </a:r>
-                      <a:endParaRPr lang="pt-BR" sz="1000" b="0" i="0" u="none" strike="noStrike">
-                        <a:solidFill>
-                          <a:srgbClr val="000000"/>
-                        </a:solidFill>
-                        <a:effectLst/>
-                        <a:latin typeface="Calibri" panose="020F0502020204030204" pitchFamily="34" charset="0"/>
-                      </a:endParaRPr>
-                    </a:p>
-                  </a:txBody>
-                  <a:tcPr marL="8818" marR="8818" marT="8818" marB="0" anchor="ctr"/>
-                </a:tc>
-                <a:tc>
-                  <a:txBody>
-                    <a:bodyPr/>
-                    <a:lstStyle/>
-                    <a:p>
-                      <a:pPr algn="ctr" fontAlgn="ctr"/>
-                      <a:r>
-                        <a:rPr lang="pt-BR" sz="1000" u="none" strike="noStrike">
+                      <a:endParaRPr lang="pt-BR" sz="1200" b="0" i="0" u="none" strike="noStrike">
+                        <a:solidFill>
+                          <a:srgbClr val="000000"/>
+                        </a:solidFill>
+                        <a:effectLst/>
+                        <a:latin typeface="Calibri" panose="020F0502020204030204" pitchFamily="34" charset="0"/>
+                      </a:endParaRPr>
+                    </a:p>
+                  </a:txBody>
+                  <a:tcPr marL="10701" marR="10701" marT="10701" marB="0" anchor="ctr"/>
+                </a:tc>
+                <a:tc>
+                  <a:txBody>
+                    <a:bodyPr/>
+                    <a:lstStyle/>
+                    <a:p>
+                      <a:pPr algn="ctr" fontAlgn="ctr"/>
+                      <a:r>
+                        <a:rPr lang="pt-BR" sz="1200" u="none" strike="noStrike">
                           <a:effectLst/>
                         </a:rPr>
                         <a:t>6,99</a:t>
                       </a:r>
-                      <a:endParaRPr lang="pt-BR" sz="1000" b="0" i="0" u="none" strike="noStrike">
-                        <a:solidFill>
-                          <a:srgbClr val="000000"/>
-                        </a:solidFill>
-                        <a:effectLst/>
-                        <a:latin typeface="Calibri" panose="020F0502020204030204" pitchFamily="34" charset="0"/>
-                      </a:endParaRPr>
-                    </a:p>
-                  </a:txBody>
-                  <a:tcPr marL="8818" marR="8818" marT="8818" marB="0" anchor="ctr"/>
-                </a:tc>
-                <a:tc>
-                  <a:txBody>
-                    <a:bodyPr/>
-                    <a:lstStyle/>
-                    <a:p>
-                      <a:pPr algn="ctr" fontAlgn="ctr"/>
-                      <a:r>
-                        <a:rPr lang="pt-BR" sz="1000" u="none" strike="noStrike">
+                      <a:endParaRPr lang="pt-BR" sz="1200" b="0" i="0" u="none" strike="noStrike">
+                        <a:solidFill>
+                          <a:srgbClr val="000000"/>
+                        </a:solidFill>
+                        <a:effectLst/>
+                        <a:latin typeface="Calibri" panose="020F0502020204030204" pitchFamily="34" charset="0"/>
+                      </a:endParaRPr>
+                    </a:p>
+                  </a:txBody>
+                  <a:tcPr marL="10701" marR="10701" marT="10701" marB="0" anchor="ctr"/>
+                </a:tc>
+                <a:tc>
+                  <a:txBody>
+                    <a:bodyPr/>
+                    <a:lstStyle/>
+                    <a:p>
+                      <a:pPr algn="ctr" fontAlgn="ctr"/>
+                      <a:r>
+                        <a:rPr lang="pt-BR" sz="1200" u="none" strike="noStrike">
                           <a:effectLst/>
                         </a:rPr>
                         <a:t>6,99</a:t>
                       </a:r>
-                      <a:endParaRPr lang="pt-BR" sz="1000" b="0" i="0" u="none" strike="noStrike">
-                        <a:solidFill>
-                          <a:srgbClr val="000000"/>
-                        </a:solidFill>
-                        <a:effectLst/>
-                        <a:latin typeface="Calibri" panose="020F0502020204030204" pitchFamily="34" charset="0"/>
-                      </a:endParaRPr>
-                    </a:p>
-                  </a:txBody>
-                  <a:tcPr marL="8818" marR="8818" marT="8818" marB="0" anchor="ctr"/>
-                </a:tc>
-                <a:tc>
-                  <a:txBody>
-                    <a:bodyPr/>
-                    <a:lstStyle/>
-                    <a:p>
-                      <a:pPr algn="ctr" fontAlgn="ctr"/>
-                      <a:r>
-                        <a:rPr lang="pt-BR" sz="1000" u="none" strike="noStrike">
+                      <a:endParaRPr lang="pt-BR" sz="1200" b="0" i="0" u="none" strike="noStrike">
+                        <a:solidFill>
+                          <a:srgbClr val="000000"/>
+                        </a:solidFill>
+                        <a:effectLst/>
+                        <a:latin typeface="Calibri" panose="020F0502020204030204" pitchFamily="34" charset="0"/>
+                      </a:endParaRPr>
+                    </a:p>
+                  </a:txBody>
+                  <a:tcPr marL="10701" marR="10701" marT="10701" marB="0" anchor="ctr"/>
+                </a:tc>
+                <a:tc>
+                  <a:txBody>
+                    <a:bodyPr/>
+                    <a:lstStyle/>
+                    <a:p>
+                      <a:pPr algn="ctr" fontAlgn="ctr"/>
+                      <a:r>
+                        <a:rPr lang="pt-BR" sz="1200" u="none" strike="noStrike">
                           <a:effectLst/>
                         </a:rPr>
                         <a:t>6,99</a:t>
                       </a:r>
-                      <a:endParaRPr lang="pt-BR" sz="1000" b="0" i="0" u="none" strike="noStrike">
-                        <a:solidFill>
-                          <a:srgbClr val="000000"/>
-                        </a:solidFill>
-                        <a:effectLst/>
-                        <a:latin typeface="Calibri" panose="020F0502020204030204" pitchFamily="34" charset="0"/>
-                      </a:endParaRPr>
-                    </a:p>
-                  </a:txBody>
-                  <a:tcPr marL="8818" marR="8818" marT="8818" marB="0" anchor="ctr"/>
+                      <a:endParaRPr lang="pt-BR" sz="1200" b="0" i="0" u="none" strike="noStrike">
+                        <a:solidFill>
+                          <a:srgbClr val="000000"/>
+                        </a:solidFill>
+                        <a:effectLst/>
+                        <a:latin typeface="Calibri" panose="020F0502020204030204" pitchFamily="34" charset="0"/>
+                      </a:endParaRPr>
+                    </a:p>
+                  </a:txBody>
+                  <a:tcPr marL="10701" marR="10701" marT="10701" marB="0" anchor="ctr"/>
                 </a:tc>
               </a:tr>
-              <a:tr h="176356">
-                <a:tc>
-                  <a:txBody>
-                    <a:bodyPr/>
-                    <a:lstStyle/>
-                    <a:p>
-                      <a:pPr algn="ctr" fontAlgn="ctr"/>
-                      <a:r>
-                        <a:rPr lang="pt-BR" sz="1000" u="none" strike="noStrike">
+              <a:tr h="214016">
+                <a:tc>
+                  <a:txBody>
+                    <a:bodyPr/>
+                    <a:lstStyle/>
+                    <a:p>
+                      <a:pPr algn="ctr" fontAlgn="ctr"/>
+                      <a:r>
+                        <a:rPr lang="pt-BR" sz="1200" u="none" strike="noStrike">
                           <a:effectLst/>
                         </a:rPr>
                         <a:t>Criador de site</a:t>
                       </a:r>
-                      <a:endParaRPr lang="pt-BR" sz="1000" b="0" i="0" u="none" strike="noStrike">
-                        <a:solidFill>
-                          <a:srgbClr val="000000"/>
-                        </a:solidFill>
-                        <a:effectLst/>
-                        <a:latin typeface="Calibri" panose="020F0502020204030204" pitchFamily="34" charset="0"/>
-                      </a:endParaRPr>
-                    </a:p>
-                  </a:txBody>
-                  <a:tcPr marL="8818" marR="8818" marT="8818" marB="0" anchor="ctr"/>
-                </a:tc>
-                <a:tc>
-                  <a:txBody>
-                    <a:bodyPr/>
-                    <a:lstStyle/>
-                    <a:p>
-                      <a:pPr algn="ctr" fontAlgn="ctr"/>
-                      <a:r>
-                        <a:rPr lang="pt-BR" sz="1000" u="none" strike="noStrike">
+                      <a:endParaRPr lang="pt-BR" sz="1200" b="0" i="0" u="none" strike="noStrike">
+                        <a:solidFill>
+                          <a:srgbClr val="000000"/>
+                        </a:solidFill>
+                        <a:effectLst/>
+                        <a:latin typeface="Calibri" panose="020F0502020204030204" pitchFamily="34" charset="0"/>
+                      </a:endParaRPr>
+                    </a:p>
+                  </a:txBody>
+                  <a:tcPr marL="10701" marR="10701" marT="10701" marB="0" anchor="ctr"/>
+                </a:tc>
+                <a:tc>
+                  <a:txBody>
+                    <a:bodyPr/>
+                    <a:lstStyle/>
+                    <a:p>
+                      <a:pPr algn="ctr" fontAlgn="ctr"/>
+                      <a:r>
+                        <a:rPr lang="pt-BR" sz="1200" u="none" strike="noStrike">
                           <a:effectLst/>
                         </a:rPr>
                         <a:t>Sim</a:t>
                       </a:r>
-                      <a:endParaRPr lang="pt-BR" sz="1000" b="0" i="0" u="none" strike="noStrike">
-                        <a:solidFill>
-                          <a:srgbClr val="000000"/>
-                        </a:solidFill>
-                        <a:effectLst/>
-                        <a:latin typeface="Calibri" panose="020F0502020204030204" pitchFamily="34" charset="0"/>
-                      </a:endParaRPr>
-                    </a:p>
-                  </a:txBody>
-                  <a:tcPr marL="8818" marR="8818" marT="8818" marB="0" anchor="ctr"/>
-                </a:tc>
-                <a:tc>
-                  <a:txBody>
-                    <a:bodyPr/>
-                    <a:lstStyle/>
-                    <a:p>
-                      <a:pPr algn="ctr" fontAlgn="ctr"/>
-                      <a:r>
-                        <a:rPr lang="pt-BR" sz="1000" u="none" strike="noStrike">
+                      <a:endParaRPr lang="pt-BR" sz="1200" b="0" i="0" u="none" strike="noStrike">
+                        <a:solidFill>
+                          <a:srgbClr val="000000"/>
+                        </a:solidFill>
+                        <a:effectLst/>
+                        <a:latin typeface="Calibri" panose="020F0502020204030204" pitchFamily="34" charset="0"/>
+                      </a:endParaRPr>
+                    </a:p>
+                  </a:txBody>
+                  <a:tcPr marL="10701" marR="10701" marT="10701" marB="0" anchor="ctr"/>
+                </a:tc>
+                <a:tc>
+                  <a:txBody>
+                    <a:bodyPr/>
+                    <a:lstStyle/>
+                    <a:p>
+                      <a:pPr algn="ctr" fontAlgn="ctr"/>
+                      <a:r>
+                        <a:rPr lang="pt-BR" sz="1200" u="none" strike="noStrike">
                           <a:effectLst/>
                         </a:rPr>
                         <a:t>Sim</a:t>
                       </a:r>
-                      <a:endParaRPr lang="pt-BR" sz="1000" b="0" i="0" u="none" strike="noStrike">
-                        <a:solidFill>
-                          <a:srgbClr val="000000"/>
-                        </a:solidFill>
-                        <a:effectLst/>
-                        <a:latin typeface="Calibri" panose="020F0502020204030204" pitchFamily="34" charset="0"/>
-                      </a:endParaRPr>
-                    </a:p>
-                  </a:txBody>
-                  <a:tcPr marL="8818" marR="8818" marT="8818" marB="0" anchor="ctr"/>
-                </a:tc>
-                <a:tc>
-                  <a:txBody>
-                    <a:bodyPr/>
-                    <a:lstStyle/>
-                    <a:p>
-                      <a:pPr algn="ctr" fontAlgn="ctr"/>
-                      <a:r>
-                        <a:rPr lang="pt-BR" sz="1000" u="none" strike="noStrike">
+                      <a:endParaRPr lang="pt-BR" sz="1200" b="0" i="0" u="none" strike="noStrike">
+                        <a:solidFill>
+                          <a:srgbClr val="000000"/>
+                        </a:solidFill>
+                        <a:effectLst/>
+                        <a:latin typeface="Calibri" panose="020F0502020204030204" pitchFamily="34" charset="0"/>
+                      </a:endParaRPr>
+                    </a:p>
+                  </a:txBody>
+                  <a:tcPr marL="10701" marR="10701" marT="10701" marB="0" anchor="ctr"/>
+                </a:tc>
+                <a:tc>
+                  <a:txBody>
+                    <a:bodyPr/>
+                    <a:lstStyle/>
+                    <a:p>
+                      <a:pPr algn="ctr" fontAlgn="ctr"/>
+                      <a:r>
+                        <a:rPr lang="pt-BR" sz="1200" u="none" strike="noStrike">
                           <a:effectLst/>
                         </a:rPr>
                         <a:t>Sim</a:t>
                       </a:r>
-                      <a:endParaRPr lang="pt-BR" sz="1000" b="0" i="0" u="none" strike="noStrike">
-                        <a:solidFill>
-                          <a:srgbClr val="000000"/>
-                        </a:solidFill>
-                        <a:effectLst/>
-                        <a:latin typeface="Calibri" panose="020F0502020204030204" pitchFamily="34" charset="0"/>
-                      </a:endParaRPr>
-                    </a:p>
-                  </a:txBody>
-                  <a:tcPr marL="8818" marR="8818" marT="8818" marB="0" anchor="ctr"/>
-                </a:tc>
-                <a:tc>
-                  <a:txBody>
-                    <a:bodyPr/>
-                    <a:lstStyle/>
-                    <a:p>
-                      <a:pPr algn="ctr" fontAlgn="ctr"/>
-                      <a:r>
-                        <a:rPr lang="pt-BR" sz="1000" u="none" strike="noStrike">
+                      <a:endParaRPr lang="pt-BR" sz="1200" b="0" i="0" u="none" strike="noStrike">
+                        <a:solidFill>
+                          <a:srgbClr val="000000"/>
+                        </a:solidFill>
+                        <a:effectLst/>
+                        <a:latin typeface="Calibri" panose="020F0502020204030204" pitchFamily="34" charset="0"/>
+                      </a:endParaRPr>
+                    </a:p>
+                  </a:txBody>
+                  <a:tcPr marL="10701" marR="10701" marT="10701" marB="0" anchor="ctr"/>
+                </a:tc>
+                <a:tc>
+                  <a:txBody>
+                    <a:bodyPr/>
+                    <a:lstStyle/>
+                    <a:p>
+                      <a:pPr algn="ctr" fontAlgn="ctr"/>
+                      <a:r>
+                        <a:rPr lang="pt-BR" sz="1200" u="none" strike="noStrike">
                           <a:effectLst/>
                         </a:rPr>
                         <a:t>Não incluso</a:t>
                       </a:r>
-                      <a:endParaRPr lang="pt-BR" sz="1000" b="0" i="0" u="none" strike="noStrike">
-                        <a:solidFill>
-                          <a:srgbClr val="000000"/>
-                        </a:solidFill>
-                        <a:effectLst/>
-                        <a:latin typeface="Calibri" panose="020F0502020204030204" pitchFamily="34" charset="0"/>
-                      </a:endParaRPr>
-                    </a:p>
-                  </a:txBody>
-                  <a:tcPr marL="8818" marR="8818" marT="8818" marB="0" anchor="ctr"/>
-                </a:tc>
-                <a:tc>
-                  <a:txBody>
-                    <a:bodyPr/>
-                    <a:lstStyle/>
-                    <a:p>
-                      <a:pPr algn="ctr" fontAlgn="ctr"/>
-                      <a:r>
-                        <a:rPr lang="pt-BR" sz="1000" u="none" strike="noStrike">
+                      <a:endParaRPr lang="pt-BR" sz="1200" b="0" i="0" u="none" strike="noStrike">
+                        <a:solidFill>
+                          <a:srgbClr val="000000"/>
+                        </a:solidFill>
+                        <a:effectLst/>
+                        <a:latin typeface="Calibri" panose="020F0502020204030204" pitchFamily="34" charset="0"/>
+                      </a:endParaRPr>
+                    </a:p>
+                  </a:txBody>
+                  <a:tcPr marL="10701" marR="10701" marT="10701" marB="0" anchor="ctr"/>
+                </a:tc>
+                <a:tc>
+                  <a:txBody>
+                    <a:bodyPr/>
+                    <a:lstStyle/>
+                    <a:p>
+                      <a:pPr algn="ctr" fontAlgn="ctr"/>
+                      <a:r>
+                        <a:rPr lang="pt-BR" sz="1200" u="none" strike="noStrike">
                           <a:effectLst/>
                         </a:rPr>
                         <a:t>Não incluso</a:t>
                       </a:r>
-                      <a:endParaRPr lang="pt-BR" sz="1000" b="0" i="0" u="none" strike="noStrike">
-                        <a:solidFill>
-                          <a:srgbClr val="000000"/>
-                        </a:solidFill>
-                        <a:effectLst/>
-                        <a:latin typeface="Calibri" panose="020F0502020204030204" pitchFamily="34" charset="0"/>
-                      </a:endParaRPr>
-                    </a:p>
-                  </a:txBody>
-                  <a:tcPr marL="8818" marR="8818" marT="8818" marB="0" anchor="ctr"/>
-                </a:tc>
-                <a:tc>
-                  <a:txBody>
-                    <a:bodyPr/>
-                    <a:lstStyle/>
-                    <a:p>
-                      <a:pPr algn="ctr" fontAlgn="ctr"/>
-                      <a:r>
-                        <a:rPr lang="pt-BR" sz="1000" u="none" strike="noStrike">
+                      <a:endParaRPr lang="pt-BR" sz="1200" b="0" i="0" u="none" strike="noStrike">
+                        <a:solidFill>
+                          <a:srgbClr val="000000"/>
+                        </a:solidFill>
+                        <a:effectLst/>
+                        <a:latin typeface="Calibri" panose="020F0502020204030204" pitchFamily="34" charset="0"/>
+                      </a:endParaRPr>
+                    </a:p>
+                  </a:txBody>
+                  <a:tcPr marL="10701" marR="10701" marT="10701" marB="0" anchor="ctr"/>
+                </a:tc>
+                <a:tc>
+                  <a:txBody>
+                    <a:bodyPr/>
+                    <a:lstStyle/>
+                    <a:p>
+                      <a:pPr algn="ctr" fontAlgn="ctr"/>
+                      <a:r>
+                        <a:rPr lang="pt-BR" sz="1200" u="none" strike="noStrike">
                           <a:effectLst/>
                         </a:rPr>
                         <a:t>Não incluso</a:t>
                       </a:r>
-                      <a:endParaRPr lang="pt-BR" sz="1000" b="0" i="0" u="none" strike="noStrike">
-                        <a:solidFill>
-                          <a:srgbClr val="000000"/>
-                        </a:solidFill>
-                        <a:effectLst/>
-                        <a:latin typeface="Calibri" panose="020F0502020204030204" pitchFamily="34" charset="0"/>
-                      </a:endParaRPr>
-                    </a:p>
-                  </a:txBody>
-                  <a:tcPr marL="8818" marR="8818" marT="8818" marB="0" anchor="ctr"/>
+                      <a:endParaRPr lang="pt-BR" sz="1200" b="0" i="0" u="none" strike="noStrike">
+                        <a:solidFill>
+                          <a:srgbClr val="000000"/>
+                        </a:solidFill>
+                        <a:effectLst/>
+                        <a:latin typeface="Calibri" panose="020F0502020204030204" pitchFamily="34" charset="0"/>
+                      </a:endParaRPr>
+                    </a:p>
+                  </a:txBody>
+                  <a:tcPr marL="10701" marR="10701" marT="10701" marB="0" anchor="ctr"/>
                 </a:tc>
               </a:tr>
-              <a:tr h="176356">
-                <a:tc>
-                  <a:txBody>
-                    <a:bodyPr/>
-                    <a:lstStyle/>
-                    <a:p>
-                      <a:pPr algn="ctr" fontAlgn="ctr"/>
-                      <a:r>
-                        <a:rPr lang="pt-BR" sz="1000" u="none" strike="noStrike">
+              <a:tr h="380590">
+                <a:tc>
+                  <a:txBody>
+                    <a:bodyPr/>
+                    <a:lstStyle/>
+                    <a:p>
+                      <a:pPr algn="ctr" fontAlgn="ctr"/>
+                      <a:r>
+                        <a:rPr lang="pt-BR" sz="1200" u="none" strike="noStrike">
                           <a:effectLst/>
                         </a:rPr>
                         <a:t>Proteção contra malware</a:t>
                       </a:r>
-                      <a:endParaRPr lang="pt-BR" sz="1000" b="0" i="0" u="none" strike="noStrike">
-                        <a:solidFill>
-                          <a:srgbClr val="000000"/>
-                        </a:solidFill>
-                        <a:effectLst/>
-                        <a:latin typeface="Calibri" panose="020F0502020204030204" pitchFamily="34" charset="0"/>
-                      </a:endParaRPr>
-                    </a:p>
-                  </a:txBody>
-                  <a:tcPr marL="8818" marR="8818" marT="8818" marB="0" anchor="ctr"/>
-                </a:tc>
-                <a:tc>
-                  <a:txBody>
-                    <a:bodyPr/>
-                    <a:lstStyle/>
-                    <a:p>
-                      <a:pPr algn="ctr" fontAlgn="ctr"/>
-                      <a:r>
-                        <a:rPr lang="pt-BR" sz="1000" u="none" strike="noStrike">
+                      <a:endParaRPr lang="pt-BR" sz="1200" b="0" i="0" u="none" strike="noStrike">
+                        <a:solidFill>
+                          <a:srgbClr val="000000"/>
+                        </a:solidFill>
+                        <a:effectLst/>
+                        <a:latin typeface="Calibri" panose="020F0502020204030204" pitchFamily="34" charset="0"/>
+                      </a:endParaRPr>
+                    </a:p>
+                  </a:txBody>
+                  <a:tcPr marL="10701" marR="10701" marT="10701" marB="0" anchor="ctr"/>
+                </a:tc>
+                <a:tc>
+                  <a:txBody>
+                    <a:bodyPr/>
+                    <a:lstStyle/>
+                    <a:p>
+                      <a:pPr algn="ctr" fontAlgn="ctr"/>
+                      <a:r>
+                        <a:rPr lang="pt-BR" sz="1200" u="none" strike="noStrike">
                           <a:effectLst/>
                         </a:rPr>
                         <a:t>Não</a:t>
                       </a:r>
-                      <a:endParaRPr lang="pt-BR" sz="1000" b="0" i="0" u="none" strike="noStrike">
-                        <a:solidFill>
-                          <a:srgbClr val="000000"/>
-                        </a:solidFill>
-                        <a:effectLst/>
-                        <a:latin typeface="Calibri" panose="020F0502020204030204" pitchFamily="34" charset="0"/>
-                      </a:endParaRPr>
-                    </a:p>
-                  </a:txBody>
-                  <a:tcPr marL="8818" marR="8818" marT="8818" marB="0" anchor="ctr"/>
-                </a:tc>
-                <a:tc>
-                  <a:txBody>
-                    <a:bodyPr/>
-                    <a:lstStyle/>
-                    <a:p>
-                      <a:pPr algn="ctr" fontAlgn="ctr"/>
-                      <a:r>
-                        <a:rPr lang="pt-BR" sz="1000" u="none" strike="noStrike">
+                      <a:endParaRPr lang="pt-BR" sz="1200" b="0" i="0" u="none" strike="noStrike">
+                        <a:solidFill>
+                          <a:srgbClr val="000000"/>
+                        </a:solidFill>
+                        <a:effectLst/>
+                        <a:latin typeface="Calibri" panose="020F0502020204030204" pitchFamily="34" charset="0"/>
+                      </a:endParaRPr>
+                    </a:p>
+                  </a:txBody>
+                  <a:tcPr marL="10701" marR="10701" marT="10701" marB="0" anchor="ctr"/>
+                </a:tc>
+                <a:tc>
+                  <a:txBody>
+                    <a:bodyPr/>
+                    <a:lstStyle/>
+                    <a:p>
+                      <a:pPr algn="ctr" fontAlgn="ctr"/>
+                      <a:r>
+                        <a:rPr lang="pt-BR" sz="1200" u="none" strike="noStrike">
                           <a:effectLst/>
                         </a:rPr>
                         <a:t>Não</a:t>
                       </a:r>
-                      <a:endParaRPr lang="pt-BR" sz="1000" b="0" i="0" u="none" strike="noStrike">
-                        <a:solidFill>
-                          <a:srgbClr val="000000"/>
-                        </a:solidFill>
-                        <a:effectLst/>
-                        <a:latin typeface="Calibri" panose="020F0502020204030204" pitchFamily="34" charset="0"/>
-                      </a:endParaRPr>
-                    </a:p>
-                  </a:txBody>
-                  <a:tcPr marL="8818" marR="8818" marT="8818" marB="0" anchor="ctr"/>
-                </a:tc>
-                <a:tc>
-                  <a:txBody>
-                    <a:bodyPr/>
-                    <a:lstStyle/>
-                    <a:p>
-                      <a:pPr algn="ctr" fontAlgn="ctr"/>
-                      <a:r>
-                        <a:rPr lang="pt-BR" sz="1000" u="none" strike="noStrike">
+                      <a:endParaRPr lang="pt-BR" sz="1200" b="0" i="0" u="none" strike="noStrike">
+                        <a:solidFill>
+                          <a:srgbClr val="000000"/>
+                        </a:solidFill>
+                        <a:effectLst/>
+                        <a:latin typeface="Calibri" panose="020F0502020204030204" pitchFamily="34" charset="0"/>
+                      </a:endParaRPr>
+                    </a:p>
+                  </a:txBody>
+                  <a:tcPr marL="10701" marR="10701" marT="10701" marB="0" anchor="ctr"/>
+                </a:tc>
+                <a:tc>
+                  <a:txBody>
+                    <a:bodyPr/>
+                    <a:lstStyle/>
+                    <a:p>
+                      <a:pPr algn="ctr" fontAlgn="ctr"/>
+                      <a:r>
+                        <a:rPr lang="pt-BR" sz="1200" u="none" strike="noStrike">
                           <a:effectLst/>
                         </a:rPr>
                         <a:t>Não</a:t>
                       </a:r>
-                      <a:endParaRPr lang="pt-BR" sz="1000" b="0" i="0" u="none" strike="noStrike">
-                        <a:solidFill>
-                          <a:srgbClr val="000000"/>
-                        </a:solidFill>
-                        <a:effectLst/>
-                        <a:latin typeface="Calibri" panose="020F0502020204030204" pitchFamily="34" charset="0"/>
-                      </a:endParaRPr>
-                    </a:p>
-                  </a:txBody>
-                  <a:tcPr marL="8818" marR="8818" marT="8818" marB="0" anchor="ctr"/>
-                </a:tc>
-                <a:tc>
-                  <a:txBody>
-                    <a:bodyPr/>
-                    <a:lstStyle/>
-                    <a:p>
-                      <a:pPr algn="ctr" fontAlgn="ctr"/>
-                      <a:r>
-                        <a:rPr lang="pt-BR" sz="1000" u="none" strike="noStrike">
+                      <a:endParaRPr lang="pt-BR" sz="1200" b="0" i="0" u="none" strike="noStrike">
+                        <a:solidFill>
+                          <a:srgbClr val="000000"/>
+                        </a:solidFill>
+                        <a:effectLst/>
+                        <a:latin typeface="Calibri" panose="020F0502020204030204" pitchFamily="34" charset="0"/>
+                      </a:endParaRPr>
+                    </a:p>
+                  </a:txBody>
+                  <a:tcPr marL="10701" marR="10701" marT="10701" marB="0" anchor="ctr"/>
+                </a:tc>
+                <a:tc>
+                  <a:txBody>
+                    <a:bodyPr/>
+                    <a:lstStyle/>
+                    <a:p>
+                      <a:pPr algn="ctr" fontAlgn="ctr"/>
+                      <a:r>
+                        <a:rPr lang="pt-BR" sz="1200" u="none" strike="noStrike">
                           <a:effectLst/>
                         </a:rPr>
                         <a:t>R$4,99</a:t>
                       </a:r>
-                      <a:endParaRPr lang="pt-BR" sz="1000" b="0" i="0" u="none" strike="noStrike">
-                        <a:solidFill>
-                          <a:srgbClr val="000000"/>
-                        </a:solidFill>
-                        <a:effectLst/>
-                        <a:latin typeface="Calibri" panose="020F0502020204030204" pitchFamily="34" charset="0"/>
-                      </a:endParaRPr>
-                    </a:p>
-                  </a:txBody>
-                  <a:tcPr marL="8818" marR="8818" marT="8818" marB="0" anchor="ctr"/>
-                </a:tc>
-                <a:tc>
-                  <a:txBody>
-                    <a:bodyPr/>
-                    <a:lstStyle/>
-                    <a:p>
-                      <a:pPr algn="ctr" fontAlgn="ctr"/>
-                      <a:r>
-                        <a:rPr lang="pt-BR" sz="1000" u="none" strike="noStrike">
+                      <a:endParaRPr lang="pt-BR" sz="1200" b="0" i="0" u="none" strike="noStrike">
+                        <a:solidFill>
+                          <a:srgbClr val="000000"/>
+                        </a:solidFill>
+                        <a:effectLst/>
+                        <a:latin typeface="Calibri" panose="020F0502020204030204" pitchFamily="34" charset="0"/>
+                      </a:endParaRPr>
+                    </a:p>
+                  </a:txBody>
+                  <a:tcPr marL="10701" marR="10701" marT="10701" marB="0" anchor="ctr"/>
+                </a:tc>
+                <a:tc>
+                  <a:txBody>
+                    <a:bodyPr/>
+                    <a:lstStyle/>
+                    <a:p>
+                      <a:pPr algn="ctr" fontAlgn="ctr"/>
+                      <a:r>
+                        <a:rPr lang="pt-BR" sz="1200" u="none" strike="noStrike">
                           <a:effectLst/>
                         </a:rPr>
                         <a:t>R$4,99</a:t>
                       </a:r>
-                      <a:endParaRPr lang="pt-BR" sz="1000" b="0" i="0" u="none" strike="noStrike">
-                        <a:solidFill>
-                          <a:srgbClr val="000000"/>
-                        </a:solidFill>
-                        <a:effectLst/>
-                        <a:latin typeface="Calibri" panose="020F0502020204030204" pitchFamily="34" charset="0"/>
-                      </a:endParaRPr>
-                    </a:p>
-                  </a:txBody>
-                  <a:tcPr marL="8818" marR="8818" marT="8818" marB="0" anchor="ctr"/>
-                </a:tc>
-                <a:tc>
-                  <a:txBody>
-                    <a:bodyPr/>
-                    <a:lstStyle/>
-                    <a:p>
-                      <a:pPr algn="ctr" fontAlgn="ctr"/>
-                      <a:r>
-                        <a:rPr lang="pt-BR" sz="1000" u="none" strike="noStrike">
+                      <a:endParaRPr lang="pt-BR" sz="1200" b="0" i="0" u="none" strike="noStrike">
+                        <a:solidFill>
+                          <a:srgbClr val="000000"/>
+                        </a:solidFill>
+                        <a:effectLst/>
+                        <a:latin typeface="Calibri" panose="020F0502020204030204" pitchFamily="34" charset="0"/>
+                      </a:endParaRPr>
+                    </a:p>
+                  </a:txBody>
+                  <a:tcPr marL="10701" marR="10701" marT="10701" marB="0" anchor="ctr"/>
+                </a:tc>
+                <a:tc>
+                  <a:txBody>
+                    <a:bodyPr/>
+                    <a:lstStyle/>
+                    <a:p>
+                      <a:pPr algn="ctr" fontAlgn="ctr"/>
+                      <a:r>
+                        <a:rPr lang="pt-BR" sz="1200" u="none" strike="noStrike">
                           <a:effectLst/>
                         </a:rPr>
                         <a:t>R$4,99</a:t>
                       </a:r>
-                      <a:endParaRPr lang="pt-BR" sz="1000" b="0" i="0" u="none" strike="noStrike">
-                        <a:solidFill>
-                          <a:srgbClr val="000000"/>
-                        </a:solidFill>
-                        <a:effectLst/>
-                        <a:latin typeface="Calibri" panose="020F0502020204030204" pitchFamily="34" charset="0"/>
-                      </a:endParaRPr>
-                    </a:p>
-                  </a:txBody>
-                  <a:tcPr marL="8818" marR="8818" marT="8818" marB="0" anchor="ctr"/>
+                      <a:endParaRPr lang="pt-BR" sz="1200" b="0" i="0" u="none" strike="noStrike">
+                        <a:solidFill>
+                          <a:srgbClr val="000000"/>
+                        </a:solidFill>
+                        <a:effectLst/>
+                        <a:latin typeface="Calibri" panose="020F0502020204030204" pitchFamily="34" charset="0"/>
+                      </a:endParaRPr>
+                    </a:p>
+                  </a:txBody>
+                  <a:tcPr marL="10701" marR="10701" marT="10701" marB="0" anchor="ctr"/>
                 </a:tc>
               </a:tr>
-              <a:tr h="319205">
-                <a:tc>
-                  <a:txBody>
-                    <a:bodyPr/>
-                    <a:lstStyle/>
-                    <a:p>
-                      <a:pPr algn="ctr" fontAlgn="ctr"/>
-                      <a:r>
-                        <a:rPr lang="pt-BR" sz="1000" u="none" strike="noStrike">
+              <a:tr h="387370">
+                <a:tc>
+                  <a:txBody>
+                    <a:bodyPr/>
+                    <a:lstStyle/>
+                    <a:p>
+                      <a:pPr algn="ctr" fontAlgn="ctr"/>
+                      <a:r>
+                        <a:rPr lang="pt-BR" sz="1200" u="none" strike="noStrike">
                           <a:effectLst/>
                         </a:rPr>
                         <a:t>Plano mais barato oferecido?</a:t>
                       </a:r>
-                      <a:endParaRPr lang="pt-BR" sz="1000" b="0" i="0" u="none" strike="noStrike">
-                        <a:solidFill>
-                          <a:srgbClr val="000000"/>
-                        </a:solidFill>
-                        <a:effectLst/>
-                        <a:latin typeface="Calibri" panose="020F0502020204030204" pitchFamily="34" charset="0"/>
-                      </a:endParaRPr>
-                    </a:p>
-                  </a:txBody>
-                  <a:tcPr marL="8818" marR="8818" marT="8818" marB="0" anchor="ctr"/>
-                </a:tc>
-                <a:tc>
-                  <a:txBody>
-                    <a:bodyPr/>
-                    <a:lstStyle/>
-                    <a:p>
-                      <a:pPr algn="ctr" fontAlgn="ctr"/>
-                      <a:r>
-                        <a:rPr lang="pt-BR" sz="1000" u="none" strike="noStrike">
+                      <a:endParaRPr lang="pt-BR" sz="1200" b="0" i="0" u="none" strike="noStrike">
+                        <a:solidFill>
+                          <a:srgbClr val="000000"/>
+                        </a:solidFill>
+                        <a:effectLst/>
+                        <a:latin typeface="Calibri" panose="020F0502020204030204" pitchFamily="34" charset="0"/>
+                      </a:endParaRPr>
+                    </a:p>
+                  </a:txBody>
+                  <a:tcPr marL="10701" marR="10701" marT="10701" marB="0" anchor="ctr"/>
+                </a:tc>
+                <a:tc>
+                  <a:txBody>
+                    <a:bodyPr/>
+                    <a:lstStyle/>
+                    <a:p>
+                      <a:pPr algn="ctr" fontAlgn="ctr"/>
+                      <a:r>
+                        <a:rPr lang="pt-BR" sz="1200" u="none" strike="noStrike">
                           <a:effectLst/>
                         </a:rPr>
                         <a:t>Não</a:t>
                       </a:r>
-                      <a:endParaRPr lang="pt-BR" sz="1000" b="0" i="0" u="none" strike="noStrike">
-                        <a:solidFill>
-                          <a:srgbClr val="000000"/>
-                        </a:solidFill>
-                        <a:effectLst/>
-                        <a:latin typeface="Calibri" panose="020F0502020204030204" pitchFamily="34" charset="0"/>
-                      </a:endParaRPr>
-                    </a:p>
-                  </a:txBody>
-                  <a:tcPr marL="8818" marR="8818" marT="8818" marB="0" anchor="ctr"/>
-                </a:tc>
-                <a:tc>
-                  <a:txBody>
-                    <a:bodyPr/>
-                    <a:lstStyle/>
-                    <a:p>
-                      <a:pPr algn="ctr" fontAlgn="ctr"/>
-                      <a:r>
-                        <a:rPr lang="pt-BR" sz="1000" u="none" strike="noStrike">
+                      <a:endParaRPr lang="pt-BR" sz="1200" b="0" i="0" u="none" strike="noStrike">
+                        <a:solidFill>
+                          <a:srgbClr val="000000"/>
+                        </a:solidFill>
+                        <a:effectLst/>
+                        <a:latin typeface="Calibri" panose="020F0502020204030204" pitchFamily="34" charset="0"/>
+                      </a:endParaRPr>
+                    </a:p>
+                  </a:txBody>
+                  <a:tcPr marL="10701" marR="10701" marT="10701" marB="0" anchor="ctr"/>
+                </a:tc>
+                <a:tc>
+                  <a:txBody>
+                    <a:bodyPr/>
+                    <a:lstStyle/>
+                    <a:p>
+                      <a:pPr algn="ctr" fontAlgn="ctr"/>
+                      <a:r>
+                        <a:rPr lang="pt-BR" sz="1200" u="none" strike="noStrike">
                           <a:effectLst/>
                         </a:rPr>
                         <a:t>Sim</a:t>
                       </a:r>
-                      <a:endParaRPr lang="pt-BR" sz="1000" b="0" i="0" u="none" strike="noStrike">
-                        <a:solidFill>
-                          <a:srgbClr val="000000"/>
-                        </a:solidFill>
-                        <a:effectLst/>
-                        <a:latin typeface="Calibri" panose="020F0502020204030204" pitchFamily="34" charset="0"/>
-                      </a:endParaRPr>
-                    </a:p>
-                  </a:txBody>
-                  <a:tcPr marL="8818" marR="8818" marT="8818" marB="0" anchor="ctr"/>
-                </a:tc>
-                <a:tc>
-                  <a:txBody>
-                    <a:bodyPr/>
-                    <a:lstStyle/>
-                    <a:p>
-                      <a:pPr algn="ctr" fontAlgn="ctr"/>
-                      <a:r>
-                        <a:rPr lang="pt-BR" sz="1000" u="none" strike="noStrike">
+                      <a:endParaRPr lang="pt-BR" sz="1200" b="0" i="0" u="none" strike="noStrike">
+                        <a:solidFill>
+                          <a:srgbClr val="000000"/>
+                        </a:solidFill>
+                        <a:effectLst/>
+                        <a:latin typeface="Calibri" panose="020F0502020204030204" pitchFamily="34" charset="0"/>
+                      </a:endParaRPr>
+                    </a:p>
+                  </a:txBody>
+                  <a:tcPr marL="10701" marR="10701" marT="10701" marB="0" anchor="ctr"/>
+                </a:tc>
+                <a:tc>
+                  <a:txBody>
+                    <a:bodyPr/>
+                    <a:lstStyle/>
+                    <a:p>
+                      <a:pPr algn="ctr" fontAlgn="ctr"/>
+                      <a:r>
+                        <a:rPr lang="pt-BR" sz="1200" u="none" strike="noStrike">
                           <a:effectLst/>
                         </a:rPr>
                         <a:t>Sim</a:t>
                       </a:r>
-                      <a:endParaRPr lang="pt-BR" sz="1000" b="0" i="0" u="none" strike="noStrike">
-                        <a:solidFill>
-                          <a:srgbClr val="000000"/>
-                        </a:solidFill>
-                        <a:effectLst/>
-                        <a:latin typeface="Calibri" panose="020F0502020204030204" pitchFamily="34" charset="0"/>
-                      </a:endParaRPr>
-                    </a:p>
-                  </a:txBody>
-                  <a:tcPr marL="8818" marR="8818" marT="8818" marB="0" anchor="ctr"/>
-                </a:tc>
-                <a:tc>
-                  <a:txBody>
-                    <a:bodyPr/>
-                    <a:lstStyle/>
-                    <a:p>
-                      <a:pPr algn="ctr" fontAlgn="ctr"/>
-                      <a:r>
-                        <a:rPr lang="pt-BR" sz="1000" u="none" strike="noStrike">
+                      <a:endParaRPr lang="pt-BR" sz="1200" b="0" i="0" u="none" strike="noStrike">
+                        <a:solidFill>
+                          <a:srgbClr val="000000"/>
+                        </a:solidFill>
+                        <a:effectLst/>
+                        <a:latin typeface="Calibri" panose="020F0502020204030204" pitchFamily="34" charset="0"/>
+                      </a:endParaRPr>
+                    </a:p>
+                  </a:txBody>
+                  <a:tcPr marL="10701" marR="10701" marT="10701" marB="0" anchor="ctr"/>
+                </a:tc>
+                <a:tc>
+                  <a:txBody>
+                    <a:bodyPr/>
+                    <a:lstStyle/>
+                    <a:p>
+                      <a:pPr algn="ctr" fontAlgn="ctr"/>
+                      <a:r>
+                        <a:rPr lang="pt-BR" sz="1200" u="none" strike="noStrike">
                           <a:effectLst/>
                         </a:rPr>
                         <a:t>Sim</a:t>
                       </a:r>
-                      <a:endParaRPr lang="pt-BR" sz="1000" b="0" i="0" u="none" strike="noStrike">
-                        <a:solidFill>
-                          <a:srgbClr val="000000"/>
-                        </a:solidFill>
-                        <a:effectLst/>
-                        <a:latin typeface="Calibri" panose="020F0502020204030204" pitchFamily="34" charset="0"/>
-                      </a:endParaRPr>
-                    </a:p>
-                  </a:txBody>
-                  <a:tcPr marL="8818" marR="8818" marT="8818" marB="0" anchor="ctr"/>
-                </a:tc>
-                <a:tc>
-                  <a:txBody>
-                    <a:bodyPr/>
-                    <a:lstStyle/>
-                    <a:p>
-                      <a:pPr algn="ctr" fontAlgn="ctr"/>
-                      <a:r>
-                        <a:rPr lang="pt-BR" sz="1000" u="none" strike="noStrike">
+                      <a:endParaRPr lang="pt-BR" sz="1200" b="0" i="0" u="none" strike="noStrike">
+                        <a:solidFill>
+                          <a:srgbClr val="000000"/>
+                        </a:solidFill>
+                        <a:effectLst/>
+                        <a:latin typeface="Calibri" panose="020F0502020204030204" pitchFamily="34" charset="0"/>
+                      </a:endParaRPr>
+                    </a:p>
+                  </a:txBody>
+                  <a:tcPr marL="10701" marR="10701" marT="10701" marB="0" anchor="ctr"/>
+                </a:tc>
+                <a:tc>
+                  <a:txBody>
+                    <a:bodyPr/>
+                    <a:lstStyle/>
+                    <a:p>
+                      <a:pPr algn="ctr" fontAlgn="ctr"/>
+                      <a:r>
+                        <a:rPr lang="pt-BR" sz="1200" u="none" strike="noStrike">
                           <a:effectLst/>
                         </a:rPr>
                         <a:t>Não</a:t>
                       </a:r>
-                      <a:endParaRPr lang="pt-BR" sz="1000" b="0" i="0" u="none" strike="noStrike">
-                        <a:solidFill>
-                          <a:srgbClr val="000000"/>
-                        </a:solidFill>
-                        <a:effectLst/>
-                        <a:latin typeface="Calibri" panose="020F0502020204030204" pitchFamily="34" charset="0"/>
-                      </a:endParaRPr>
-                    </a:p>
-                  </a:txBody>
-                  <a:tcPr marL="8818" marR="8818" marT="8818" marB="0" anchor="ctr"/>
-                </a:tc>
-                <a:tc>
-                  <a:txBody>
-                    <a:bodyPr/>
-                    <a:lstStyle/>
-                    <a:p>
-                      <a:pPr algn="ctr" fontAlgn="ctr"/>
-                      <a:r>
-                        <a:rPr lang="pt-BR" sz="1000" u="none" strike="noStrike">
+                      <a:endParaRPr lang="pt-BR" sz="1200" b="0" i="0" u="none" strike="noStrike">
+                        <a:solidFill>
+                          <a:srgbClr val="000000"/>
+                        </a:solidFill>
+                        <a:effectLst/>
+                        <a:latin typeface="Calibri" panose="020F0502020204030204" pitchFamily="34" charset="0"/>
+                      </a:endParaRPr>
+                    </a:p>
+                  </a:txBody>
+                  <a:tcPr marL="10701" marR="10701" marT="10701" marB="0" anchor="ctr"/>
+                </a:tc>
+                <a:tc>
+                  <a:txBody>
+                    <a:bodyPr/>
+                    <a:lstStyle/>
+                    <a:p>
+                      <a:pPr algn="ctr" fontAlgn="ctr"/>
+                      <a:r>
+                        <a:rPr lang="pt-BR" sz="1200" u="none" strike="noStrike">
                           <a:effectLst/>
                         </a:rPr>
                         <a:t>Não</a:t>
                       </a:r>
-                      <a:endParaRPr lang="pt-BR" sz="1000" b="0" i="0" u="none" strike="noStrike">
-                        <a:solidFill>
-                          <a:srgbClr val="000000"/>
-                        </a:solidFill>
-                        <a:effectLst/>
-                        <a:latin typeface="Calibri" panose="020F0502020204030204" pitchFamily="34" charset="0"/>
-                      </a:endParaRPr>
-                    </a:p>
-                  </a:txBody>
-                  <a:tcPr marL="8818" marR="8818" marT="8818" marB="0" anchor="ctr"/>
+                      <a:endParaRPr lang="pt-BR" sz="1200" b="0" i="0" u="none" strike="noStrike">
+                        <a:solidFill>
+                          <a:srgbClr val="000000"/>
+                        </a:solidFill>
+                        <a:effectLst/>
+                        <a:latin typeface="Calibri" panose="020F0502020204030204" pitchFamily="34" charset="0"/>
+                      </a:endParaRPr>
+                    </a:p>
+                  </a:txBody>
+                  <a:tcPr marL="10701" marR="10701" marT="10701" marB="0" anchor="ctr"/>
                 </a:tc>
               </a:tr>
-              <a:tr h="176356">
-                <a:tc>
-                  <a:txBody>
-                    <a:bodyPr/>
-                    <a:lstStyle/>
-                    <a:p>
-                      <a:pPr algn="ctr" fontAlgn="ctr"/>
-                      <a:endParaRPr lang="pt-BR" sz="1000" b="0" i="0" u="none" strike="noStrike">
-                        <a:solidFill>
-                          <a:srgbClr val="000000"/>
-                        </a:solidFill>
-                        <a:effectLst/>
-                        <a:latin typeface="Calibri" panose="020F0502020204030204" pitchFamily="34" charset="0"/>
-                      </a:endParaRPr>
-                    </a:p>
-                  </a:txBody>
-                  <a:tcPr marL="8818" marR="8818" marT="8818" marB="0" anchor="ctr"/>
-                </a:tc>
-                <a:tc>
-                  <a:txBody>
-                    <a:bodyPr/>
-                    <a:lstStyle/>
-                    <a:p>
-                      <a:pPr algn="ctr" fontAlgn="ctr"/>
-                      <a:endParaRPr lang="pt-BR" sz="1000" b="0" i="0" u="none" strike="noStrike">
-                        <a:solidFill>
-                          <a:srgbClr val="000000"/>
-                        </a:solidFill>
-                        <a:effectLst/>
-                        <a:latin typeface="Calibri" panose="020F0502020204030204" pitchFamily="34" charset="0"/>
-                      </a:endParaRPr>
-                    </a:p>
-                  </a:txBody>
-                  <a:tcPr marL="8818" marR="8818" marT="8818" marB="0" anchor="ctr"/>
-                </a:tc>
-                <a:tc>
-                  <a:txBody>
-                    <a:bodyPr/>
-                    <a:lstStyle/>
-                    <a:p>
-                      <a:pPr algn="ctr" fontAlgn="ctr"/>
-                      <a:endParaRPr lang="pt-BR" sz="1000" b="0" i="0" u="none" strike="noStrike">
-                        <a:solidFill>
-                          <a:srgbClr val="000000"/>
-                        </a:solidFill>
-                        <a:effectLst/>
-                        <a:latin typeface="Calibri" panose="020F0502020204030204" pitchFamily="34" charset="0"/>
-                      </a:endParaRPr>
-                    </a:p>
-                  </a:txBody>
-                  <a:tcPr marL="8818" marR="8818" marT="8818" marB="0" anchor="ctr"/>
-                </a:tc>
-                <a:tc>
-                  <a:txBody>
-                    <a:bodyPr/>
-                    <a:lstStyle/>
-                    <a:p>
-                      <a:pPr algn="ctr" fontAlgn="ctr"/>
-                      <a:endParaRPr lang="pt-BR" sz="1000" b="0" i="0" u="none" strike="noStrike">
-                        <a:solidFill>
-                          <a:srgbClr val="000000"/>
-                        </a:solidFill>
-                        <a:effectLst/>
-                        <a:latin typeface="Calibri" panose="020F0502020204030204" pitchFamily="34" charset="0"/>
-                      </a:endParaRPr>
-                    </a:p>
-                  </a:txBody>
-                  <a:tcPr marL="8818" marR="8818" marT="8818" marB="0" anchor="ctr"/>
-                </a:tc>
-                <a:tc>
-                  <a:txBody>
-                    <a:bodyPr/>
-                    <a:lstStyle/>
-                    <a:p>
-                      <a:pPr algn="ctr" fontAlgn="ctr"/>
-                      <a:endParaRPr lang="pt-BR" sz="1000" b="0" i="0" u="none" strike="noStrike">
-                        <a:solidFill>
-                          <a:srgbClr val="000000"/>
-                        </a:solidFill>
-                        <a:effectLst/>
-                        <a:latin typeface="Calibri" panose="020F0502020204030204" pitchFamily="34" charset="0"/>
-                      </a:endParaRPr>
-                    </a:p>
-                  </a:txBody>
-                  <a:tcPr marL="8818" marR="8818" marT="8818" marB="0" anchor="ctr"/>
-                </a:tc>
-                <a:tc>
-                  <a:txBody>
-                    <a:bodyPr/>
-                    <a:lstStyle/>
-                    <a:p>
-                      <a:pPr algn="ctr" fontAlgn="ctr"/>
-                      <a:endParaRPr lang="pt-BR" sz="1000" b="0" i="0" u="none" strike="noStrike">
-                        <a:solidFill>
-                          <a:srgbClr val="000000"/>
-                        </a:solidFill>
-                        <a:effectLst/>
-                        <a:latin typeface="Calibri" panose="020F0502020204030204" pitchFamily="34" charset="0"/>
-                      </a:endParaRPr>
-                    </a:p>
-                  </a:txBody>
-                  <a:tcPr marL="8818" marR="8818" marT="8818" marB="0" anchor="ctr"/>
-                </a:tc>
-                <a:tc>
-                  <a:txBody>
-                    <a:bodyPr/>
-                    <a:lstStyle/>
-                    <a:p>
-                      <a:pPr algn="ctr" fontAlgn="ctr"/>
-                      <a:endParaRPr lang="pt-BR" sz="1000" b="0" i="0" u="none" strike="noStrike" dirty="0">
-                        <a:solidFill>
-                          <a:srgbClr val="000000"/>
-                        </a:solidFill>
-                        <a:effectLst/>
-                        <a:latin typeface="Calibri" panose="020F0502020204030204" pitchFamily="34" charset="0"/>
-                      </a:endParaRPr>
-                    </a:p>
-                  </a:txBody>
-                  <a:tcPr marL="8818" marR="8818" marT="8818" marB="0" anchor="ctr"/>
+              <a:tr h="214016">
+                <a:tc>
+                  <a:txBody>
+                    <a:bodyPr/>
+                    <a:lstStyle/>
+                    <a:p>
+                      <a:pPr algn="ctr" fontAlgn="ctr"/>
+                      <a:endParaRPr lang="pt-BR" sz="1200" b="0" i="0" u="none" strike="noStrike">
+                        <a:solidFill>
+                          <a:srgbClr val="000000"/>
+                        </a:solidFill>
+                        <a:effectLst/>
+                        <a:latin typeface="Calibri" panose="020F0502020204030204" pitchFamily="34" charset="0"/>
+                      </a:endParaRPr>
+                    </a:p>
+                  </a:txBody>
+                  <a:tcPr marL="10701" marR="10701" marT="10701" marB="0" anchor="ctr"/>
+                </a:tc>
+                <a:tc>
+                  <a:txBody>
+                    <a:bodyPr/>
+                    <a:lstStyle/>
+                    <a:p>
+                      <a:pPr algn="ctr" fontAlgn="ctr"/>
+                      <a:endParaRPr lang="pt-BR" sz="1200" b="0" i="0" u="none" strike="noStrike">
+                        <a:solidFill>
+                          <a:srgbClr val="000000"/>
+                        </a:solidFill>
+                        <a:effectLst/>
+                        <a:latin typeface="Calibri" panose="020F0502020204030204" pitchFamily="34" charset="0"/>
+                      </a:endParaRPr>
+                    </a:p>
+                  </a:txBody>
+                  <a:tcPr marL="10701" marR="10701" marT="10701" marB="0" anchor="ctr"/>
+                </a:tc>
+                <a:tc>
+                  <a:txBody>
+                    <a:bodyPr/>
+                    <a:lstStyle/>
+                    <a:p>
+                      <a:pPr algn="ctr" fontAlgn="ctr"/>
+                      <a:endParaRPr lang="pt-BR" sz="1200" b="0" i="0" u="none" strike="noStrike">
+                        <a:solidFill>
+                          <a:srgbClr val="000000"/>
+                        </a:solidFill>
+                        <a:effectLst/>
+                        <a:latin typeface="Calibri" panose="020F0502020204030204" pitchFamily="34" charset="0"/>
+                      </a:endParaRPr>
+                    </a:p>
+                  </a:txBody>
+                  <a:tcPr marL="10701" marR="10701" marT="10701" marB="0" anchor="ctr"/>
+                </a:tc>
+                <a:tc>
+                  <a:txBody>
+                    <a:bodyPr/>
+                    <a:lstStyle/>
+                    <a:p>
+                      <a:pPr algn="ctr" fontAlgn="ctr"/>
+                      <a:endParaRPr lang="pt-BR" sz="1200" b="0" i="0" u="none" strike="noStrike">
+                        <a:solidFill>
+                          <a:srgbClr val="000000"/>
+                        </a:solidFill>
+                        <a:effectLst/>
+                        <a:latin typeface="Calibri" panose="020F0502020204030204" pitchFamily="34" charset="0"/>
+                      </a:endParaRPr>
+                    </a:p>
+                  </a:txBody>
+                  <a:tcPr marL="10701" marR="10701" marT="10701" marB="0" anchor="ctr"/>
+                </a:tc>
+                <a:tc>
+                  <a:txBody>
+                    <a:bodyPr/>
+                    <a:lstStyle/>
+                    <a:p>
+                      <a:pPr algn="ctr" fontAlgn="ctr"/>
+                      <a:endParaRPr lang="pt-BR" sz="1200" b="0" i="0" u="none" strike="noStrike">
+                        <a:solidFill>
+                          <a:srgbClr val="000000"/>
+                        </a:solidFill>
+                        <a:effectLst/>
+                        <a:latin typeface="Calibri" panose="020F0502020204030204" pitchFamily="34" charset="0"/>
+                      </a:endParaRPr>
+                    </a:p>
+                  </a:txBody>
+                  <a:tcPr marL="10701" marR="10701" marT="10701" marB="0" anchor="ctr"/>
+                </a:tc>
+                <a:tc>
+                  <a:txBody>
+                    <a:bodyPr/>
+                    <a:lstStyle/>
+                    <a:p>
+                      <a:pPr algn="ctr" fontAlgn="ctr"/>
+                      <a:endParaRPr lang="pt-BR" sz="1200" b="0" i="0" u="none" strike="noStrike">
+                        <a:solidFill>
+                          <a:srgbClr val="000000"/>
+                        </a:solidFill>
+                        <a:effectLst/>
+                        <a:latin typeface="Calibri" panose="020F0502020204030204" pitchFamily="34" charset="0"/>
+                      </a:endParaRPr>
+                    </a:p>
+                  </a:txBody>
+                  <a:tcPr marL="10701" marR="10701" marT="10701" marB="0" anchor="ctr"/>
+                </a:tc>
+                <a:tc>
+                  <a:txBody>
+                    <a:bodyPr/>
+                    <a:lstStyle/>
+                    <a:p>
+                      <a:pPr algn="ctr" fontAlgn="ctr"/>
+                      <a:endParaRPr lang="pt-BR" sz="1200" b="0" i="0" u="none" strike="noStrike" dirty="0">
+                        <a:solidFill>
+                          <a:srgbClr val="000000"/>
+                        </a:solidFill>
+                        <a:effectLst/>
+                        <a:latin typeface="Calibri" panose="020F0502020204030204" pitchFamily="34" charset="0"/>
+                      </a:endParaRPr>
+                    </a:p>
+                  </a:txBody>
+                  <a:tcPr marL="10701" marR="10701" marT="10701" marB="0" anchor="ctr"/>
                 </a:tc>
               </a:tr>
             </a:tbl>
